--- a/docs/figures/ImportUserGuide.pptx
+++ b/docs/figures/ImportUserGuide.pptx
@@ -1,21 +1,21 @@
 
 <file path=ppt/presentation.xml><?xml version="1.0" encoding="utf-8"?>
-<p:presentation xmlns:a="http://schemas.openxmlformats.org/drawingml/2006/main" xmlns:r="http://schemas.openxmlformats.org/officeDocument/2006/relationships" xmlns:mc="http://schemas.openxmlformats.org/markup-compatibility/2006" xmlns:mv="urn:schemas-microsoft-com:mac:vml" xmlns:p="http://schemas.openxmlformats.org/presentationml/2006/main" xmlns:c="http://schemas.openxmlformats.org/drawingml/2006/chart" xmlns:dgm="http://schemas.openxmlformats.org/drawingml/2006/diagram" xmlns:o="urn:schemas-microsoft-com:office:office" xmlns:v="urn:schemas-microsoft-com:vml" xmlns:pvml="urn:schemas-microsoft-com:office:powerpoint" xmlns:com="http://schemas.openxmlformats.org/drawingml/2006/compatibility" xmlns:p14="http://schemas.microsoft.com/office/powerpoint/2010/main" xmlns:p15="http://schemas.microsoft.com/office/powerpoint/2012/main" autoCompressPictures="0" strictFirstAndLastChars="0" saveSubsetFonts="1">
+<p:presentation xmlns:a="http://schemas.openxmlformats.org/drawingml/2006/main" xmlns:r="http://schemas.openxmlformats.org/officeDocument/2006/relationships" xmlns:p="http://schemas.openxmlformats.org/presentationml/2006/main" strictFirstAndLastChars="0" saveSubsetFonts="1" autoCompressPictures="0">
   <p:sldMasterIdLst>
-    <p:sldMasterId id="2147483659" r:id="rId3"/>
+    <p:sldMasterId id="2147483659" r:id="rId1"/>
   </p:sldMasterIdLst>
   <p:notesMasterIdLst>
-    <p:notesMasterId r:id="rId4"/>
+    <p:notesMasterId r:id="rId5"/>
   </p:notesMasterIdLst>
   <p:sldIdLst>
-    <p:sldId id="256" r:id="rId5"/>
-    <p:sldId id="257" r:id="rId6"/>
-    <p:sldId id="258" r:id="rId7"/>
+    <p:sldId id="256" r:id="rId2"/>
+    <p:sldId id="257" r:id="rId3"/>
+    <p:sldId id="258" r:id="rId4"/>
   </p:sldIdLst>
-  <p:sldSz cy="6858000" cx="12192000"/>
+  <p:sldSz cx="12192000" cy="6858000"/>
   <p:notesSz cx="6858000" cy="9144000"/>
   <p:defaultTextStyle>
-    <a:defPPr lvl="0" marR="0" rtl="0" algn="l">
+    <a:defPPr marR="0" lvl="0" algn="l" rtl="0">
       <a:lnSpc>
         <a:spcPct val="100000"/>
       </a:lnSpc>
@@ -26,7 +26,7 @@
         <a:spcPts val="0"/>
       </a:spcAft>
     </a:defPPr>
-    <a:lvl1pPr lvl="0" marR="0" rtl="0" algn="l">
+    <a:lvl1pPr marR="0" lvl="0" algn="l" rtl="0">
       <a:lnSpc>
         <a:spcPct val="100000"/>
       </a:lnSpc>
@@ -40,7 +40,7 @@
         <a:srgbClr val="000000"/>
       </a:buClr>
       <a:buFont typeface="Arial"/>
-      <a:defRPr b="0" i="0" sz="1400" u="none" cap="none" strike="noStrike">
+      <a:defRPr sz="1400" b="0" i="0" u="none" strike="noStrike" cap="none">
         <a:solidFill>
           <a:srgbClr val="000000"/>
         </a:solidFill>
@@ -50,7 +50,7 @@
         <a:sym typeface="Arial"/>
       </a:defRPr>
     </a:lvl1pPr>
-    <a:lvl2pPr lvl="1" marR="0" rtl="0" algn="l">
+    <a:lvl2pPr marR="0" lvl="1" algn="l" rtl="0">
       <a:lnSpc>
         <a:spcPct val="100000"/>
       </a:lnSpc>
@@ -64,7 +64,7 @@
         <a:srgbClr val="000000"/>
       </a:buClr>
       <a:buFont typeface="Arial"/>
-      <a:defRPr b="0" i="0" sz="1400" u="none" cap="none" strike="noStrike">
+      <a:defRPr sz="1400" b="0" i="0" u="none" strike="noStrike" cap="none">
         <a:solidFill>
           <a:srgbClr val="000000"/>
         </a:solidFill>
@@ -74,7 +74,7 @@
         <a:sym typeface="Arial"/>
       </a:defRPr>
     </a:lvl2pPr>
-    <a:lvl3pPr lvl="2" marR="0" rtl="0" algn="l">
+    <a:lvl3pPr marR="0" lvl="2" algn="l" rtl="0">
       <a:lnSpc>
         <a:spcPct val="100000"/>
       </a:lnSpc>
@@ -88,7 +88,7 @@
         <a:srgbClr val="000000"/>
       </a:buClr>
       <a:buFont typeface="Arial"/>
-      <a:defRPr b="0" i="0" sz="1400" u="none" cap="none" strike="noStrike">
+      <a:defRPr sz="1400" b="0" i="0" u="none" strike="noStrike" cap="none">
         <a:solidFill>
           <a:srgbClr val="000000"/>
         </a:solidFill>
@@ -98,7 +98,7 @@
         <a:sym typeface="Arial"/>
       </a:defRPr>
     </a:lvl3pPr>
-    <a:lvl4pPr lvl="3" marR="0" rtl="0" algn="l">
+    <a:lvl4pPr marR="0" lvl="3" algn="l" rtl="0">
       <a:lnSpc>
         <a:spcPct val="100000"/>
       </a:lnSpc>
@@ -112,7 +112,7 @@
         <a:srgbClr val="000000"/>
       </a:buClr>
       <a:buFont typeface="Arial"/>
-      <a:defRPr b="0" i="0" sz="1400" u="none" cap="none" strike="noStrike">
+      <a:defRPr sz="1400" b="0" i="0" u="none" strike="noStrike" cap="none">
         <a:solidFill>
           <a:srgbClr val="000000"/>
         </a:solidFill>
@@ -122,7 +122,7 @@
         <a:sym typeface="Arial"/>
       </a:defRPr>
     </a:lvl4pPr>
-    <a:lvl5pPr lvl="4" marR="0" rtl="0" algn="l">
+    <a:lvl5pPr marR="0" lvl="4" algn="l" rtl="0">
       <a:lnSpc>
         <a:spcPct val="100000"/>
       </a:lnSpc>
@@ -136,7 +136,7 @@
         <a:srgbClr val="000000"/>
       </a:buClr>
       <a:buFont typeface="Arial"/>
-      <a:defRPr b="0" i="0" sz="1400" u="none" cap="none" strike="noStrike">
+      <a:defRPr sz="1400" b="0" i="0" u="none" strike="noStrike" cap="none">
         <a:solidFill>
           <a:srgbClr val="000000"/>
         </a:solidFill>
@@ -146,7 +146,7 @@
         <a:sym typeface="Arial"/>
       </a:defRPr>
     </a:lvl5pPr>
-    <a:lvl6pPr lvl="5" marR="0" rtl="0" algn="l">
+    <a:lvl6pPr marR="0" lvl="5" algn="l" rtl="0">
       <a:lnSpc>
         <a:spcPct val="100000"/>
       </a:lnSpc>
@@ -160,7 +160,7 @@
         <a:srgbClr val="000000"/>
       </a:buClr>
       <a:buFont typeface="Arial"/>
-      <a:defRPr b="0" i="0" sz="1400" u="none" cap="none" strike="noStrike">
+      <a:defRPr sz="1400" b="0" i="0" u="none" strike="noStrike" cap="none">
         <a:solidFill>
           <a:srgbClr val="000000"/>
         </a:solidFill>
@@ -170,7 +170,7 @@
         <a:sym typeface="Arial"/>
       </a:defRPr>
     </a:lvl6pPr>
-    <a:lvl7pPr lvl="6" marR="0" rtl="0" algn="l">
+    <a:lvl7pPr marR="0" lvl="6" algn="l" rtl="0">
       <a:lnSpc>
         <a:spcPct val="100000"/>
       </a:lnSpc>
@@ -184,7 +184,7 @@
         <a:srgbClr val="000000"/>
       </a:buClr>
       <a:buFont typeface="Arial"/>
-      <a:defRPr b="0" i="0" sz="1400" u="none" cap="none" strike="noStrike">
+      <a:defRPr sz="1400" b="0" i="0" u="none" strike="noStrike" cap="none">
         <a:solidFill>
           <a:srgbClr val="000000"/>
         </a:solidFill>
@@ -194,7 +194,7 @@
         <a:sym typeface="Arial"/>
       </a:defRPr>
     </a:lvl7pPr>
-    <a:lvl8pPr lvl="7" marR="0" rtl="0" algn="l">
+    <a:lvl8pPr marR="0" lvl="7" algn="l" rtl="0">
       <a:lnSpc>
         <a:spcPct val="100000"/>
       </a:lnSpc>
@@ -208,7 +208,7 @@
         <a:srgbClr val="000000"/>
       </a:buClr>
       <a:buFont typeface="Arial"/>
-      <a:defRPr b="0" i="0" sz="1400" u="none" cap="none" strike="noStrike">
+      <a:defRPr sz="1400" b="0" i="0" u="none" strike="noStrike" cap="none">
         <a:solidFill>
           <a:srgbClr val="000000"/>
         </a:solidFill>
@@ -218,7 +218,7 @@
         <a:sym typeface="Arial"/>
       </a:defRPr>
     </a:lvl8pPr>
-    <a:lvl9pPr lvl="8" marR="0" rtl="0" algn="l">
+    <a:lvl9pPr marR="0" lvl="8" algn="l" rtl="0">
       <a:lnSpc>
         <a:spcPct val="100000"/>
       </a:lnSpc>
@@ -232,7 +232,7 @@
         <a:srgbClr val="000000"/>
       </a:buClr>
       <a:buFont typeface="Arial"/>
-      <a:defRPr b="0" i="0" sz="1400" u="none" cap="none" strike="noStrike">
+      <a:defRPr sz="1400" b="0" i="0" u="none" strike="noStrike" cap="none">
         <a:solidFill>
           <a:srgbClr val="000000"/>
         </a:solidFill>
@@ -243,22 +243,72 @@
       </a:defRPr>
     </a:lvl9pPr>
   </p:defaultTextStyle>
+  <p:extLst>
+    <p:ext uri="{EFAFB233-063F-42B5-8137-9DF3F51BA10A}">
+      <p15:sldGuideLst xmlns:p15="http://schemas.microsoft.com/office/powerpoint/2012/main"/>
+    </p:ext>
+  </p:extLst>
 </p:presentation>
 </file>
 
+<file path=ppt/changesInfos/changesInfo1.xml><?xml version="1.0" encoding="utf-8"?>
+<pc:chgInfo xmlns:a="http://schemas.openxmlformats.org/drawingml/2006/main" xmlns:r="http://schemas.openxmlformats.org/officeDocument/2006/relationships" xmlns:ac="http://schemas.microsoft.com/office/drawing/2013/main/command" xmlns:pc="http://schemas.microsoft.com/office/powerpoint/2013/main/command">
+  <pc:docChgLst>
+    <pc:chgData name="Ho Zong Sien" userId="03515f1a-cd05-4b48-bd07-e232f2fd8730" providerId="ADAL" clId="{20BDD3F7-D5FF-4402-8891-585A1C48941B}"/>
+    <pc:docChg chg="modSld">
+      <pc:chgData name="Ho Zong Sien" userId="03515f1a-cd05-4b48-bd07-e232f2fd8730" providerId="ADAL" clId="{20BDD3F7-D5FF-4402-8891-585A1C48941B}" dt="2018-10-29T18:58:24.243" v="2" actId="732"/>
+      <pc:docMkLst>
+        <pc:docMk/>
+      </pc:docMkLst>
+      <pc:sldChg chg="modSp">
+        <pc:chgData name="Ho Zong Sien" userId="03515f1a-cd05-4b48-bd07-e232f2fd8730" providerId="ADAL" clId="{20BDD3F7-D5FF-4402-8891-585A1C48941B}" dt="2018-10-29T18:54:48.174" v="0" actId="732"/>
+        <pc:sldMkLst>
+          <pc:docMk/>
+          <pc:sldMk cId="0" sldId="256"/>
+        </pc:sldMkLst>
+        <pc:picChg chg="mod modCrop">
+          <ac:chgData name="Ho Zong Sien" userId="03515f1a-cd05-4b48-bd07-e232f2fd8730" providerId="ADAL" clId="{20BDD3F7-D5FF-4402-8891-585A1C48941B}" dt="2018-10-29T18:54:48.174" v="0" actId="732"/>
+          <ac:picMkLst>
+            <pc:docMk/>
+            <pc:sldMk cId="0" sldId="256"/>
+            <ac:picMk id="89" creationId="{00000000-0000-0000-0000-000000000000}"/>
+          </ac:picMkLst>
+        </pc:picChg>
+      </pc:sldChg>
+      <pc:sldChg chg="modSp">
+        <pc:chgData name="Ho Zong Sien" userId="03515f1a-cd05-4b48-bd07-e232f2fd8730" providerId="ADAL" clId="{20BDD3F7-D5FF-4402-8891-585A1C48941B}" dt="2018-10-29T18:58:24.243" v="2" actId="732"/>
+        <pc:sldMkLst>
+          <pc:docMk/>
+          <pc:sldMk cId="0" sldId="257"/>
+        </pc:sldMkLst>
+        <pc:picChg chg="mod modCrop">
+          <ac:chgData name="Ho Zong Sien" userId="03515f1a-cd05-4b48-bd07-e232f2fd8730" providerId="ADAL" clId="{20BDD3F7-D5FF-4402-8891-585A1C48941B}" dt="2018-10-29T18:58:24.243" v="2" actId="732"/>
+          <ac:picMkLst>
+            <pc:docMk/>
+            <pc:sldMk cId="0" sldId="257"/>
+            <ac:picMk id="107" creationId="{00000000-0000-0000-0000-000000000000}"/>
+          </ac:picMkLst>
+        </pc:picChg>
+      </pc:sldChg>
+    </pc:docChg>
+  </pc:docChgLst>
+</pc:chgInfo>
+</file>
+
 <file path=ppt/notesMasters/notesMaster1.xml><?xml version="1.0" encoding="utf-8"?>
-<p:notesMaster xmlns:a="http://schemas.openxmlformats.org/drawingml/2006/main" xmlns:r="http://schemas.openxmlformats.org/officeDocument/2006/relationships" xmlns:mc="http://schemas.openxmlformats.org/markup-compatibility/2006" xmlns:mv="urn:schemas-microsoft-com:mac:vml" xmlns:p="http://schemas.openxmlformats.org/presentationml/2006/main" xmlns:c="http://schemas.openxmlformats.org/drawingml/2006/chart" xmlns:dgm="http://schemas.openxmlformats.org/drawingml/2006/diagram" xmlns:o="urn:schemas-microsoft-com:office:office" xmlns:v="urn:schemas-microsoft-com:vml" xmlns:pvml="urn:schemas-microsoft-com:office:powerpoint" xmlns:com="http://schemas.openxmlformats.org/drawingml/2006/compatibility" xmlns:p14="http://schemas.microsoft.com/office/powerpoint/2010/main" xmlns:p15="http://schemas.microsoft.com/office/powerpoint/2012/main">
+<p:notesMaster xmlns:a="http://schemas.openxmlformats.org/drawingml/2006/main" xmlns:r="http://schemas.openxmlformats.org/officeDocument/2006/relationships" xmlns:p="http://schemas.openxmlformats.org/presentationml/2006/main">
   <p:cSld>
     <p:bg>
       <p:bgPr>
         <a:solidFill>
           <a:schemeClr val="lt1"/>
         </a:solidFill>
+        <a:effectLst/>
       </p:bgPr>
     </p:bg>
     <p:spTree>
       <p:nvGrpSpPr>
-        <p:cNvPr id="2" name="Shape 2"/>
+        <p:cNvPr id="1" name="Shape 2"/>
         <p:cNvGrpSpPr/>
         <p:nvPr/>
       </p:nvGrpSpPr>
@@ -273,9 +323,11 @@
       <p:sp>
         <p:nvSpPr>
           <p:cNvPr id="3" name="Google Shape;3;n"/>
-          <p:cNvSpPr txBox="1"/>
+          <p:cNvSpPr txBox="1">
+            <a:spLocks noGrp="1"/>
+          </p:cNvSpPr>
           <p:nvPr>
-            <p:ph idx="2" type="hdr"/>
+            <p:ph type="hdr" idx="2"/>
           </p:nvPr>
         </p:nvSpPr>
         <p:spPr>
@@ -292,18 +344,18 @@
           </a:ln>
         </p:spPr>
         <p:txBody>
-          <a:bodyPr anchorCtr="0" anchor="t" bIns="45700" lIns="91425" spcFirstLastPara="1" rIns="91425" wrap="square" tIns="45700"/>
+          <a:bodyPr spcFirstLastPara="1" wrap="square" lIns="91425" tIns="45700" rIns="91425" bIns="45700" anchor="t" anchorCtr="0"/>
           <a:lstStyle>
-            <a:lvl1pPr lvl="0" marR="0" rtl="0" algn="l">
-              <a:spcBef>
-                <a:spcPts val="0"/>
-              </a:spcBef>
-              <a:spcAft>
-                <a:spcPts val="0"/>
-              </a:spcAft>
-              <a:buSzPts val="1400"/>
-              <a:buNone/>
-              <a:defRPr b="0" i="0" sz="1200" u="none" cap="none" strike="noStrike">
+            <a:lvl1pPr marR="0" lvl="0" algn="l" rtl="0">
+              <a:spcBef>
+                <a:spcPts val="0"/>
+              </a:spcBef>
+              <a:spcAft>
+                <a:spcPts val="0"/>
+              </a:spcAft>
+              <a:buSzPts val="1400"/>
+              <a:buNone/>
+              <a:defRPr sz="1200" b="0" i="0" u="none" strike="noStrike" cap="none">
                 <a:solidFill>
                   <a:schemeClr val="dk1"/>
                 </a:solidFill>
@@ -313,16 +365,16 @@
                 <a:sym typeface="Calibri"/>
               </a:defRPr>
             </a:lvl1pPr>
-            <a:lvl2pPr lvl="1" marR="0" rtl="0" algn="l">
-              <a:spcBef>
-                <a:spcPts val="0"/>
-              </a:spcBef>
-              <a:spcAft>
-                <a:spcPts val="0"/>
-              </a:spcAft>
-              <a:buSzPts val="1400"/>
-              <a:buNone/>
-              <a:defRPr b="0" i="0" sz="1800" u="none" cap="none" strike="noStrike">
+            <a:lvl2pPr marR="0" lvl="1" algn="l" rtl="0">
+              <a:spcBef>
+                <a:spcPts val="0"/>
+              </a:spcBef>
+              <a:spcAft>
+                <a:spcPts val="0"/>
+              </a:spcAft>
+              <a:buSzPts val="1400"/>
+              <a:buNone/>
+              <a:defRPr sz="1800" b="0" i="0" u="none" strike="noStrike" cap="none">
                 <a:solidFill>
                   <a:schemeClr val="dk1"/>
                 </a:solidFill>
@@ -332,16 +384,16 @@
                 <a:sym typeface="Calibri"/>
               </a:defRPr>
             </a:lvl2pPr>
-            <a:lvl3pPr lvl="2" marR="0" rtl="0" algn="l">
-              <a:spcBef>
-                <a:spcPts val="0"/>
-              </a:spcBef>
-              <a:spcAft>
-                <a:spcPts val="0"/>
-              </a:spcAft>
-              <a:buSzPts val="1400"/>
-              <a:buNone/>
-              <a:defRPr b="0" i="0" sz="1800" u="none" cap="none" strike="noStrike">
+            <a:lvl3pPr marR="0" lvl="2" algn="l" rtl="0">
+              <a:spcBef>
+                <a:spcPts val="0"/>
+              </a:spcBef>
+              <a:spcAft>
+                <a:spcPts val="0"/>
+              </a:spcAft>
+              <a:buSzPts val="1400"/>
+              <a:buNone/>
+              <a:defRPr sz="1800" b="0" i="0" u="none" strike="noStrike" cap="none">
                 <a:solidFill>
                   <a:schemeClr val="dk1"/>
                 </a:solidFill>
@@ -351,16 +403,16 @@
                 <a:sym typeface="Calibri"/>
               </a:defRPr>
             </a:lvl3pPr>
-            <a:lvl4pPr lvl="3" marR="0" rtl="0" algn="l">
-              <a:spcBef>
-                <a:spcPts val="0"/>
-              </a:spcBef>
-              <a:spcAft>
-                <a:spcPts val="0"/>
-              </a:spcAft>
-              <a:buSzPts val="1400"/>
-              <a:buNone/>
-              <a:defRPr b="0" i="0" sz="1800" u="none" cap="none" strike="noStrike">
+            <a:lvl4pPr marR="0" lvl="3" algn="l" rtl="0">
+              <a:spcBef>
+                <a:spcPts val="0"/>
+              </a:spcBef>
+              <a:spcAft>
+                <a:spcPts val="0"/>
+              </a:spcAft>
+              <a:buSzPts val="1400"/>
+              <a:buNone/>
+              <a:defRPr sz="1800" b="0" i="0" u="none" strike="noStrike" cap="none">
                 <a:solidFill>
                   <a:schemeClr val="dk1"/>
                 </a:solidFill>
@@ -370,16 +422,16 @@
                 <a:sym typeface="Calibri"/>
               </a:defRPr>
             </a:lvl4pPr>
-            <a:lvl5pPr lvl="4" marR="0" rtl="0" algn="l">
-              <a:spcBef>
-                <a:spcPts val="0"/>
-              </a:spcBef>
-              <a:spcAft>
-                <a:spcPts val="0"/>
-              </a:spcAft>
-              <a:buSzPts val="1400"/>
-              <a:buNone/>
-              <a:defRPr b="0" i="0" sz="1800" u="none" cap="none" strike="noStrike">
+            <a:lvl5pPr marR="0" lvl="4" algn="l" rtl="0">
+              <a:spcBef>
+                <a:spcPts val="0"/>
+              </a:spcBef>
+              <a:spcAft>
+                <a:spcPts val="0"/>
+              </a:spcAft>
+              <a:buSzPts val="1400"/>
+              <a:buNone/>
+              <a:defRPr sz="1800" b="0" i="0" u="none" strike="noStrike" cap="none">
                 <a:solidFill>
                   <a:schemeClr val="dk1"/>
                 </a:solidFill>
@@ -389,16 +441,16 @@
                 <a:sym typeface="Calibri"/>
               </a:defRPr>
             </a:lvl5pPr>
-            <a:lvl6pPr lvl="5" marR="0" rtl="0" algn="l">
-              <a:spcBef>
-                <a:spcPts val="0"/>
-              </a:spcBef>
-              <a:spcAft>
-                <a:spcPts val="0"/>
-              </a:spcAft>
-              <a:buSzPts val="1400"/>
-              <a:buNone/>
-              <a:defRPr b="0" i="0" sz="1800" u="none" cap="none" strike="noStrike">
+            <a:lvl6pPr marR="0" lvl="5" algn="l" rtl="0">
+              <a:spcBef>
+                <a:spcPts val="0"/>
+              </a:spcBef>
+              <a:spcAft>
+                <a:spcPts val="0"/>
+              </a:spcAft>
+              <a:buSzPts val="1400"/>
+              <a:buNone/>
+              <a:defRPr sz="1800" b="0" i="0" u="none" strike="noStrike" cap="none">
                 <a:solidFill>
                   <a:schemeClr val="dk1"/>
                 </a:solidFill>
@@ -408,16 +460,16 @@
                 <a:sym typeface="Calibri"/>
               </a:defRPr>
             </a:lvl6pPr>
-            <a:lvl7pPr lvl="6" marR="0" rtl="0" algn="l">
-              <a:spcBef>
-                <a:spcPts val="0"/>
-              </a:spcBef>
-              <a:spcAft>
-                <a:spcPts val="0"/>
-              </a:spcAft>
-              <a:buSzPts val="1400"/>
-              <a:buNone/>
-              <a:defRPr b="0" i="0" sz="1800" u="none" cap="none" strike="noStrike">
+            <a:lvl7pPr marR="0" lvl="6" algn="l" rtl="0">
+              <a:spcBef>
+                <a:spcPts val="0"/>
+              </a:spcBef>
+              <a:spcAft>
+                <a:spcPts val="0"/>
+              </a:spcAft>
+              <a:buSzPts val="1400"/>
+              <a:buNone/>
+              <a:defRPr sz="1800" b="0" i="0" u="none" strike="noStrike" cap="none">
                 <a:solidFill>
                   <a:schemeClr val="dk1"/>
                 </a:solidFill>
@@ -427,16 +479,16 @@
                 <a:sym typeface="Calibri"/>
               </a:defRPr>
             </a:lvl7pPr>
-            <a:lvl8pPr lvl="7" marR="0" rtl="0" algn="l">
-              <a:spcBef>
-                <a:spcPts val="0"/>
-              </a:spcBef>
-              <a:spcAft>
-                <a:spcPts val="0"/>
-              </a:spcAft>
-              <a:buSzPts val="1400"/>
-              <a:buNone/>
-              <a:defRPr b="0" i="0" sz="1800" u="none" cap="none" strike="noStrike">
+            <a:lvl8pPr marR="0" lvl="7" algn="l" rtl="0">
+              <a:spcBef>
+                <a:spcPts val="0"/>
+              </a:spcBef>
+              <a:spcAft>
+                <a:spcPts val="0"/>
+              </a:spcAft>
+              <a:buSzPts val="1400"/>
+              <a:buNone/>
+              <a:defRPr sz="1800" b="0" i="0" u="none" strike="noStrike" cap="none">
                 <a:solidFill>
                   <a:schemeClr val="dk1"/>
                 </a:solidFill>
@@ -446,16 +498,16 @@
                 <a:sym typeface="Calibri"/>
               </a:defRPr>
             </a:lvl8pPr>
-            <a:lvl9pPr lvl="8" marR="0" rtl="0" algn="l">
-              <a:spcBef>
-                <a:spcPts val="0"/>
-              </a:spcBef>
-              <a:spcAft>
-                <a:spcPts val="0"/>
-              </a:spcAft>
-              <a:buSzPts val="1400"/>
-              <a:buNone/>
-              <a:defRPr b="0" i="0" sz="1800" u="none" cap="none" strike="noStrike">
+            <a:lvl9pPr marR="0" lvl="8" algn="l" rtl="0">
+              <a:spcBef>
+                <a:spcPts val="0"/>
+              </a:spcBef>
+              <a:spcAft>
+                <a:spcPts val="0"/>
+              </a:spcAft>
+              <a:buSzPts val="1400"/>
+              <a:buNone/>
+              <a:defRPr sz="1800" b="0" i="0" u="none" strike="noStrike" cap="none">
                 <a:solidFill>
                   <a:schemeClr val="dk1"/>
                 </a:solidFill>
@@ -466,15 +518,19 @@
               </a:defRPr>
             </a:lvl9pPr>
           </a:lstStyle>
-          <a:p/>
+          <a:p>
+            <a:endParaRPr/>
+          </a:p>
         </p:txBody>
       </p:sp>
       <p:sp>
         <p:nvSpPr>
           <p:cNvPr id="4" name="Google Shape;4;n"/>
-          <p:cNvSpPr txBox="1"/>
+          <p:cNvSpPr txBox="1">
+            <a:spLocks noGrp="1"/>
+          </p:cNvSpPr>
           <p:nvPr>
-            <p:ph idx="10" type="dt"/>
+            <p:ph type="dt" idx="10"/>
           </p:nvPr>
         </p:nvSpPr>
         <p:spPr>
@@ -491,18 +547,18 @@
           </a:ln>
         </p:spPr>
         <p:txBody>
-          <a:bodyPr anchorCtr="0" anchor="t" bIns="45700" lIns="91425" spcFirstLastPara="1" rIns="91425" wrap="square" tIns="45700"/>
+          <a:bodyPr spcFirstLastPara="1" wrap="square" lIns="91425" tIns="45700" rIns="91425" bIns="45700" anchor="t" anchorCtr="0"/>
           <a:lstStyle>
-            <a:lvl1pPr lvl="0" marR="0" rtl="0" algn="r">
-              <a:spcBef>
-                <a:spcPts val="0"/>
-              </a:spcBef>
-              <a:spcAft>
-                <a:spcPts val="0"/>
-              </a:spcAft>
-              <a:buSzPts val="1400"/>
-              <a:buNone/>
-              <a:defRPr b="0" i="0" sz="1200" u="none" cap="none" strike="noStrike">
+            <a:lvl1pPr marR="0" lvl="0" algn="r" rtl="0">
+              <a:spcBef>
+                <a:spcPts val="0"/>
+              </a:spcBef>
+              <a:spcAft>
+                <a:spcPts val="0"/>
+              </a:spcAft>
+              <a:buSzPts val="1400"/>
+              <a:buNone/>
+              <a:defRPr sz="1200" b="0" i="0" u="none" strike="noStrike" cap="none">
                 <a:solidFill>
                   <a:schemeClr val="dk1"/>
                 </a:solidFill>
@@ -512,16 +568,16 @@
                 <a:sym typeface="Calibri"/>
               </a:defRPr>
             </a:lvl1pPr>
-            <a:lvl2pPr lvl="1" marR="0" rtl="0" algn="l">
-              <a:spcBef>
-                <a:spcPts val="0"/>
-              </a:spcBef>
-              <a:spcAft>
-                <a:spcPts val="0"/>
-              </a:spcAft>
-              <a:buSzPts val="1400"/>
-              <a:buNone/>
-              <a:defRPr b="0" i="0" sz="1800" u="none" cap="none" strike="noStrike">
+            <a:lvl2pPr marR="0" lvl="1" algn="l" rtl="0">
+              <a:spcBef>
+                <a:spcPts val="0"/>
+              </a:spcBef>
+              <a:spcAft>
+                <a:spcPts val="0"/>
+              </a:spcAft>
+              <a:buSzPts val="1400"/>
+              <a:buNone/>
+              <a:defRPr sz="1800" b="0" i="0" u="none" strike="noStrike" cap="none">
                 <a:solidFill>
                   <a:schemeClr val="dk1"/>
                 </a:solidFill>
@@ -531,16 +587,16 @@
                 <a:sym typeface="Calibri"/>
               </a:defRPr>
             </a:lvl2pPr>
-            <a:lvl3pPr lvl="2" marR="0" rtl="0" algn="l">
-              <a:spcBef>
-                <a:spcPts val="0"/>
-              </a:spcBef>
-              <a:spcAft>
-                <a:spcPts val="0"/>
-              </a:spcAft>
-              <a:buSzPts val="1400"/>
-              <a:buNone/>
-              <a:defRPr b="0" i="0" sz="1800" u="none" cap="none" strike="noStrike">
+            <a:lvl3pPr marR="0" lvl="2" algn="l" rtl="0">
+              <a:spcBef>
+                <a:spcPts val="0"/>
+              </a:spcBef>
+              <a:spcAft>
+                <a:spcPts val="0"/>
+              </a:spcAft>
+              <a:buSzPts val="1400"/>
+              <a:buNone/>
+              <a:defRPr sz="1800" b="0" i="0" u="none" strike="noStrike" cap="none">
                 <a:solidFill>
                   <a:schemeClr val="dk1"/>
                 </a:solidFill>
@@ -550,16 +606,16 @@
                 <a:sym typeface="Calibri"/>
               </a:defRPr>
             </a:lvl3pPr>
-            <a:lvl4pPr lvl="3" marR="0" rtl="0" algn="l">
-              <a:spcBef>
-                <a:spcPts val="0"/>
-              </a:spcBef>
-              <a:spcAft>
-                <a:spcPts val="0"/>
-              </a:spcAft>
-              <a:buSzPts val="1400"/>
-              <a:buNone/>
-              <a:defRPr b="0" i="0" sz="1800" u="none" cap="none" strike="noStrike">
+            <a:lvl4pPr marR="0" lvl="3" algn="l" rtl="0">
+              <a:spcBef>
+                <a:spcPts val="0"/>
+              </a:spcBef>
+              <a:spcAft>
+                <a:spcPts val="0"/>
+              </a:spcAft>
+              <a:buSzPts val="1400"/>
+              <a:buNone/>
+              <a:defRPr sz="1800" b="0" i="0" u="none" strike="noStrike" cap="none">
                 <a:solidFill>
                   <a:schemeClr val="dk1"/>
                 </a:solidFill>
@@ -569,16 +625,16 @@
                 <a:sym typeface="Calibri"/>
               </a:defRPr>
             </a:lvl4pPr>
-            <a:lvl5pPr lvl="4" marR="0" rtl="0" algn="l">
-              <a:spcBef>
-                <a:spcPts val="0"/>
-              </a:spcBef>
-              <a:spcAft>
-                <a:spcPts val="0"/>
-              </a:spcAft>
-              <a:buSzPts val="1400"/>
-              <a:buNone/>
-              <a:defRPr b="0" i="0" sz="1800" u="none" cap="none" strike="noStrike">
+            <a:lvl5pPr marR="0" lvl="4" algn="l" rtl="0">
+              <a:spcBef>
+                <a:spcPts val="0"/>
+              </a:spcBef>
+              <a:spcAft>
+                <a:spcPts val="0"/>
+              </a:spcAft>
+              <a:buSzPts val="1400"/>
+              <a:buNone/>
+              <a:defRPr sz="1800" b="0" i="0" u="none" strike="noStrike" cap="none">
                 <a:solidFill>
                   <a:schemeClr val="dk1"/>
                 </a:solidFill>
@@ -588,16 +644,16 @@
                 <a:sym typeface="Calibri"/>
               </a:defRPr>
             </a:lvl5pPr>
-            <a:lvl6pPr lvl="5" marR="0" rtl="0" algn="l">
-              <a:spcBef>
-                <a:spcPts val="0"/>
-              </a:spcBef>
-              <a:spcAft>
-                <a:spcPts val="0"/>
-              </a:spcAft>
-              <a:buSzPts val="1400"/>
-              <a:buNone/>
-              <a:defRPr b="0" i="0" sz="1800" u="none" cap="none" strike="noStrike">
+            <a:lvl6pPr marR="0" lvl="5" algn="l" rtl="0">
+              <a:spcBef>
+                <a:spcPts val="0"/>
+              </a:spcBef>
+              <a:spcAft>
+                <a:spcPts val="0"/>
+              </a:spcAft>
+              <a:buSzPts val="1400"/>
+              <a:buNone/>
+              <a:defRPr sz="1800" b="0" i="0" u="none" strike="noStrike" cap="none">
                 <a:solidFill>
                   <a:schemeClr val="dk1"/>
                 </a:solidFill>
@@ -607,16 +663,16 @@
                 <a:sym typeface="Calibri"/>
               </a:defRPr>
             </a:lvl6pPr>
-            <a:lvl7pPr lvl="6" marR="0" rtl="0" algn="l">
-              <a:spcBef>
-                <a:spcPts val="0"/>
-              </a:spcBef>
-              <a:spcAft>
-                <a:spcPts val="0"/>
-              </a:spcAft>
-              <a:buSzPts val="1400"/>
-              <a:buNone/>
-              <a:defRPr b="0" i="0" sz="1800" u="none" cap="none" strike="noStrike">
+            <a:lvl7pPr marR="0" lvl="6" algn="l" rtl="0">
+              <a:spcBef>
+                <a:spcPts val="0"/>
+              </a:spcBef>
+              <a:spcAft>
+                <a:spcPts val="0"/>
+              </a:spcAft>
+              <a:buSzPts val="1400"/>
+              <a:buNone/>
+              <a:defRPr sz="1800" b="0" i="0" u="none" strike="noStrike" cap="none">
                 <a:solidFill>
                   <a:schemeClr val="dk1"/>
                 </a:solidFill>
@@ -626,16 +682,16 @@
                 <a:sym typeface="Calibri"/>
               </a:defRPr>
             </a:lvl7pPr>
-            <a:lvl8pPr lvl="7" marR="0" rtl="0" algn="l">
-              <a:spcBef>
-                <a:spcPts val="0"/>
-              </a:spcBef>
-              <a:spcAft>
-                <a:spcPts val="0"/>
-              </a:spcAft>
-              <a:buSzPts val="1400"/>
-              <a:buNone/>
-              <a:defRPr b="0" i="0" sz="1800" u="none" cap="none" strike="noStrike">
+            <a:lvl8pPr marR="0" lvl="7" algn="l" rtl="0">
+              <a:spcBef>
+                <a:spcPts val="0"/>
+              </a:spcBef>
+              <a:spcAft>
+                <a:spcPts val="0"/>
+              </a:spcAft>
+              <a:buSzPts val="1400"/>
+              <a:buNone/>
+              <a:defRPr sz="1800" b="0" i="0" u="none" strike="noStrike" cap="none">
                 <a:solidFill>
                   <a:schemeClr val="dk1"/>
                 </a:solidFill>
@@ -645,16 +701,16 @@
                 <a:sym typeface="Calibri"/>
               </a:defRPr>
             </a:lvl8pPr>
-            <a:lvl9pPr lvl="8" marR="0" rtl="0" algn="l">
-              <a:spcBef>
-                <a:spcPts val="0"/>
-              </a:spcBef>
-              <a:spcAft>
-                <a:spcPts val="0"/>
-              </a:spcAft>
-              <a:buSzPts val="1400"/>
-              <a:buNone/>
-              <a:defRPr b="0" i="0" sz="1800" u="none" cap="none" strike="noStrike">
+            <a:lvl9pPr marR="0" lvl="8" algn="l" rtl="0">
+              <a:spcBef>
+                <a:spcPts val="0"/>
+              </a:spcBef>
+              <a:spcAft>
+                <a:spcPts val="0"/>
+              </a:spcAft>
+              <a:buSzPts val="1400"/>
+              <a:buNone/>
+              <a:defRPr sz="1800" b="0" i="0" u="none" strike="noStrike" cap="none">
                 <a:solidFill>
                   <a:schemeClr val="dk1"/>
                 </a:solidFill>
@@ -665,15 +721,19 @@
               </a:defRPr>
             </a:lvl9pPr>
           </a:lstStyle>
-          <a:p/>
+          <a:p>
+            <a:endParaRPr/>
+          </a:p>
         </p:txBody>
       </p:sp>
       <p:sp>
         <p:nvSpPr>
           <p:cNvPr id="5" name="Google Shape;5;n"/>
-          <p:cNvSpPr/>
+          <p:cNvSpPr>
+            <a:spLocks noGrp="1" noRot="1" noChangeAspect="1"/>
+          </p:cNvSpPr>
           <p:nvPr>
-            <p:ph idx="3" type="sldImg"/>
+            <p:ph type="sldImg" idx="3"/>
           </p:nvPr>
         </p:nvSpPr>
         <p:spPr>
@@ -682,9 +742,13 @@
             <a:ext cx="5486400" cy="3086100"/>
           </a:xfrm>
           <a:custGeom>
-            <a:rect b="b" l="l" r="r" t="t"/>
+            <a:avLst/>
+            <a:gdLst/>
+            <a:ahLst/>
+            <a:cxnLst/>
+            <a:rect l="l" t="t" r="r" b="b"/>
             <a:pathLst>
-              <a:path extrusionOk="0" h="120000" w="120000">
+              <a:path w="120000" h="120000" extrusionOk="0">
                 <a:moveTo>
                   <a:pt x="0" y="0"/>
                 </a:moveTo>
@@ -702,23 +766,25 @@
             </a:pathLst>
           </a:custGeom>
           <a:noFill/>
-          <a:ln cap="flat" cmpd="sng" w="12700">
+          <a:ln w="12700" cap="flat" cmpd="sng">
             <a:solidFill>
               <a:srgbClr val="000000"/>
             </a:solidFill>
             <a:prstDash val="solid"/>
             <a:round/>
-            <a:headEnd len="sm" w="sm" type="none"/>
-            <a:tailEnd len="sm" w="sm" type="none"/>
+            <a:headEnd type="none" w="sm" len="sm"/>
+            <a:tailEnd type="none" w="sm" len="sm"/>
           </a:ln>
         </p:spPr>
       </p:sp>
       <p:sp>
         <p:nvSpPr>
           <p:cNvPr id="6" name="Google Shape;6;n"/>
-          <p:cNvSpPr txBox="1"/>
+          <p:cNvSpPr txBox="1">
+            <a:spLocks noGrp="1"/>
+          </p:cNvSpPr>
           <p:nvPr>
-            <p:ph idx="1" type="body"/>
+            <p:ph type="body" idx="1"/>
           </p:nvPr>
         </p:nvSpPr>
         <p:spPr>
@@ -735,18 +801,18 @@
           </a:ln>
         </p:spPr>
         <p:txBody>
-          <a:bodyPr anchorCtr="0" anchor="t" bIns="45700" lIns="91425" spcFirstLastPara="1" rIns="91425" wrap="square" tIns="45700"/>
+          <a:bodyPr spcFirstLastPara="1" wrap="square" lIns="91425" tIns="45700" rIns="91425" bIns="45700" anchor="t" anchorCtr="0"/>
           <a:lstStyle>
-            <a:lvl1pPr indent="-228600" lvl="0" marL="457200" marR="0" rtl="0" algn="l">
-              <a:spcBef>
-                <a:spcPts val="0"/>
-              </a:spcBef>
-              <a:spcAft>
-                <a:spcPts val="0"/>
-              </a:spcAft>
-              <a:buSzPts val="1400"/>
-              <a:buNone/>
-              <a:defRPr b="0" i="0" sz="1200" u="none" cap="none" strike="noStrike">
+            <a:lvl1pPr marL="457200" marR="0" lvl="0" indent="-228600" algn="l" rtl="0">
+              <a:spcBef>
+                <a:spcPts val="0"/>
+              </a:spcBef>
+              <a:spcAft>
+                <a:spcPts val="0"/>
+              </a:spcAft>
+              <a:buSzPts val="1400"/>
+              <a:buNone/>
+              <a:defRPr sz="1200" b="0" i="0" u="none" strike="noStrike" cap="none">
                 <a:solidFill>
                   <a:schemeClr val="dk1"/>
                 </a:solidFill>
@@ -756,16 +822,16 @@
                 <a:sym typeface="Calibri"/>
               </a:defRPr>
             </a:lvl1pPr>
-            <a:lvl2pPr indent="-228600" lvl="1" marL="914400" marR="0" rtl="0" algn="l">
-              <a:spcBef>
-                <a:spcPts val="0"/>
-              </a:spcBef>
-              <a:spcAft>
-                <a:spcPts val="0"/>
-              </a:spcAft>
-              <a:buSzPts val="1400"/>
-              <a:buNone/>
-              <a:defRPr b="0" i="0" sz="1200" u="none" cap="none" strike="noStrike">
+            <a:lvl2pPr marL="914400" marR="0" lvl="1" indent="-228600" algn="l" rtl="0">
+              <a:spcBef>
+                <a:spcPts val="0"/>
+              </a:spcBef>
+              <a:spcAft>
+                <a:spcPts val="0"/>
+              </a:spcAft>
+              <a:buSzPts val="1400"/>
+              <a:buNone/>
+              <a:defRPr sz="1200" b="0" i="0" u="none" strike="noStrike" cap="none">
                 <a:solidFill>
                   <a:schemeClr val="dk1"/>
                 </a:solidFill>
@@ -775,16 +841,16 @@
                 <a:sym typeface="Calibri"/>
               </a:defRPr>
             </a:lvl2pPr>
-            <a:lvl3pPr indent="-228600" lvl="2" marL="1371600" marR="0" rtl="0" algn="l">
-              <a:spcBef>
-                <a:spcPts val="0"/>
-              </a:spcBef>
-              <a:spcAft>
-                <a:spcPts val="0"/>
-              </a:spcAft>
-              <a:buSzPts val="1400"/>
-              <a:buNone/>
-              <a:defRPr b="0" i="0" sz="1200" u="none" cap="none" strike="noStrike">
+            <a:lvl3pPr marL="1371600" marR="0" lvl="2" indent="-228600" algn="l" rtl="0">
+              <a:spcBef>
+                <a:spcPts val="0"/>
+              </a:spcBef>
+              <a:spcAft>
+                <a:spcPts val="0"/>
+              </a:spcAft>
+              <a:buSzPts val="1400"/>
+              <a:buNone/>
+              <a:defRPr sz="1200" b="0" i="0" u="none" strike="noStrike" cap="none">
                 <a:solidFill>
                   <a:schemeClr val="dk1"/>
                 </a:solidFill>
@@ -794,16 +860,16 @@
                 <a:sym typeface="Calibri"/>
               </a:defRPr>
             </a:lvl3pPr>
-            <a:lvl4pPr indent="-228600" lvl="3" marL="1828800" marR="0" rtl="0" algn="l">
-              <a:spcBef>
-                <a:spcPts val="0"/>
-              </a:spcBef>
-              <a:spcAft>
-                <a:spcPts val="0"/>
-              </a:spcAft>
-              <a:buSzPts val="1400"/>
-              <a:buNone/>
-              <a:defRPr b="0" i="0" sz="1200" u="none" cap="none" strike="noStrike">
+            <a:lvl4pPr marL="1828800" marR="0" lvl="3" indent="-228600" algn="l" rtl="0">
+              <a:spcBef>
+                <a:spcPts val="0"/>
+              </a:spcBef>
+              <a:spcAft>
+                <a:spcPts val="0"/>
+              </a:spcAft>
+              <a:buSzPts val="1400"/>
+              <a:buNone/>
+              <a:defRPr sz="1200" b="0" i="0" u="none" strike="noStrike" cap="none">
                 <a:solidFill>
                   <a:schemeClr val="dk1"/>
                 </a:solidFill>
@@ -813,16 +879,16 @@
                 <a:sym typeface="Calibri"/>
               </a:defRPr>
             </a:lvl4pPr>
-            <a:lvl5pPr indent="-228600" lvl="4" marL="2286000" marR="0" rtl="0" algn="l">
-              <a:spcBef>
-                <a:spcPts val="0"/>
-              </a:spcBef>
-              <a:spcAft>
-                <a:spcPts val="0"/>
-              </a:spcAft>
-              <a:buSzPts val="1400"/>
-              <a:buNone/>
-              <a:defRPr b="0" i="0" sz="1200" u="none" cap="none" strike="noStrike">
+            <a:lvl5pPr marL="2286000" marR="0" lvl="4" indent="-228600" algn="l" rtl="0">
+              <a:spcBef>
+                <a:spcPts val="0"/>
+              </a:spcBef>
+              <a:spcAft>
+                <a:spcPts val="0"/>
+              </a:spcAft>
+              <a:buSzPts val="1400"/>
+              <a:buNone/>
+              <a:defRPr sz="1200" b="0" i="0" u="none" strike="noStrike" cap="none">
                 <a:solidFill>
                   <a:schemeClr val="dk1"/>
                 </a:solidFill>
@@ -832,16 +898,16 @@
                 <a:sym typeface="Calibri"/>
               </a:defRPr>
             </a:lvl5pPr>
-            <a:lvl6pPr indent="-228600" lvl="5" marL="2743200" marR="0" rtl="0" algn="l">
-              <a:spcBef>
-                <a:spcPts val="0"/>
-              </a:spcBef>
-              <a:spcAft>
-                <a:spcPts val="0"/>
-              </a:spcAft>
-              <a:buSzPts val="1400"/>
-              <a:buNone/>
-              <a:defRPr b="0" i="0" sz="1200" u="none" cap="none" strike="noStrike">
+            <a:lvl6pPr marL="2743200" marR="0" lvl="5" indent="-228600" algn="l" rtl="0">
+              <a:spcBef>
+                <a:spcPts val="0"/>
+              </a:spcBef>
+              <a:spcAft>
+                <a:spcPts val="0"/>
+              </a:spcAft>
+              <a:buSzPts val="1400"/>
+              <a:buNone/>
+              <a:defRPr sz="1200" b="0" i="0" u="none" strike="noStrike" cap="none">
                 <a:solidFill>
                   <a:schemeClr val="dk1"/>
                 </a:solidFill>
@@ -851,16 +917,16 @@
                 <a:sym typeface="Calibri"/>
               </a:defRPr>
             </a:lvl6pPr>
-            <a:lvl7pPr indent="-228600" lvl="6" marL="3200400" marR="0" rtl="0" algn="l">
-              <a:spcBef>
-                <a:spcPts val="0"/>
-              </a:spcBef>
-              <a:spcAft>
-                <a:spcPts val="0"/>
-              </a:spcAft>
-              <a:buSzPts val="1400"/>
-              <a:buNone/>
-              <a:defRPr b="0" i="0" sz="1200" u="none" cap="none" strike="noStrike">
+            <a:lvl7pPr marL="3200400" marR="0" lvl="6" indent="-228600" algn="l" rtl="0">
+              <a:spcBef>
+                <a:spcPts val="0"/>
+              </a:spcBef>
+              <a:spcAft>
+                <a:spcPts val="0"/>
+              </a:spcAft>
+              <a:buSzPts val="1400"/>
+              <a:buNone/>
+              <a:defRPr sz="1200" b="0" i="0" u="none" strike="noStrike" cap="none">
                 <a:solidFill>
                   <a:schemeClr val="dk1"/>
                 </a:solidFill>
@@ -870,16 +936,16 @@
                 <a:sym typeface="Calibri"/>
               </a:defRPr>
             </a:lvl7pPr>
-            <a:lvl8pPr indent="-228600" lvl="7" marL="3657600" marR="0" rtl="0" algn="l">
-              <a:spcBef>
-                <a:spcPts val="0"/>
-              </a:spcBef>
-              <a:spcAft>
-                <a:spcPts val="0"/>
-              </a:spcAft>
-              <a:buSzPts val="1400"/>
-              <a:buNone/>
-              <a:defRPr b="0" i="0" sz="1200" u="none" cap="none" strike="noStrike">
+            <a:lvl8pPr marL="3657600" marR="0" lvl="7" indent="-228600" algn="l" rtl="0">
+              <a:spcBef>
+                <a:spcPts val="0"/>
+              </a:spcBef>
+              <a:spcAft>
+                <a:spcPts val="0"/>
+              </a:spcAft>
+              <a:buSzPts val="1400"/>
+              <a:buNone/>
+              <a:defRPr sz="1200" b="0" i="0" u="none" strike="noStrike" cap="none">
                 <a:solidFill>
                   <a:schemeClr val="dk1"/>
                 </a:solidFill>
@@ -889,16 +955,16 @@
                 <a:sym typeface="Calibri"/>
               </a:defRPr>
             </a:lvl8pPr>
-            <a:lvl9pPr indent="-228600" lvl="8" marL="4114800" marR="0" rtl="0" algn="l">
-              <a:spcBef>
-                <a:spcPts val="0"/>
-              </a:spcBef>
-              <a:spcAft>
-                <a:spcPts val="0"/>
-              </a:spcAft>
-              <a:buSzPts val="1400"/>
-              <a:buNone/>
-              <a:defRPr b="0" i="0" sz="1200" u="none" cap="none" strike="noStrike">
+            <a:lvl9pPr marL="4114800" marR="0" lvl="8" indent="-228600" algn="l" rtl="0">
+              <a:spcBef>
+                <a:spcPts val="0"/>
+              </a:spcBef>
+              <a:spcAft>
+                <a:spcPts val="0"/>
+              </a:spcAft>
+              <a:buSzPts val="1400"/>
+              <a:buNone/>
+              <a:defRPr sz="1200" b="0" i="0" u="none" strike="noStrike" cap="none">
                 <a:solidFill>
                   <a:schemeClr val="dk1"/>
                 </a:solidFill>
@@ -909,15 +975,19 @@
               </a:defRPr>
             </a:lvl9pPr>
           </a:lstStyle>
-          <a:p/>
+          <a:p>
+            <a:endParaRPr/>
+          </a:p>
         </p:txBody>
       </p:sp>
       <p:sp>
         <p:nvSpPr>
           <p:cNvPr id="7" name="Google Shape;7;n"/>
-          <p:cNvSpPr txBox="1"/>
+          <p:cNvSpPr txBox="1">
+            <a:spLocks noGrp="1"/>
+          </p:cNvSpPr>
           <p:nvPr>
-            <p:ph idx="11" type="ftr"/>
+            <p:ph type="ftr" idx="11"/>
           </p:nvPr>
         </p:nvSpPr>
         <p:spPr>
@@ -934,18 +1004,18 @@
           </a:ln>
         </p:spPr>
         <p:txBody>
-          <a:bodyPr anchorCtr="0" anchor="b" bIns="45700" lIns="91425" spcFirstLastPara="1" rIns="91425" wrap="square" tIns="45700"/>
+          <a:bodyPr spcFirstLastPara="1" wrap="square" lIns="91425" tIns="45700" rIns="91425" bIns="45700" anchor="b" anchorCtr="0"/>
           <a:lstStyle>
-            <a:lvl1pPr lvl="0" marR="0" rtl="0" algn="l">
-              <a:spcBef>
-                <a:spcPts val="0"/>
-              </a:spcBef>
-              <a:spcAft>
-                <a:spcPts val="0"/>
-              </a:spcAft>
-              <a:buSzPts val="1400"/>
-              <a:buNone/>
-              <a:defRPr b="0" i="0" sz="1200" u="none" cap="none" strike="noStrike">
+            <a:lvl1pPr marR="0" lvl="0" algn="l" rtl="0">
+              <a:spcBef>
+                <a:spcPts val="0"/>
+              </a:spcBef>
+              <a:spcAft>
+                <a:spcPts val="0"/>
+              </a:spcAft>
+              <a:buSzPts val="1400"/>
+              <a:buNone/>
+              <a:defRPr sz="1200" b="0" i="0" u="none" strike="noStrike" cap="none">
                 <a:solidFill>
                   <a:schemeClr val="dk1"/>
                 </a:solidFill>
@@ -955,16 +1025,16 @@
                 <a:sym typeface="Calibri"/>
               </a:defRPr>
             </a:lvl1pPr>
-            <a:lvl2pPr lvl="1" marR="0" rtl="0" algn="l">
-              <a:spcBef>
-                <a:spcPts val="0"/>
-              </a:spcBef>
-              <a:spcAft>
-                <a:spcPts val="0"/>
-              </a:spcAft>
-              <a:buSzPts val="1400"/>
-              <a:buNone/>
-              <a:defRPr b="0" i="0" sz="1800" u="none" cap="none" strike="noStrike">
+            <a:lvl2pPr marR="0" lvl="1" algn="l" rtl="0">
+              <a:spcBef>
+                <a:spcPts val="0"/>
+              </a:spcBef>
+              <a:spcAft>
+                <a:spcPts val="0"/>
+              </a:spcAft>
+              <a:buSzPts val="1400"/>
+              <a:buNone/>
+              <a:defRPr sz="1800" b="0" i="0" u="none" strike="noStrike" cap="none">
                 <a:solidFill>
                   <a:schemeClr val="dk1"/>
                 </a:solidFill>
@@ -974,16 +1044,16 @@
                 <a:sym typeface="Calibri"/>
               </a:defRPr>
             </a:lvl2pPr>
-            <a:lvl3pPr lvl="2" marR="0" rtl="0" algn="l">
-              <a:spcBef>
-                <a:spcPts val="0"/>
-              </a:spcBef>
-              <a:spcAft>
-                <a:spcPts val="0"/>
-              </a:spcAft>
-              <a:buSzPts val="1400"/>
-              <a:buNone/>
-              <a:defRPr b="0" i="0" sz="1800" u="none" cap="none" strike="noStrike">
+            <a:lvl3pPr marR="0" lvl="2" algn="l" rtl="0">
+              <a:spcBef>
+                <a:spcPts val="0"/>
+              </a:spcBef>
+              <a:spcAft>
+                <a:spcPts val="0"/>
+              </a:spcAft>
+              <a:buSzPts val="1400"/>
+              <a:buNone/>
+              <a:defRPr sz="1800" b="0" i="0" u="none" strike="noStrike" cap="none">
                 <a:solidFill>
                   <a:schemeClr val="dk1"/>
                 </a:solidFill>
@@ -993,16 +1063,16 @@
                 <a:sym typeface="Calibri"/>
               </a:defRPr>
             </a:lvl3pPr>
-            <a:lvl4pPr lvl="3" marR="0" rtl="0" algn="l">
-              <a:spcBef>
-                <a:spcPts val="0"/>
-              </a:spcBef>
-              <a:spcAft>
-                <a:spcPts val="0"/>
-              </a:spcAft>
-              <a:buSzPts val="1400"/>
-              <a:buNone/>
-              <a:defRPr b="0" i="0" sz="1800" u="none" cap="none" strike="noStrike">
+            <a:lvl4pPr marR="0" lvl="3" algn="l" rtl="0">
+              <a:spcBef>
+                <a:spcPts val="0"/>
+              </a:spcBef>
+              <a:spcAft>
+                <a:spcPts val="0"/>
+              </a:spcAft>
+              <a:buSzPts val="1400"/>
+              <a:buNone/>
+              <a:defRPr sz="1800" b="0" i="0" u="none" strike="noStrike" cap="none">
                 <a:solidFill>
                   <a:schemeClr val="dk1"/>
                 </a:solidFill>
@@ -1012,16 +1082,16 @@
                 <a:sym typeface="Calibri"/>
               </a:defRPr>
             </a:lvl4pPr>
-            <a:lvl5pPr lvl="4" marR="0" rtl="0" algn="l">
-              <a:spcBef>
-                <a:spcPts val="0"/>
-              </a:spcBef>
-              <a:spcAft>
-                <a:spcPts val="0"/>
-              </a:spcAft>
-              <a:buSzPts val="1400"/>
-              <a:buNone/>
-              <a:defRPr b="0" i="0" sz="1800" u="none" cap="none" strike="noStrike">
+            <a:lvl5pPr marR="0" lvl="4" algn="l" rtl="0">
+              <a:spcBef>
+                <a:spcPts val="0"/>
+              </a:spcBef>
+              <a:spcAft>
+                <a:spcPts val="0"/>
+              </a:spcAft>
+              <a:buSzPts val="1400"/>
+              <a:buNone/>
+              <a:defRPr sz="1800" b="0" i="0" u="none" strike="noStrike" cap="none">
                 <a:solidFill>
                   <a:schemeClr val="dk1"/>
                 </a:solidFill>
@@ -1031,16 +1101,16 @@
                 <a:sym typeface="Calibri"/>
               </a:defRPr>
             </a:lvl5pPr>
-            <a:lvl6pPr lvl="5" marR="0" rtl="0" algn="l">
-              <a:spcBef>
-                <a:spcPts val="0"/>
-              </a:spcBef>
-              <a:spcAft>
-                <a:spcPts val="0"/>
-              </a:spcAft>
-              <a:buSzPts val="1400"/>
-              <a:buNone/>
-              <a:defRPr b="0" i="0" sz="1800" u="none" cap="none" strike="noStrike">
+            <a:lvl6pPr marR="0" lvl="5" algn="l" rtl="0">
+              <a:spcBef>
+                <a:spcPts val="0"/>
+              </a:spcBef>
+              <a:spcAft>
+                <a:spcPts val="0"/>
+              </a:spcAft>
+              <a:buSzPts val="1400"/>
+              <a:buNone/>
+              <a:defRPr sz="1800" b="0" i="0" u="none" strike="noStrike" cap="none">
                 <a:solidFill>
                   <a:schemeClr val="dk1"/>
                 </a:solidFill>
@@ -1050,16 +1120,16 @@
                 <a:sym typeface="Calibri"/>
               </a:defRPr>
             </a:lvl6pPr>
-            <a:lvl7pPr lvl="6" marR="0" rtl="0" algn="l">
-              <a:spcBef>
-                <a:spcPts val="0"/>
-              </a:spcBef>
-              <a:spcAft>
-                <a:spcPts val="0"/>
-              </a:spcAft>
-              <a:buSzPts val="1400"/>
-              <a:buNone/>
-              <a:defRPr b="0" i="0" sz="1800" u="none" cap="none" strike="noStrike">
+            <a:lvl7pPr marR="0" lvl="6" algn="l" rtl="0">
+              <a:spcBef>
+                <a:spcPts val="0"/>
+              </a:spcBef>
+              <a:spcAft>
+                <a:spcPts val="0"/>
+              </a:spcAft>
+              <a:buSzPts val="1400"/>
+              <a:buNone/>
+              <a:defRPr sz="1800" b="0" i="0" u="none" strike="noStrike" cap="none">
                 <a:solidFill>
                   <a:schemeClr val="dk1"/>
                 </a:solidFill>
@@ -1069,16 +1139,16 @@
                 <a:sym typeface="Calibri"/>
               </a:defRPr>
             </a:lvl7pPr>
-            <a:lvl8pPr lvl="7" marR="0" rtl="0" algn="l">
-              <a:spcBef>
-                <a:spcPts val="0"/>
-              </a:spcBef>
-              <a:spcAft>
-                <a:spcPts val="0"/>
-              </a:spcAft>
-              <a:buSzPts val="1400"/>
-              <a:buNone/>
-              <a:defRPr b="0" i="0" sz="1800" u="none" cap="none" strike="noStrike">
+            <a:lvl8pPr marR="0" lvl="7" algn="l" rtl="0">
+              <a:spcBef>
+                <a:spcPts val="0"/>
+              </a:spcBef>
+              <a:spcAft>
+                <a:spcPts val="0"/>
+              </a:spcAft>
+              <a:buSzPts val="1400"/>
+              <a:buNone/>
+              <a:defRPr sz="1800" b="0" i="0" u="none" strike="noStrike" cap="none">
                 <a:solidFill>
                   <a:schemeClr val="dk1"/>
                 </a:solidFill>
@@ -1088,16 +1158,16 @@
                 <a:sym typeface="Calibri"/>
               </a:defRPr>
             </a:lvl8pPr>
-            <a:lvl9pPr lvl="8" marR="0" rtl="0" algn="l">
-              <a:spcBef>
-                <a:spcPts val="0"/>
-              </a:spcBef>
-              <a:spcAft>
-                <a:spcPts val="0"/>
-              </a:spcAft>
-              <a:buSzPts val="1400"/>
-              <a:buNone/>
-              <a:defRPr b="0" i="0" sz="1800" u="none" cap="none" strike="noStrike">
+            <a:lvl9pPr marR="0" lvl="8" algn="l" rtl="0">
+              <a:spcBef>
+                <a:spcPts val="0"/>
+              </a:spcBef>
+              <a:spcAft>
+                <a:spcPts val="0"/>
+              </a:spcAft>
+              <a:buSzPts val="1400"/>
+              <a:buNone/>
+              <a:defRPr sz="1800" b="0" i="0" u="none" strike="noStrike" cap="none">
                 <a:solidFill>
                   <a:schemeClr val="dk1"/>
                 </a:solidFill>
@@ -1108,15 +1178,19 @@
               </a:defRPr>
             </a:lvl9pPr>
           </a:lstStyle>
-          <a:p/>
+          <a:p>
+            <a:endParaRPr/>
+          </a:p>
         </p:txBody>
       </p:sp>
       <p:sp>
         <p:nvSpPr>
           <p:cNvPr id="8" name="Google Shape;8;n"/>
-          <p:cNvSpPr txBox="1"/>
+          <p:cNvSpPr txBox="1">
+            <a:spLocks noGrp="1"/>
+          </p:cNvSpPr>
           <p:nvPr>
-            <p:ph idx="12" type="sldNum"/>
+            <p:ph type="sldNum" idx="12"/>
           </p:nvPr>
         </p:nvSpPr>
         <p:spPr>
@@ -1133,12 +1207,12 @@
           </a:ln>
         </p:spPr>
         <p:txBody>
-          <a:bodyPr anchorCtr="0" anchor="b" bIns="45700" lIns="91425" spcFirstLastPara="1" rIns="91425" wrap="square" tIns="45700">
+          <a:bodyPr spcFirstLastPara="1" wrap="square" lIns="91425" tIns="45700" rIns="91425" bIns="45700" anchor="b" anchorCtr="0">
             <a:noAutofit/>
           </a:bodyPr>
           <a:lstStyle/>
           <a:p>
-            <a:pPr indent="0" lvl="0" marL="0" marR="0" rtl="0" algn="r">
+            <a:pPr marL="0" marR="0" lvl="0" indent="0" algn="r" rtl="0">
               <a:spcBef>
                 <a:spcPts val="0"/>
               </a:spcBef>
@@ -1148,7 +1222,7 @@
               <a:buNone/>
             </a:pPr>
             <a:fld id="{00000000-1234-1234-1234-123412341234}" type="slidenum">
-              <a:rPr b="0" i="0" lang="en-SG" sz="1200" u="none" cap="none" strike="noStrike">
+              <a:rPr lang="en-SG" sz="1200" b="0" i="0" u="none" strike="noStrike" cap="none">
                 <a:solidFill>
                   <a:schemeClr val="dk1"/>
                 </a:solidFill>
@@ -1159,7 +1233,7 @@
               </a:rPr>
               <a:t>‹#›</a:t>
             </a:fld>
-            <a:endParaRPr b="0" i="0" sz="1200" u="none" cap="none" strike="noStrike">
+            <a:endParaRPr sz="1200" b="0" i="0" u="none" strike="noStrike" cap="none">
               <a:solidFill>
                 <a:schemeClr val="dk1"/>
               </a:solidFill>
@@ -1173,9 +1247,9 @@
       </p:sp>
     </p:spTree>
   </p:cSld>
-  <p:clrMap accent1="accent1" accent2="accent2" accent3="accent3" accent4="accent4" accent5="accent5" accent6="accent6" bg1="lt1" bg2="dk2" tx1="dk1" tx2="lt2" folHlink="folHlink" hlink="hlink"/>
+  <p:clrMap bg1="lt1" tx1="dk1" bg2="dk2" tx2="lt2" accent1="accent1" accent2="accent2" accent3="accent3" accent4="accent4" accent5="accent5" accent6="accent6" hlink="hlink" folHlink="folHlink"/>
   <p:notesStyle>
-    <a:defPPr lvl="0" marR="0" rtl="0" algn="l">
+    <a:defPPr marR="0" lvl="0" algn="l" rtl="0">
       <a:lnSpc>
         <a:spcPct val="100000"/>
       </a:lnSpc>
@@ -1186,7 +1260,7 @@
         <a:spcPts val="0"/>
       </a:spcAft>
     </a:defPPr>
-    <a:lvl1pPr lvl="0" marR="0" rtl="0" algn="l">
+    <a:lvl1pPr marR="0" lvl="0" algn="l" rtl="0">
       <a:lnSpc>
         <a:spcPct val="100000"/>
       </a:lnSpc>
@@ -1200,7 +1274,7 @@
         <a:srgbClr val="000000"/>
       </a:buClr>
       <a:buFont typeface="Arial"/>
-      <a:defRPr b="0" i="0" sz="1400" u="none" cap="none" strike="noStrike">
+      <a:defRPr sz="1400" b="0" i="0" u="none" strike="noStrike" cap="none">
         <a:solidFill>
           <a:srgbClr val="000000"/>
         </a:solidFill>
@@ -1210,7 +1284,7 @@
         <a:sym typeface="Arial"/>
       </a:defRPr>
     </a:lvl1pPr>
-    <a:lvl2pPr lvl="1" marR="0" rtl="0" algn="l">
+    <a:lvl2pPr marR="0" lvl="1" algn="l" rtl="0">
       <a:lnSpc>
         <a:spcPct val="100000"/>
       </a:lnSpc>
@@ -1224,7 +1298,7 @@
         <a:srgbClr val="000000"/>
       </a:buClr>
       <a:buFont typeface="Arial"/>
-      <a:defRPr b="0" i="0" sz="1400" u="none" cap="none" strike="noStrike">
+      <a:defRPr sz="1400" b="0" i="0" u="none" strike="noStrike" cap="none">
         <a:solidFill>
           <a:srgbClr val="000000"/>
         </a:solidFill>
@@ -1234,7 +1308,7 @@
         <a:sym typeface="Arial"/>
       </a:defRPr>
     </a:lvl2pPr>
-    <a:lvl3pPr lvl="2" marR="0" rtl="0" algn="l">
+    <a:lvl3pPr marR="0" lvl="2" algn="l" rtl="0">
       <a:lnSpc>
         <a:spcPct val="100000"/>
       </a:lnSpc>
@@ -1248,7 +1322,7 @@
         <a:srgbClr val="000000"/>
       </a:buClr>
       <a:buFont typeface="Arial"/>
-      <a:defRPr b="0" i="0" sz="1400" u="none" cap="none" strike="noStrike">
+      <a:defRPr sz="1400" b="0" i="0" u="none" strike="noStrike" cap="none">
         <a:solidFill>
           <a:srgbClr val="000000"/>
         </a:solidFill>
@@ -1258,7 +1332,7 @@
         <a:sym typeface="Arial"/>
       </a:defRPr>
     </a:lvl3pPr>
-    <a:lvl4pPr lvl="3" marR="0" rtl="0" algn="l">
+    <a:lvl4pPr marR="0" lvl="3" algn="l" rtl="0">
       <a:lnSpc>
         <a:spcPct val="100000"/>
       </a:lnSpc>
@@ -1272,7 +1346,7 @@
         <a:srgbClr val="000000"/>
       </a:buClr>
       <a:buFont typeface="Arial"/>
-      <a:defRPr b="0" i="0" sz="1400" u="none" cap="none" strike="noStrike">
+      <a:defRPr sz="1400" b="0" i="0" u="none" strike="noStrike" cap="none">
         <a:solidFill>
           <a:srgbClr val="000000"/>
         </a:solidFill>
@@ -1282,7 +1356,7 @@
         <a:sym typeface="Arial"/>
       </a:defRPr>
     </a:lvl4pPr>
-    <a:lvl5pPr lvl="4" marR="0" rtl="0" algn="l">
+    <a:lvl5pPr marR="0" lvl="4" algn="l" rtl="0">
       <a:lnSpc>
         <a:spcPct val="100000"/>
       </a:lnSpc>
@@ -1296,7 +1370,7 @@
         <a:srgbClr val="000000"/>
       </a:buClr>
       <a:buFont typeface="Arial"/>
-      <a:defRPr b="0" i="0" sz="1400" u="none" cap="none" strike="noStrike">
+      <a:defRPr sz="1400" b="0" i="0" u="none" strike="noStrike" cap="none">
         <a:solidFill>
           <a:srgbClr val="000000"/>
         </a:solidFill>
@@ -1306,7 +1380,7 @@
         <a:sym typeface="Arial"/>
       </a:defRPr>
     </a:lvl5pPr>
-    <a:lvl6pPr lvl="5" marR="0" rtl="0" algn="l">
+    <a:lvl6pPr marR="0" lvl="5" algn="l" rtl="0">
       <a:lnSpc>
         <a:spcPct val="100000"/>
       </a:lnSpc>
@@ -1320,7 +1394,7 @@
         <a:srgbClr val="000000"/>
       </a:buClr>
       <a:buFont typeface="Arial"/>
-      <a:defRPr b="0" i="0" sz="1400" u="none" cap="none" strike="noStrike">
+      <a:defRPr sz="1400" b="0" i="0" u="none" strike="noStrike" cap="none">
         <a:solidFill>
           <a:srgbClr val="000000"/>
         </a:solidFill>
@@ -1330,7 +1404,7 @@
         <a:sym typeface="Arial"/>
       </a:defRPr>
     </a:lvl6pPr>
-    <a:lvl7pPr lvl="6" marR="0" rtl="0" algn="l">
+    <a:lvl7pPr marR="0" lvl="6" algn="l" rtl="0">
       <a:lnSpc>
         <a:spcPct val="100000"/>
       </a:lnSpc>
@@ -1344,7 +1418,7 @@
         <a:srgbClr val="000000"/>
       </a:buClr>
       <a:buFont typeface="Arial"/>
-      <a:defRPr b="0" i="0" sz="1400" u="none" cap="none" strike="noStrike">
+      <a:defRPr sz="1400" b="0" i="0" u="none" strike="noStrike" cap="none">
         <a:solidFill>
           <a:srgbClr val="000000"/>
         </a:solidFill>
@@ -1354,7 +1428,7 @@
         <a:sym typeface="Arial"/>
       </a:defRPr>
     </a:lvl7pPr>
-    <a:lvl8pPr lvl="7" marR="0" rtl="0" algn="l">
+    <a:lvl8pPr marR="0" lvl="7" algn="l" rtl="0">
       <a:lnSpc>
         <a:spcPct val="100000"/>
       </a:lnSpc>
@@ -1368,7 +1442,7 @@
         <a:srgbClr val="000000"/>
       </a:buClr>
       <a:buFont typeface="Arial"/>
-      <a:defRPr b="0" i="0" sz="1400" u="none" cap="none" strike="noStrike">
+      <a:defRPr sz="1400" b="0" i="0" u="none" strike="noStrike" cap="none">
         <a:solidFill>
           <a:srgbClr val="000000"/>
         </a:solidFill>
@@ -1378,7 +1452,7 @@
         <a:sym typeface="Arial"/>
       </a:defRPr>
     </a:lvl8pPr>
-    <a:lvl9pPr lvl="8" marR="0" rtl="0" algn="l">
+    <a:lvl9pPr marR="0" lvl="8" algn="l" rtl="0">
       <a:lnSpc>
         <a:spcPct val="100000"/>
       </a:lnSpc>
@@ -1392,7 +1466,7 @@
         <a:srgbClr val="000000"/>
       </a:buClr>
       <a:buFont typeface="Arial"/>
-      <a:defRPr b="0" i="0" sz="1400" u="none" cap="none" strike="noStrike">
+      <a:defRPr sz="1400" b="0" i="0" u="none" strike="noStrike" cap="none">
         <a:solidFill>
           <a:srgbClr val="000000"/>
         </a:solidFill>
@@ -1407,11 +1481,11 @@
 </file>
 
 <file path=ppt/notesSlides/notesSlide1.xml><?xml version="1.0" encoding="utf-8"?>
-<p:notes xmlns:a="http://schemas.openxmlformats.org/drawingml/2006/main" xmlns:r="http://schemas.openxmlformats.org/officeDocument/2006/relationships" xmlns:mc="http://schemas.openxmlformats.org/markup-compatibility/2006" xmlns:mv="urn:schemas-microsoft-com:mac:vml" xmlns:p="http://schemas.openxmlformats.org/presentationml/2006/main" xmlns:c="http://schemas.openxmlformats.org/drawingml/2006/chart" xmlns:dgm="http://schemas.openxmlformats.org/drawingml/2006/diagram" xmlns:o="urn:schemas-microsoft-com:office:office" xmlns:v="urn:schemas-microsoft-com:vml" xmlns:pvml="urn:schemas-microsoft-com:office:powerpoint" xmlns:com="http://schemas.openxmlformats.org/drawingml/2006/compatibility" xmlns:p14="http://schemas.microsoft.com/office/powerpoint/2010/main" xmlns:p15="http://schemas.microsoft.com/office/powerpoint/2012/main" showMasterPhAnim="0" showMasterSp="0">
+<p:notes xmlns:a="http://schemas.openxmlformats.org/drawingml/2006/main" xmlns:r="http://schemas.openxmlformats.org/officeDocument/2006/relationships" xmlns:p="http://schemas.openxmlformats.org/presentationml/2006/main" showMasterSp="0" showMasterPhAnim="0">
   <p:cSld>
     <p:spTree>
       <p:nvGrpSpPr>
-        <p:cNvPr id="84" name="Shape 84"/>
+        <p:cNvPr id="1" name="Shape 84"/>
         <p:cNvGrpSpPr/>
         <p:nvPr/>
       </p:nvGrpSpPr>
@@ -1426,9 +1500,11 @@
       <p:sp>
         <p:nvSpPr>
           <p:cNvPr id="85" name="Google Shape;85;p1:notes"/>
-          <p:cNvSpPr/>
+          <p:cNvSpPr>
+            <a:spLocks noGrp="1" noRot="1" noChangeAspect="1"/>
+          </p:cNvSpPr>
           <p:nvPr>
-            <p:ph idx="2" type="sldImg"/>
+            <p:ph type="sldImg" idx="2"/>
           </p:nvPr>
         </p:nvSpPr>
         <p:spPr>
@@ -1437,9 +1513,13 @@
             <a:ext cx="5486400" cy="3086100"/>
           </a:xfrm>
           <a:custGeom>
-            <a:rect b="b" l="l" r="r" t="t"/>
+            <a:avLst/>
+            <a:gdLst/>
+            <a:ahLst/>
+            <a:cxnLst/>
+            <a:rect l="l" t="t" r="r" b="b"/>
             <a:pathLst>
-              <a:path extrusionOk="0" h="120000" w="120000">
+              <a:path w="120000" h="120000" extrusionOk="0">
                 <a:moveTo>
                   <a:pt x="0" y="0"/>
                 </a:moveTo>
@@ -1457,23 +1537,25 @@
             </a:pathLst>
           </a:custGeom>
           <a:noFill/>
-          <a:ln cap="flat" cmpd="sng" w="12700">
+          <a:ln w="12700" cap="flat" cmpd="sng">
             <a:solidFill>
               <a:srgbClr val="000000"/>
             </a:solidFill>
             <a:prstDash val="solid"/>
             <a:round/>
-            <a:headEnd len="sm" w="sm" type="none"/>
-            <a:tailEnd len="sm" w="sm" type="none"/>
+            <a:headEnd type="none" w="sm" len="sm"/>
+            <a:tailEnd type="none" w="sm" len="sm"/>
           </a:ln>
         </p:spPr>
       </p:sp>
       <p:sp>
         <p:nvSpPr>
           <p:cNvPr id="86" name="Google Shape;86;p1:notes"/>
-          <p:cNvSpPr txBox="1"/>
+          <p:cNvSpPr txBox="1">
+            <a:spLocks noGrp="1"/>
+          </p:cNvSpPr>
           <p:nvPr>
-            <p:ph idx="1" type="body"/>
+            <p:ph type="body" idx="1"/>
           </p:nvPr>
         </p:nvSpPr>
         <p:spPr>
@@ -1490,12 +1572,12 @@
           </a:ln>
         </p:spPr>
         <p:txBody>
-          <a:bodyPr anchorCtr="0" anchor="t" bIns="45700" lIns="91425" spcFirstLastPara="1" rIns="91425" wrap="square" tIns="45700">
+          <a:bodyPr spcFirstLastPara="1" wrap="square" lIns="91425" tIns="45700" rIns="91425" bIns="45700" anchor="t" anchorCtr="0">
             <a:noAutofit/>
           </a:bodyPr>
           <a:lstStyle/>
           <a:p>
-            <a:pPr indent="0" lvl="0" marL="0" rtl="0" algn="l">
+            <a:pPr marL="0" lvl="0" indent="0" algn="l" rtl="0">
               <a:spcBef>
                 <a:spcPts val="0"/>
               </a:spcBef>
@@ -1511,7 +1593,7 @@
             <a:endParaRPr/>
           </a:p>
           <a:p>
-            <a:pPr indent="0" lvl="0" marL="0" rtl="0" algn="l">
+            <a:pPr marL="0" lvl="0" indent="0" algn="l" rtl="0">
               <a:spcBef>
                 <a:spcPts val="0"/>
               </a:spcBef>
@@ -1531,9 +1613,11 @@
       <p:sp>
         <p:nvSpPr>
           <p:cNvPr id="87" name="Google Shape;87;p1:notes"/>
-          <p:cNvSpPr txBox="1"/>
+          <p:cNvSpPr txBox="1">
+            <a:spLocks noGrp="1"/>
+          </p:cNvSpPr>
           <p:nvPr>
-            <p:ph idx="12" type="sldNum"/>
+            <p:ph type="sldNum" idx="12"/>
           </p:nvPr>
         </p:nvSpPr>
         <p:spPr>
@@ -1550,12 +1634,12 @@
           </a:ln>
         </p:spPr>
         <p:txBody>
-          <a:bodyPr anchorCtr="0" anchor="b" bIns="45700" lIns="91425" spcFirstLastPara="1" rIns="91425" wrap="square" tIns="45700">
+          <a:bodyPr spcFirstLastPara="1" wrap="square" lIns="91425" tIns="45700" rIns="91425" bIns="45700" anchor="b" anchorCtr="0">
             <a:noAutofit/>
           </a:bodyPr>
           <a:lstStyle/>
           <a:p>
-            <a:pPr indent="0" lvl="0" marL="0" rtl="0" algn="r">
+            <a:pPr marL="0" lvl="0" indent="0" algn="r" rtl="0">
               <a:spcBef>
                 <a:spcPts val="0"/>
               </a:spcBef>
@@ -1566,7 +1650,7 @@
             </a:pPr>
             <a:fld id="{00000000-1234-1234-1234-123412341234}" type="slidenum">
               <a:rPr lang="en-SG"/>
-              <a:t>‹#›</a:t>
+              <a:t>1</a:t>
             </a:fld>
             <a:endParaRPr/>
           </a:p>
@@ -1581,11 +1665,11 @@
 </file>
 
 <file path=ppt/notesSlides/notesSlide2.xml><?xml version="1.0" encoding="utf-8"?>
-<p:notes xmlns:a="http://schemas.openxmlformats.org/drawingml/2006/main" xmlns:r="http://schemas.openxmlformats.org/officeDocument/2006/relationships" xmlns:mc="http://schemas.openxmlformats.org/markup-compatibility/2006" xmlns:mv="urn:schemas-microsoft-com:mac:vml" xmlns:p="http://schemas.openxmlformats.org/presentationml/2006/main" xmlns:c="http://schemas.openxmlformats.org/drawingml/2006/chart" xmlns:dgm="http://schemas.openxmlformats.org/drawingml/2006/diagram" xmlns:o="urn:schemas-microsoft-com:office:office" xmlns:v="urn:schemas-microsoft-com:vml" xmlns:pvml="urn:schemas-microsoft-com:office:powerpoint" xmlns:com="http://schemas.openxmlformats.org/drawingml/2006/compatibility" xmlns:p14="http://schemas.microsoft.com/office/powerpoint/2010/main" xmlns:p15="http://schemas.microsoft.com/office/powerpoint/2012/main" showMasterPhAnim="0" showMasterSp="0">
+<p:notes xmlns:a="http://schemas.openxmlformats.org/drawingml/2006/main" xmlns:r="http://schemas.openxmlformats.org/officeDocument/2006/relationships" xmlns:p="http://schemas.openxmlformats.org/presentationml/2006/main" showMasterSp="0" showMasterPhAnim="0">
   <p:cSld>
     <p:spTree>
       <p:nvGrpSpPr>
-        <p:cNvPr id="103" name="Shape 103"/>
+        <p:cNvPr id="1" name="Shape 103"/>
         <p:cNvGrpSpPr/>
         <p:nvPr/>
       </p:nvGrpSpPr>
@@ -1600,9 +1684,11 @@
       <p:sp>
         <p:nvSpPr>
           <p:cNvPr id="104" name="Google Shape;104;p2:notes"/>
-          <p:cNvSpPr txBox="1"/>
+          <p:cNvSpPr txBox="1">
+            <a:spLocks noGrp="1"/>
+          </p:cNvSpPr>
           <p:nvPr>
-            <p:ph idx="1" type="body"/>
+            <p:ph type="body" idx="1"/>
           </p:nvPr>
         </p:nvSpPr>
         <p:spPr>
@@ -1615,12 +1701,12 @@
           </a:prstGeom>
         </p:spPr>
         <p:txBody>
-          <a:bodyPr anchorCtr="0" anchor="t" bIns="45700" lIns="91425" spcFirstLastPara="1" rIns="91425" wrap="square" tIns="45700">
+          <a:bodyPr spcFirstLastPara="1" wrap="square" lIns="91425" tIns="45700" rIns="91425" bIns="45700" anchor="t" anchorCtr="0">
             <a:noAutofit/>
           </a:bodyPr>
           <a:lstStyle/>
           <a:p>
-            <a:pPr indent="0" lvl="0" marL="0" rtl="0" algn="l">
+            <a:pPr marL="0" lvl="0" indent="0" algn="l" rtl="0">
               <a:spcBef>
                 <a:spcPts val="0"/>
               </a:spcBef>
@@ -1629,9 +1715,6 @@
               </a:spcAft>
               <a:buNone/>
             </a:pPr>
-            <a:r>
-              <a:t/>
-            </a:r>
             <a:endParaRPr/>
           </a:p>
         </p:txBody>
@@ -1639,9 +1722,11 @@
       <p:sp>
         <p:nvSpPr>
           <p:cNvPr id="105" name="Google Shape;105;p2:notes"/>
-          <p:cNvSpPr/>
+          <p:cNvSpPr>
+            <a:spLocks noGrp="1" noRot="1" noChangeAspect="1"/>
+          </p:cNvSpPr>
           <p:nvPr>
-            <p:ph idx="2" type="sldImg"/>
+            <p:ph type="sldImg" idx="2"/>
           </p:nvPr>
         </p:nvSpPr>
         <p:spPr>
@@ -1650,9 +1735,13 @@
             <a:ext cx="5486400" cy="3086100"/>
           </a:xfrm>
           <a:custGeom>
-            <a:rect b="b" l="l" r="r" t="t"/>
+            <a:avLst/>
+            <a:gdLst/>
+            <a:ahLst/>
+            <a:cxnLst/>
+            <a:rect l="l" t="t" r="r" b="b"/>
             <a:pathLst>
-              <a:path extrusionOk="0" h="120000" w="120000">
+              <a:path w="120000" h="120000" extrusionOk="0">
                 <a:moveTo>
                   <a:pt x="0" y="0"/>
                 </a:moveTo>
@@ -1680,11 +1769,11 @@
 </file>
 
 <file path=ppt/notesSlides/notesSlide3.xml><?xml version="1.0" encoding="utf-8"?>
-<p:notes xmlns:a="http://schemas.openxmlformats.org/drawingml/2006/main" xmlns:r="http://schemas.openxmlformats.org/officeDocument/2006/relationships" xmlns:mc="http://schemas.openxmlformats.org/markup-compatibility/2006" xmlns:mv="urn:schemas-microsoft-com:mac:vml" xmlns:p="http://schemas.openxmlformats.org/presentationml/2006/main" xmlns:c="http://schemas.openxmlformats.org/drawingml/2006/chart" xmlns:dgm="http://schemas.openxmlformats.org/drawingml/2006/diagram" xmlns:o="urn:schemas-microsoft-com:office:office" xmlns:v="urn:schemas-microsoft-com:vml" xmlns:pvml="urn:schemas-microsoft-com:office:powerpoint" xmlns:com="http://schemas.openxmlformats.org/drawingml/2006/compatibility" xmlns:p14="http://schemas.microsoft.com/office/powerpoint/2010/main" xmlns:p15="http://schemas.microsoft.com/office/powerpoint/2012/main" showMasterPhAnim="0" showMasterSp="0">
+<p:notes xmlns:a="http://schemas.openxmlformats.org/drawingml/2006/main" xmlns:r="http://schemas.openxmlformats.org/officeDocument/2006/relationships" xmlns:p="http://schemas.openxmlformats.org/presentationml/2006/main" showMasterSp="0" showMasterPhAnim="0">
   <p:cSld>
     <p:spTree>
       <p:nvGrpSpPr>
-        <p:cNvPr id="111" name="Shape 111"/>
+        <p:cNvPr id="1" name="Shape 111"/>
         <p:cNvGrpSpPr/>
         <p:nvPr/>
       </p:nvGrpSpPr>
@@ -1699,9 +1788,11 @@
       <p:sp>
         <p:nvSpPr>
           <p:cNvPr id="112" name="Google Shape;112;g4572520ff1_0_14:notes"/>
-          <p:cNvSpPr/>
+          <p:cNvSpPr>
+            <a:spLocks noGrp="1" noRot="1" noChangeAspect="1"/>
+          </p:cNvSpPr>
           <p:nvPr>
-            <p:ph idx="2" type="sldImg"/>
+            <p:ph type="sldImg" idx="2"/>
           </p:nvPr>
         </p:nvSpPr>
         <p:spPr>
@@ -1710,9 +1801,13 @@
             <a:ext cx="5486400" cy="3086100"/>
           </a:xfrm>
           <a:custGeom>
-            <a:rect b="b" l="l" r="r" t="t"/>
+            <a:avLst/>
+            <a:gdLst/>
+            <a:ahLst/>
+            <a:cxnLst/>
+            <a:rect l="l" t="t" r="r" b="b"/>
             <a:pathLst>
-              <a:path extrusionOk="0" h="120000" w="120000">
+              <a:path w="120000" h="120000" extrusionOk="0">
                 <a:moveTo>
                   <a:pt x="0" y="0"/>
                 </a:moveTo>
@@ -1734,9 +1829,11 @@
       <p:sp>
         <p:nvSpPr>
           <p:cNvPr id="113" name="Google Shape;113;g4572520ff1_0_14:notes"/>
-          <p:cNvSpPr txBox="1"/>
+          <p:cNvSpPr txBox="1">
+            <a:spLocks noGrp="1"/>
+          </p:cNvSpPr>
           <p:nvPr>
-            <p:ph idx="1" type="body"/>
+            <p:ph type="body" idx="1"/>
           </p:nvPr>
         </p:nvSpPr>
         <p:spPr>
@@ -1749,12 +1846,12 @@
           </a:prstGeom>
         </p:spPr>
         <p:txBody>
-          <a:bodyPr anchorCtr="0" anchor="t" bIns="45700" lIns="91425" spcFirstLastPara="1" rIns="91425" wrap="square" tIns="45700">
+          <a:bodyPr spcFirstLastPara="1" wrap="square" lIns="91425" tIns="45700" rIns="91425" bIns="45700" anchor="t" anchorCtr="0">
             <a:noAutofit/>
           </a:bodyPr>
           <a:lstStyle/>
           <a:p>
-            <a:pPr indent="0" lvl="0" marL="0" rtl="0" algn="l">
+            <a:pPr marL="0" lvl="0" indent="0" algn="l" rtl="0">
               <a:spcBef>
                 <a:spcPts val="0"/>
               </a:spcBef>
@@ -1763,9 +1860,6 @@
               </a:spcAft>
               <a:buNone/>
             </a:pPr>
-            <a:r>
-              <a:t/>
-            </a:r>
             <a:endParaRPr/>
           </a:p>
         </p:txBody>
@@ -1773,9 +1867,11 @@
       <p:sp>
         <p:nvSpPr>
           <p:cNvPr id="114" name="Google Shape;114;g4572520ff1_0_14:notes"/>
-          <p:cNvSpPr txBox="1"/>
+          <p:cNvSpPr txBox="1">
+            <a:spLocks noGrp="1"/>
+          </p:cNvSpPr>
           <p:nvPr>
-            <p:ph idx="12" type="sldNum"/>
+            <p:ph type="sldNum" idx="12"/>
           </p:nvPr>
         </p:nvSpPr>
         <p:spPr>
@@ -1788,12 +1884,12 @@
           </a:prstGeom>
         </p:spPr>
         <p:txBody>
-          <a:bodyPr anchorCtr="0" anchor="b" bIns="45700" lIns="91425" spcFirstLastPara="1" rIns="91425" wrap="square" tIns="45700">
+          <a:bodyPr spcFirstLastPara="1" wrap="square" lIns="91425" tIns="45700" rIns="91425" bIns="45700" anchor="b" anchorCtr="0">
             <a:noAutofit/>
           </a:bodyPr>
           <a:lstStyle/>
           <a:p>
-            <a:pPr indent="0" lvl="0" marL="0" rtl="0" algn="r">
+            <a:pPr marL="0" lvl="0" indent="0" algn="r" rtl="0">
               <a:spcBef>
                 <a:spcPts val="0"/>
               </a:spcBef>
@@ -1808,7 +1904,7 @@
             </a:pPr>
             <a:fld id="{00000000-1234-1234-1234-123412341234}" type="slidenum">
               <a:rPr lang="en-SG"/>
-              <a:t>‹#›</a:t>
+              <a:t>3</a:t>
             </a:fld>
             <a:endParaRPr/>
           </a:p>
@@ -1823,11 +1919,11 @@
 </file>
 
 <file path=ppt/slideLayouts/slideLayout1.xml><?xml version="1.0" encoding="utf-8"?>
-<p:sldLayout xmlns:a="http://schemas.openxmlformats.org/drawingml/2006/main" xmlns:r="http://schemas.openxmlformats.org/officeDocument/2006/relationships" xmlns:mc="http://schemas.openxmlformats.org/markup-compatibility/2006" xmlns:mv="urn:schemas-microsoft-com:mac:vml" xmlns:p="http://schemas.openxmlformats.org/presentationml/2006/main" xmlns:c="http://schemas.openxmlformats.org/drawingml/2006/chart" xmlns:dgm="http://schemas.openxmlformats.org/drawingml/2006/diagram" xmlns:o="urn:schemas-microsoft-com:office:office" xmlns:v="urn:schemas-microsoft-com:vml" xmlns:pvml="urn:schemas-microsoft-com:office:powerpoint" xmlns:com="http://schemas.openxmlformats.org/drawingml/2006/compatibility" xmlns:p14="http://schemas.microsoft.com/office/powerpoint/2010/main" xmlns:p15="http://schemas.microsoft.com/office/powerpoint/2012/main" matchingName="Title and Content" type="obj">
+<p:sldLayout xmlns:a="http://schemas.openxmlformats.org/drawingml/2006/main" xmlns:r="http://schemas.openxmlformats.org/officeDocument/2006/relationships" xmlns:p="http://schemas.openxmlformats.org/presentationml/2006/main" matchingName="Title and Content" type="obj">
   <p:cSld name="OBJECT">
     <p:spTree>
       <p:nvGrpSpPr>
-        <p:cNvPr id="15" name="Shape 15"/>
+        <p:cNvPr id="1" name="Shape 15"/>
         <p:cNvGrpSpPr/>
         <p:nvPr/>
       </p:nvGrpSpPr>
@@ -1842,7 +1938,9 @@
       <p:sp>
         <p:nvSpPr>
           <p:cNvPr id="16" name="Google Shape;16;p2"/>
-          <p:cNvSpPr txBox="1"/>
+          <p:cNvSpPr txBox="1">
+            <a:spLocks noGrp="1"/>
+          </p:cNvSpPr>
           <p:nvPr>
             <p:ph type="title"/>
           </p:nvPr>
@@ -1861,7 +1959,7 @@
           </a:ln>
         </p:spPr>
         <p:txBody>
-          <a:bodyPr anchorCtr="0" anchor="ctr" bIns="45700" lIns="91425" spcFirstLastPara="1" rIns="91425" wrap="square" tIns="45700"/>
+          <a:bodyPr spcFirstLastPara="1" wrap="square" lIns="91425" tIns="45700" rIns="91425" bIns="45700" anchor="ctr" anchorCtr="0"/>
           <a:lstStyle>
             <a:lvl1pPr lvl="0" algn="l">
               <a:lnSpc>
@@ -1969,15 +2067,19 @@
               <a:defRPr/>
             </a:lvl9pPr>
           </a:lstStyle>
-          <a:p/>
+          <a:p>
+            <a:endParaRPr/>
+          </a:p>
         </p:txBody>
       </p:sp>
       <p:sp>
         <p:nvSpPr>
           <p:cNvPr id="17" name="Google Shape;17;p2"/>
-          <p:cNvSpPr txBox="1"/>
+          <p:cNvSpPr txBox="1">
+            <a:spLocks noGrp="1"/>
+          </p:cNvSpPr>
           <p:nvPr>
-            <p:ph idx="1" type="body"/>
+            <p:ph type="body" idx="1"/>
           </p:nvPr>
         </p:nvSpPr>
         <p:spPr>
@@ -1994,9 +2096,9 @@
           </a:ln>
         </p:spPr>
         <p:txBody>
-          <a:bodyPr anchorCtr="0" anchor="t" bIns="45700" lIns="91425" spcFirstLastPara="1" rIns="91425" wrap="square" tIns="45700"/>
+          <a:bodyPr spcFirstLastPara="1" wrap="square" lIns="91425" tIns="45700" rIns="91425" bIns="45700" anchor="t" anchorCtr="0"/>
           <a:lstStyle>
-            <a:lvl1pPr indent="-342900" lvl="0" marL="457200" algn="l">
+            <a:lvl1pPr marL="457200" lvl="0" indent="-342900" algn="l">
               <a:lnSpc>
                 <a:spcPct val="90000"/>
               </a:lnSpc>
@@ -2013,7 +2115,7 @@
               <a:buChar char="•"/>
               <a:defRPr/>
             </a:lvl1pPr>
-            <a:lvl2pPr indent="-342900" lvl="1" marL="914400" algn="l">
+            <a:lvl2pPr marL="914400" lvl="1" indent="-342900" algn="l">
               <a:lnSpc>
                 <a:spcPct val="90000"/>
               </a:lnSpc>
@@ -2030,7 +2132,7 @@
               <a:buChar char="•"/>
               <a:defRPr/>
             </a:lvl2pPr>
-            <a:lvl3pPr indent="-342900" lvl="2" marL="1371600" algn="l">
+            <a:lvl3pPr marL="1371600" lvl="2" indent="-342900" algn="l">
               <a:lnSpc>
                 <a:spcPct val="90000"/>
               </a:lnSpc>
@@ -2047,7 +2149,7 @@
               <a:buChar char="•"/>
               <a:defRPr/>
             </a:lvl3pPr>
-            <a:lvl4pPr indent="-342900" lvl="3" marL="1828800" algn="l">
+            <a:lvl4pPr marL="1828800" lvl="3" indent="-342900" algn="l">
               <a:lnSpc>
                 <a:spcPct val="90000"/>
               </a:lnSpc>
@@ -2064,7 +2166,7 @@
               <a:buChar char="•"/>
               <a:defRPr/>
             </a:lvl4pPr>
-            <a:lvl5pPr indent="-342900" lvl="4" marL="2286000" algn="l">
+            <a:lvl5pPr marL="2286000" lvl="4" indent="-342900" algn="l">
               <a:lnSpc>
                 <a:spcPct val="90000"/>
               </a:lnSpc>
@@ -2081,7 +2183,7 @@
               <a:buChar char="•"/>
               <a:defRPr/>
             </a:lvl5pPr>
-            <a:lvl6pPr indent="-342900" lvl="5" marL="2743200" algn="l">
+            <a:lvl6pPr marL="2743200" lvl="5" indent="-342900" algn="l">
               <a:lnSpc>
                 <a:spcPct val="90000"/>
               </a:lnSpc>
@@ -2098,7 +2200,7 @@
               <a:buChar char="•"/>
               <a:defRPr/>
             </a:lvl6pPr>
-            <a:lvl7pPr indent="-342900" lvl="6" marL="3200400" algn="l">
+            <a:lvl7pPr marL="3200400" lvl="6" indent="-342900" algn="l">
               <a:lnSpc>
                 <a:spcPct val="90000"/>
               </a:lnSpc>
@@ -2115,7 +2217,7 @@
               <a:buChar char="•"/>
               <a:defRPr/>
             </a:lvl7pPr>
-            <a:lvl8pPr indent="-342900" lvl="7" marL="3657600" algn="l">
+            <a:lvl8pPr marL="3657600" lvl="7" indent="-342900" algn="l">
               <a:lnSpc>
                 <a:spcPct val="90000"/>
               </a:lnSpc>
@@ -2132,7 +2234,7 @@
               <a:buChar char="•"/>
               <a:defRPr/>
             </a:lvl8pPr>
-            <a:lvl9pPr indent="-342900" lvl="8" marL="4114800" algn="l">
+            <a:lvl9pPr marL="4114800" lvl="8" indent="-342900" algn="l">
               <a:lnSpc>
                 <a:spcPct val="90000"/>
               </a:lnSpc>
@@ -2150,15 +2252,19 @@
               <a:defRPr/>
             </a:lvl9pPr>
           </a:lstStyle>
-          <a:p/>
+          <a:p>
+            <a:endParaRPr/>
+          </a:p>
         </p:txBody>
       </p:sp>
       <p:sp>
         <p:nvSpPr>
           <p:cNvPr id="18" name="Google Shape;18;p2"/>
-          <p:cNvSpPr txBox="1"/>
+          <p:cNvSpPr txBox="1">
+            <a:spLocks noGrp="1"/>
+          </p:cNvSpPr>
           <p:nvPr>
-            <p:ph idx="10" type="dt"/>
+            <p:ph type="dt" idx="10"/>
           </p:nvPr>
         </p:nvSpPr>
         <p:spPr>
@@ -2175,7 +2281,7 @@
           </a:ln>
         </p:spPr>
         <p:txBody>
-          <a:bodyPr anchorCtr="0" anchor="ctr" bIns="45700" lIns="91425" spcFirstLastPara="1" rIns="91425" wrap="square" tIns="45700"/>
+          <a:bodyPr spcFirstLastPara="1" wrap="square" lIns="91425" tIns="45700" rIns="91425" bIns="45700" anchor="ctr" anchorCtr="0"/>
           <a:lstStyle>
             <a:lvl1pPr lvl="0" algn="l">
               <a:spcBef>
@@ -2277,15 +2383,19 @@
               <a:defRPr/>
             </a:lvl9pPr>
           </a:lstStyle>
-          <a:p/>
+          <a:p>
+            <a:endParaRPr/>
+          </a:p>
         </p:txBody>
       </p:sp>
       <p:sp>
         <p:nvSpPr>
           <p:cNvPr id="19" name="Google Shape;19;p2"/>
-          <p:cNvSpPr txBox="1"/>
+          <p:cNvSpPr txBox="1">
+            <a:spLocks noGrp="1"/>
+          </p:cNvSpPr>
           <p:nvPr>
-            <p:ph idx="11" type="ftr"/>
+            <p:ph type="ftr" idx="11"/>
           </p:nvPr>
         </p:nvSpPr>
         <p:spPr>
@@ -2302,7 +2412,7 @@
           </a:ln>
         </p:spPr>
         <p:txBody>
-          <a:bodyPr anchorCtr="0" anchor="ctr" bIns="45700" lIns="91425" spcFirstLastPara="1" rIns="91425" wrap="square" tIns="45700"/>
+          <a:bodyPr spcFirstLastPara="1" wrap="square" lIns="91425" tIns="45700" rIns="91425" bIns="45700" anchor="ctr" anchorCtr="0"/>
           <a:lstStyle>
             <a:lvl1pPr lvl="0" algn="ctr">
               <a:spcBef>
@@ -2404,15 +2514,19 @@
               <a:defRPr/>
             </a:lvl9pPr>
           </a:lstStyle>
-          <a:p/>
+          <a:p>
+            <a:endParaRPr/>
+          </a:p>
         </p:txBody>
       </p:sp>
       <p:sp>
         <p:nvSpPr>
           <p:cNvPr id="20" name="Google Shape;20;p2"/>
-          <p:cNvSpPr txBox="1"/>
+          <p:cNvSpPr txBox="1">
+            <a:spLocks noGrp="1"/>
+          </p:cNvSpPr>
           <p:nvPr>
-            <p:ph idx="12" type="sldNum"/>
+            <p:ph type="sldNum" idx="12"/>
           </p:nvPr>
         </p:nvSpPr>
         <p:spPr>
@@ -2429,67 +2543,67 @@
           </a:ln>
         </p:spPr>
         <p:txBody>
-          <a:bodyPr anchorCtr="0" anchor="ctr" bIns="45700" lIns="91425" spcFirstLastPara="1" rIns="91425" wrap="square" tIns="45700">
+          <a:bodyPr spcFirstLastPara="1" wrap="square" lIns="91425" tIns="45700" rIns="91425" bIns="45700" anchor="ctr" anchorCtr="0">
             <a:noAutofit/>
           </a:bodyPr>
           <a:lstStyle>
-            <a:lvl1pPr indent="0" lvl="0" marL="0" algn="r">
+            <a:lvl1pPr marL="0" lvl="0" indent="0" algn="r">
               <a:spcBef>
                 <a:spcPts val="0"/>
               </a:spcBef>
               <a:buNone/>
               <a:defRPr/>
             </a:lvl1pPr>
-            <a:lvl2pPr indent="0" lvl="1" marL="0" algn="r">
+            <a:lvl2pPr marL="0" lvl="1" indent="0" algn="r">
               <a:spcBef>
                 <a:spcPts val="0"/>
               </a:spcBef>
               <a:buNone/>
               <a:defRPr/>
             </a:lvl2pPr>
-            <a:lvl3pPr indent="0" lvl="2" marL="0" algn="r">
+            <a:lvl3pPr marL="0" lvl="2" indent="0" algn="r">
               <a:spcBef>
                 <a:spcPts val="0"/>
               </a:spcBef>
               <a:buNone/>
               <a:defRPr/>
             </a:lvl3pPr>
-            <a:lvl4pPr indent="0" lvl="3" marL="0" algn="r">
+            <a:lvl4pPr marL="0" lvl="3" indent="0" algn="r">
               <a:spcBef>
                 <a:spcPts val="0"/>
               </a:spcBef>
               <a:buNone/>
               <a:defRPr/>
             </a:lvl4pPr>
-            <a:lvl5pPr indent="0" lvl="4" marL="0" algn="r">
+            <a:lvl5pPr marL="0" lvl="4" indent="0" algn="r">
               <a:spcBef>
                 <a:spcPts val="0"/>
               </a:spcBef>
               <a:buNone/>
               <a:defRPr/>
             </a:lvl5pPr>
-            <a:lvl6pPr indent="0" lvl="5" marL="0" algn="r">
+            <a:lvl6pPr marL="0" lvl="5" indent="0" algn="r">
               <a:spcBef>
                 <a:spcPts val="0"/>
               </a:spcBef>
               <a:buNone/>
               <a:defRPr/>
             </a:lvl6pPr>
-            <a:lvl7pPr indent="0" lvl="6" marL="0" algn="r">
+            <a:lvl7pPr marL="0" lvl="6" indent="0" algn="r">
               <a:spcBef>
                 <a:spcPts val="0"/>
               </a:spcBef>
               <a:buNone/>
               <a:defRPr/>
             </a:lvl7pPr>
-            <a:lvl8pPr indent="0" lvl="7" marL="0" algn="r">
+            <a:lvl8pPr marL="0" lvl="7" indent="0" algn="r">
               <a:spcBef>
                 <a:spcPts val="0"/>
               </a:spcBef>
               <a:buNone/>
               <a:defRPr/>
             </a:lvl8pPr>
-            <a:lvl9pPr indent="0" lvl="8" marL="0" algn="r">
+            <a:lvl9pPr marL="0" lvl="8" indent="0" algn="r">
               <a:spcBef>
                 <a:spcPts val="0"/>
               </a:spcBef>
@@ -2498,7 +2612,7 @@
             </a:lvl9pPr>
           </a:lstStyle>
           <a:p>
-            <a:pPr indent="0" lvl="0" marL="0" rtl="0" algn="r">
+            <a:pPr marL="0" lvl="0" indent="0" algn="r" rtl="0">
               <a:spcBef>
                 <a:spcPts val="0"/>
               </a:spcBef>
@@ -2524,11 +2638,11 @@
 </file>
 
 <file path=ppt/slideLayouts/slideLayout10.xml><?xml version="1.0" encoding="utf-8"?>
-<p:sldLayout xmlns:a="http://schemas.openxmlformats.org/drawingml/2006/main" xmlns:r="http://schemas.openxmlformats.org/officeDocument/2006/relationships" xmlns:mc="http://schemas.openxmlformats.org/markup-compatibility/2006" xmlns:mv="urn:schemas-microsoft-com:mac:vml" xmlns:p="http://schemas.openxmlformats.org/presentationml/2006/main" xmlns:c="http://schemas.openxmlformats.org/drawingml/2006/chart" xmlns:dgm="http://schemas.openxmlformats.org/drawingml/2006/diagram" xmlns:o="urn:schemas-microsoft-com:office:office" xmlns:v="urn:schemas-microsoft-com:vml" xmlns:pvml="urn:schemas-microsoft-com:office:powerpoint" xmlns:com="http://schemas.openxmlformats.org/drawingml/2006/compatibility" xmlns:p14="http://schemas.microsoft.com/office/powerpoint/2010/main" xmlns:p15="http://schemas.microsoft.com/office/powerpoint/2012/main" matchingName="Title and Vertical Text" type="vertTx">
+<p:sldLayout xmlns:a="http://schemas.openxmlformats.org/drawingml/2006/main" xmlns:r="http://schemas.openxmlformats.org/officeDocument/2006/relationships" xmlns:p="http://schemas.openxmlformats.org/presentationml/2006/main" matchingName="Title and Vertical Text" type="vertTx">
   <p:cSld name="VERTICAL_TEXT">
     <p:spTree>
       <p:nvGrpSpPr>
-        <p:cNvPr id="72" name="Shape 72"/>
+        <p:cNvPr id="1" name="Shape 72"/>
         <p:cNvGrpSpPr/>
         <p:nvPr/>
       </p:nvGrpSpPr>
@@ -2543,7 +2657,9 @@
       <p:sp>
         <p:nvSpPr>
           <p:cNvPr id="73" name="Google Shape;73;p11"/>
-          <p:cNvSpPr txBox="1"/>
+          <p:cNvSpPr txBox="1">
+            <a:spLocks noGrp="1"/>
+          </p:cNvSpPr>
           <p:nvPr>
             <p:ph type="title"/>
           </p:nvPr>
@@ -2562,7 +2678,7 @@
           </a:ln>
         </p:spPr>
         <p:txBody>
-          <a:bodyPr anchorCtr="0" anchor="ctr" bIns="45700" lIns="91425" spcFirstLastPara="1" rIns="91425" wrap="square" tIns="45700"/>
+          <a:bodyPr spcFirstLastPara="1" wrap="square" lIns="91425" tIns="45700" rIns="91425" bIns="45700" anchor="ctr" anchorCtr="0"/>
           <a:lstStyle>
             <a:lvl1pPr lvl="0" algn="l">
               <a:lnSpc>
@@ -2670,15 +2786,19 @@
               <a:defRPr/>
             </a:lvl9pPr>
           </a:lstStyle>
-          <a:p/>
+          <a:p>
+            <a:endParaRPr/>
+          </a:p>
         </p:txBody>
       </p:sp>
       <p:sp>
         <p:nvSpPr>
           <p:cNvPr id="74" name="Google Shape;74;p11"/>
-          <p:cNvSpPr txBox="1"/>
+          <p:cNvSpPr txBox="1">
+            <a:spLocks noGrp="1"/>
+          </p:cNvSpPr>
           <p:nvPr>
-            <p:ph idx="1" type="body"/>
+            <p:ph type="body" idx="1"/>
           </p:nvPr>
         </p:nvSpPr>
         <p:spPr>
@@ -2695,9 +2815,9 @@
           </a:ln>
         </p:spPr>
         <p:txBody>
-          <a:bodyPr anchorCtr="0" anchor="t" bIns="45700" lIns="91425" spcFirstLastPara="1" rIns="91425" wrap="square" tIns="45700"/>
+          <a:bodyPr spcFirstLastPara="1" wrap="square" lIns="91425" tIns="45700" rIns="91425" bIns="45700" anchor="t" anchorCtr="0"/>
           <a:lstStyle>
-            <a:lvl1pPr indent="-342900" lvl="0" marL="457200" algn="l">
+            <a:lvl1pPr marL="457200" lvl="0" indent="-342900" algn="l">
               <a:lnSpc>
                 <a:spcPct val="90000"/>
               </a:lnSpc>
@@ -2714,7 +2834,7 @@
               <a:buChar char="•"/>
               <a:defRPr/>
             </a:lvl1pPr>
-            <a:lvl2pPr indent="-342900" lvl="1" marL="914400" algn="l">
+            <a:lvl2pPr marL="914400" lvl="1" indent="-342900" algn="l">
               <a:lnSpc>
                 <a:spcPct val="90000"/>
               </a:lnSpc>
@@ -2731,7 +2851,7 @@
               <a:buChar char="•"/>
               <a:defRPr/>
             </a:lvl2pPr>
-            <a:lvl3pPr indent="-342900" lvl="2" marL="1371600" algn="l">
+            <a:lvl3pPr marL="1371600" lvl="2" indent="-342900" algn="l">
               <a:lnSpc>
                 <a:spcPct val="90000"/>
               </a:lnSpc>
@@ -2748,7 +2868,7 @@
               <a:buChar char="•"/>
               <a:defRPr/>
             </a:lvl3pPr>
-            <a:lvl4pPr indent="-342900" lvl="3" marL="1828800" algn="l">
+            <a:lvl4pPr marL="1828800" lvl="3" indent="-342900" algn="l">
               <a:lnSpc>
                 <a:spcPct val="90000"/>
               </a:lnSpc>
@@ -2765,7 +2885,7 @@
               <a:buChar char="•"/>
               <a:defRPr/>
             </a:lvl4pPr>
-            <a:lvl5pPr indent="-342900" lvl="4" marL="2286000" algn="l">
+            <a:lvl5pPr marL="2286000" lvl="4" indent="-342900" algn="l">
               <a:lnSpc>
                 <a:spcPct val="90000"/>
               </a:lnSpc>
@@ -2782,7 +2902,7 @@
               <a:buChar char="•"/>
               <a:defRPr/>
             </a:lvl5pPr>
-            <a:lvl6pPr indent="-342900" lvl="5" marL="2743200" algn="l">
+            <a:lvl6pPr marL="2743200" lvl="5" indent="-342900" algn="l">
               <a:lnSpc>
                 <a:spcPct val="90000"/>
               </a:lnSpc>
@@ -2799,7 +2919,7 @@
               <a:buChar char="•"/>
               <a:defRPr/>
             </a:lvl6pPr>
-            <a:lvl7pPr indent="-342900" lvl="6" marL="3200400" algn="l">
+            <a:lvl7pPr marL="3200400" lvl="6" indent="-342900" algn="l">
               <a:lnSpc>
                 <a:spcPct val="90000"/>
               </a:lnSpc>
@@ -2816,7 +2936,7 @@
               <a:buChar char="•"/>
               <a:defRPr/>
             </a:lvl7pPr>
-            <a:lvl8pPr indent="-342900" lvl="7" marL="3657600" algn="l">
+            <a:lvl8pPr marL="3657600" lvl="7" indent="-342900" algn="l">
               <a:lnSpc>
                 <a:spcPct val="90000"/>
               </a:lnSpc>
@@ -2833,7 +2953,7 @@
               <a:buChar char="•"/>
               <a:defRPr/>
             </a:lvl8pPr>
-            <a:lvl9pPr indent="-342900" lvl="8" marL="4114800" algn="l">
+            <a:lvl9pPr marL="4114800" lvl="8" indent="-342900" algn="l">
               <a:lnSpc>
                 <a:spcPct val="90000"/>
               </a:lnSpc>
@@ -2851,15 +2971,19 @@
               <a:defRPr/>
             </a:lvl9pPr>
           </a:lstStyle>
-          <a:p/>
+          <a:p>
+            <a:endParaRPr/>
+          </a:p>
         </p:txBody>
       </p:sp>
       <p:sp>
         <p:nvSpPr>
           <p:cNvPr id="75" name="Google Shape;75;p11"/>
-          <p:cNvSpPr txBox="1"/>
+          <p:cNvSpPr txBox="1">
+            <a:spLocks noGrp="1"/>
+          </p:cNvSpPr>
           <p:nvPr>
-            <p:ph idx="10" type="dt"/>
+            <p:ph type="dt" idx="10"/>
           </p:nvPr>
         </p:nvSpPr>
         <p:spPr>
@@ -2876,7 +3000,7 @@
           </a:ln>
         </p:spPr>
         <p:txBody>
-          <a:bodyPr anchorCtr="0" anchor="ctr" bIns="45700" lIns="91425" spcFirstLastPara="1" rIns="91425" wrap="square" tIns="45700"/>
+          <a:bodyPr spcFirstLastPara="1" wrap="square" lIns="91425" tIns="45700" rIns="91425" bIns="45700" anchor="ctr" anchorCtr="0"/>
           <a:lstStyle>
             <a:lvl1pPr lvl="0" algn="l">
               <a:spcBef>
@@ -2978,15 +3102,19 @@
               <a:defRPr/>
             </a:lvl9pPr>
           </a:lstStyle>
-          <a:p/>
+          <a:p>
+            <a:endParaRPr/>
+          </a:p>
         </p:txBody>
       </p:sp>
       <p:sp>
         <p:nvSpPr>
           <p:cNvPr id="76" name="Google Shape;76;p11"/>
-          <p:cNvSpPr txBox="1"/>
+          <p:cNvSpPr txBox="1">
+            <a:spLocks noGrp="1"/>
+          </p:cNvSpPr>
           <p:nvPr>
-            <p:ph idx="11" type="ftr"/>
+            <p:ph type="ftr" idx="11"/>
           </p:nvPr>
         </p:nvSpPr>
         <p:spPr>
@@ -3003,7 +3131,7 @@
           </a:ln>
         </p:spPr>
         <p:txBody>
-          <a:bodyPr anchorCtr="0" anchor="ctr" bIns="45700" lIns="91425" spcFirstLastPara="1" rIns="91425" wrap="square" tIns="45700"/>
+          <a:bodyPr spcFirstLastPara="1" wrap="square" lIns="91425" tIns="45700" rIns="91425" bIns="45700" anchor="ctr" anchorCtr="0"/>
           <a:lstStyle>
             <a:lvl1pPr lvl="0" algn="ctr">
               <a:spcBef>
@@ -3105,15 +3233,19 @@
               <a:defRPr/>
             </a:lvl9pPr>
           </a:lstStyle>
-          <a:p/>
+          <a:p>
+            <a:endParaRPr/>
+          </a:p>
         </p:txBody>
       </p:sp>
       <p:sp>
         <p:nvSpPr>
           <p:cNvPr id="77" name="Google Shape;77;p11"/>
-          <p:cNvSpPr txBox="1"/>
+          <p:cNvSpPr txBox="1">
+            <a:spLocks noGrp="1"/>
+          </p:cNvSpPr>
           <p:nvPr>
-            <p:ph idx="12" type="sldNum"/>
+            <p:ph type="sldNum" idx="12"/>
           </p:nvPr>
         </p:nvSpPr>
         <p:spPr>
@@ -3130,67 +3262,67 @@
           </a:ln>
         </p:spPr>
         <p:txBody>
-          <a:bodyPr anchorCtr="0" anchor="ctr" bIns="45700" lIns="91425" spcFirstLastPara="1" rIns="91425" wrap="square" tIns="45700">
+          <a:bodyPr spcFirstLastPara="1" wrap="square" lIns="91425" tIns="45700" rIns="91425" bIns="45700" anchor="ctr" anchorCtr="0">
             <a:noAutofit/>
           </a:bodyPr>
           <a:lstStyle>
-            <a:lvl1pPr indent="0" lvl="0" marL="0" algn="r">
+            <a:lvl1pPr marL="0" lvl="0" indent="0" algn="r">
               <a:spcBef>
                 <a:spcPts val="0"/>
               </a:spcBef>
               <a:buNone/>
               <a:defRPr/>
             </a:lvl1pPr>
-            <a:lvl2pPr indent="0" lvl="1" marL="0" algn="r">
+            <a:lvl2pPr marL="0" lvl="1" indent="0" algn="r">
               <a:spcBef>
                 <a:spcPts val="0"/>
               </a:spcBef>
               <a:buNone/>
               <a:defRPr/>
             </a:lvl2pPr>
-            <a:lvl3pPr indent="0" lvl="2" marL="0" algn="r">
+            <a:lvl3pPr marL="0" lvl="2" indent="0" algn="r">
               <a:spcBef>
                 <a:spcPts val="0"/>
               </a:spcBef>
               <a:buNone/>
               <a:defRPr/>
             </a:lvl3pPr>
-            <a:lvl4pPr indent="0" lvl="3" marL="0" algn="r">
+            <a:lvl4pPr marL="0" lvl="3" indent="0" algn="r">
               <a:spcBef>
                 <a:spcPts val="0"/>
               </a:spcBef>
               <a:buNone/>
               <a:defRPr/>
             </a:lvl4pPr>
-            <a:lvl5pPr indent="0" lvl="4" marL="0" algn="r">
+            <a:lvl5pPr marL="0" lvl="4" indent="0" algn="r">
               <a:spcBef>
                 <a:spcPts val="0"/>
               </a:spcBef>
               <a:buNone/>
               <a:defRPr/>
             </a:lvl5pPr>
-            <a:lvl6pPr indent="0" lvl="5" marL="0" algn="r">
+            <a:lvl6pPr marL="0" lvl="5" indent="0" algn="r">
               <a:spcBef>
                 <a:spcPts val="0"/>
               </a:spcBef>
               <a:buNone/>
               <a:defRPr/>
             </a:lvl6pPr>
-            <a:lvl7pPr indent="0" lvl="6" marL="0" algn="r">
+            <a:lvl7pPr marL="0" lvl="6" indent="0" algn="r">
               <a:spcBef>
                 <a:spcPts val="0"/>
               </a:spcBef>
               <a:buNone/>
               <a:defRPr/>
             </a:lvl7pPr>
-            <a:lvl8pPr indent="0" lvl="7" marL="0" algn="r">
+            <a:lvl8pPr marL="0" lvl="7" indent="0" algn="r">
               <a:spcBef>
                 <a:spcPts val="0"/>
               </a:spcBef>
               <a:buNone/>
               <a:defRPr/>
             </a:lvl8pPr>
-            <a:lvl9pPr indent="0" lvl="8" marL="0" algn="r">
+            <a:lvl9pPr marL="0" lvl="8" indent="0" algn="r">
               <a:spcBef>
                 <a:spcPts val="0"/>
               </a:spcBef>
@@ -3199,7 +3331,7 @@
             </a:lvl9pPr>
           </a:lstStyle>
           <a:p>
-            <a:pPr indent="0" lvl="0" marL="0" rtl="0" algn="r">
+            <a:pPr marL="0" lvl="0" indent="0" algn="r" rtl="0">
               <a:spcBef>
                 <a:spcPts val="0"/>
               </a:spcBef>
@@ -3225,11 +3357,11 @@
 </file>
 
 <file path=ppt/slideLayouts/slideLayout11.xml><?xml version="1.0" encoding="utf-8"?>
-<p:sldLayout xmlns:a="http://schemas.openxmlformats.org/drawingml/2006/main" xmlns:r="http://schemas.openxmlformats.org/officeDocument/2006/relationships" xmlns:mc="http://schemas.openxmlformats.org/markup-compatibility/2006" xmlns:mv="urn:schemas-microsoft-com:mac:vml" xmlns:p="http://schemas.openxmlformats.org/presentationml/2006/main" xmlns:c="http://schemas.openxmlformats.org/drawingml/2006/chart" xmlns:dgm="http://schemas.openxmlformats.org/drawingml/2006/diagram" xmlns:o="urn:schemas-microsoft-com:office:office" xmlns:v="urn:schemas-microsoft-com:vml" xmlns:pvml="urn:schemas-microsoft-com:office:powerpoint" xmlns:com="http://schemas.openxmlformats.org/drawingml/2006/compatibility" xmlns:p14="http://schemas.microsoft.com/office/powerpoint/2010/main" xmlns:p15="http://schemas.microsoft.com/office/powerpoint/2012/main" matchingName="Vertical Title and Text" type="vertTitleAndTx">
+<p:sldLayout xmlns:a="http://schemas.openxmlformats.org/drawingml/2006/main" xmlns:r="http://schemas.openxmlformats.org/officeDocument/2006/relationships" xmlns:p="http://schemas.openxmlformats.org/presentationml/2006/main" matchingName="Vertical Title and Text" type="vertTitleAndTx">
   <p:cSld name="VERTICAL_TITLE_AND_VERTICAL_TEXT">
     <p:spTree>
       <p:nvGrpSpPr>
-        <p:cNvPr id="78" name="Shape 78"/>
+        <p:cNvPr id="1" name="Shape 78"/>
         <p:cNvGrpSpPr/>
         <p:nvPr/>
       </p:nvGrpSpPr>
@@ -3244,7 +3376,9 @@
       <p:sp>
         <p:nvSpPr>
           <p:cNvPr id="79" name="Google Shape;79;p12"/>
-          <p:cNvSpPr txBox="1"/>
+          <p:cNvSpPr txBox="1">
+            <a:spLocks noGrp="1"/>
+          </p:cNvSpPr>
           <p:nvPr>
             <p:ph type="title"/>
           </p:nvPr>
@@ -3263,7 +3397,7 @@
           </a:ln>
         </p:spPr>
         <p:txBody>
-          <a:bodyPr anchorCtr="0" anchor="ctr" bIns="45700" lIns="91425" spcFirstLastPara="1" rIns="91425" wrap="square" tIns="45700"/>
+          <a:bodyPr spcFirstLastPara="1" wrap="square" lIns="91425" tIns="45700" rIns="91425" bIns="45700" anchor="ctr" anchorCtr="0"/>
           <a:lstStyle>
             <a:lvl1pPr lvl="0" algn="l">
               <a:lnSpc>
@@ -3371,15 +3505,19 @@
               <a:defRPr/>
             </a:lvl9pPr>
           </a:lstStyle>
-          <a:p/>
+          <a:p>
+            <a:endParaRPr/>
+          </a:p>
         </p:txBody>
       </p:sp>
       <p:sp>
         <p:nvSpPr>
           <p:cNvPr id="80" name="Google Shape;80;p12"/>
-          <p:cNvSpPr txBox="1"/>
+          <p:cNvSpPr txBox="1">
+            <a:spLocks noGrp="1"/>
+          </p:cNvSpPr>
           <p:nvPr>
-            <p:ph idx="1" type="body"/>
+            <p:ph type="body" idx="1"/>
           </p:nvPr>
         </p:nvSpPr>
         <p:spPr>
@@ -3396,9 +3534,9 @@
           </a:ln>
         </p:spPr>
         <p:txBody>
-          <a:bodyPr anchorCtr="0" anchor="t" bIns="45700" lIns="91425" spcFirstLastPara="1" rIns="91425" wrap="square" tIns="45700"/>
+          <a:bodyPr spcFirstLastPara="1" wrap="square" lIns="91425" tIns="45700" rIns="91425" bIns="45700" anchor="t" anchorCtr="0"/>
           <a:lstStyle>
-            <a:lvl1pPr indent="-342900" lvl="0" marL="457200" algn="l">
+            <a:lvl1pPr marL="457200" lvl="0" indent="-342900" algn="l">
               <a:lnSpc>
                 <a:spcPct val="90000"/>
               </a:lnSpc>
@@ -3415,7 +3553,7 @@
               <a:buChar char="•"/>
               <a:defRPr/>
             </a:lvl1pPr>
-            <a:lvl2pPr indent="-342900" lvl="1" marL="914400" algn="l">
+            <a:lvl2pPr marL="914400" lvl="1" indent="-342900" algn="l">
               <a:lnSpc>
                 <a:spcPct val="90000"/>
               </a:lnSpc>
@@ -3432,7 +3570,7 @@
               <a:buChar char="•"/>
               <a:defRPr/>
             </a:lvl2pPr>
-            <a:lvl3pPr indent="-342900" lvl="2" marL="1371600" algn="l">
+            <a:lvl3pPr marL="1371600" lvl="2" indent="-342900" algn="l">
               <a:lnSpc>
                 <a:spcPct val="90000"/>
               </a:lnSpc>
@@ -3449,7 +3587,7 @@
               <a:buChar char="•"/>
               <a:defRPr/>
             </a:lvl3pPr>
-            <a:lvl4pPr indent="-342900" lvl="3" marL="1828800" algn="l">
+            <a:lvl4pPr marL="1828800" lvl="3" indent="-342900" algn="l">
               <a:lnSpc>
                 <a:spcPct val="90000"/>
               </a:lnSpc>
@@ -3466,7 +3604,7 @@
               <a:buChar char="•"/>
               <a:defRPr/>
             </a:lvl4pPr>
-            <a:lvl5pPr indent="-342900" lvl="4" marL="2286000" algn="l">
+            <a:lvl5pPr marL="2286000" lvl="4" indent="-342900" algn="l">
               <a:lnSpc>
                 <a:spcPct val="90000"/>
               </a:lnSpc>
@@ -3483,7 +3621,7 @@
               <a:buChar char="•"/>
               <a:defRPr/>
             </a:lvl5pPr>
-            <a:lvl6pPr indent="-342900" lvl="5" marL="2743200" algn="l">
+            <a:lvl6pPr marL="2743200" lvl="5" indent="-342900" algn="l">
               <a:lnSpc>
                 <a:spcPct val="90000"/>
               </a:lnSpc>
@@ -3500,7 +3638,7 @@
               <a:buChar char="•"/>
               <a:defRPr/>
             </a:lvl6pPr>
-            <a:lvl7pPr indent="-342900" lvl="6" marL="3200400" algn="l">
+            <a:lvl7pPr marL="3200400" lvl="6" indent="-342900" algn="l">
               <a:lnSpc>
                 <a:spcPct val="90000"/>
               </a:lnSpc>
@@ -3517,7 +3655,7 @@
               <a:buChar char="•"/>
               <a:defRPr/>
             </a:lvl7pPr>
-            <a:lvl8pPr indent="-342900" lvl="7" marL="3657600" algn="l">
+            <a:lvl8pPr marL="3657600" lvl="7" indent="-342900" algn="l">
               <a:lnSpc>
                 <a:spcPct val="90000"/>
               </a:lnSpc>
@@ -3534,7 +3672,7 @@
               <a:buChar char="•"/>
               <a:defRPr/>
             </a:lvl8pPr>
-            <a:lvl9pPr indent="-342900" lvl="8" marL="4114800" algn="l">
+            <a:lvl9pPr marL="4114800" lvl="8" indent="-342900" algn="l">
               <a:lnSpc>
                 <a:spcPct val="90000"/>
               </a:lnSpc>
@@ -3552,15 +3690,19 @@
               <a:defRPr/>
             </a:lvl9pPr>
           </a:lstStyle>
-          <a:p/>
+          <a:p>
+            <a:endParaRPr/>
+          </a:p>
         </p:txBody>
       </p:sp>
       <p:sp>
         <p:nvSpPr>
           <p:cNvPr id="81" name="Google Shape;81;p12"/>
-          <p:cNvSpPr txBox="1"/>
+          <p:cNvSpPr txBox="1">
+            <a:spLocks noGrp="1"/>
+          </p:cNvSpPr>
           <p:nvPr>
-            <p:ph idx="10" type="dt"/>
+            <p:ph type="dt" idx="10"/>
           </p:nvPr>
         </p:nvSpPr>
         <p:spPr>
@@ -3577,7 +3719,7 @@
           </a:ln>
         </p:spPr>
         <p:txBody>
-          <a:bodyPr anchorCtr="0" anchor="ctr" bIns="45700" lIns="91425" spcFirstLastPara="1" rIns="91425" wrap="square" tIns="45700"/>
+          <a:bodyPr spcFirstLastPara="1" wrap="square" lIns="91425" tIns="45700" rIns="91425" bIns="45700" anchor="ctr" anchorCtr="0"/>
           <a:lstStyle>
             <a:lvl1pPr lvl="0" algn="l">
               <a:spcBef>
@@ -3679,15 +3821,19 @@
               <a:defRPr/>
             </a:lvl9pPr>
           </a:lstStyle>
-          <a:p/>
+          <a:p>
+            <a:endParaRPr/>
+          </a:p>
         </p:txBody>
       </p:sp>
       <p:sp>
         <p:nvSpPr>
           <p:cNvPr id="82" name="Google Shape;82;p12"/>
-          <p:cNvSpPr txBox="1"/>
+          <p:cNvSpPr txBox="1">
+            <a:spLocks noGrp="1"/>
+          </p:cNvSpPr>
           <p:nvPr>
-            <p:ph idx="11" type="ftr"/>
+            <p:ph type="ftr" idx="11"/>
           </p:nvPr>
         </p:nvSpPr>
         <p:spPr>
@@ -3704,7 +3850,7 @@
           </a:ln>
         </p:spPr>
         <p:txBody>
-          <a:bodyPr anchorCtr="0" anchor="ctr" bIns="45700" lIns="91425" spcFirstLastPara="1" rIns="91425" wrap="square" tIns="45700"/>
+          <a:bodyPr spcFirstLastPara="1" wrap="square" lIns="91425" tIns="45700" rIns="91425" bIns="45700" anchor="ctr" anchorCtr="0"/>
           <a:lstStyle>
             <a:lvl1pPr lvl="0" algn="ctr">
               <a:spcBef>
@@ -3806,15 +3952,19 @@
               <a:defRPr/>
             </a:lvl9pPr>
           </a:lstStyle>
-          <a:p/>
+          <a:p>
+            <a:endParaRPr/>
+          </a:p>
         </p:txBody>
       </p:sp>
       <p:sp>
         <p:nvSpPr>
           <p:cNvPr id="83" name="Google Shape;83;p12"/>
-          <p:cNvSpPr txBox="1"/>
+          <p:cNvSpPr txBox="1">
+            <a:spLocks noGrp="1"/>
+          </p:cNvSpPr>
           <p:nvPr>
-            <p:ph idx="12" type="sldNum"/>
+            <p:ph type="sldNum" idx="12"/>
           </p:nvPr>
         </p:nvSpPr>
         <p:spPr>
@@ -3831,67 +3981,67 @@
           </a:ln>
         </p:spPr>
         <p:txBody>
-          <a:bodyPr anchorCtr="0" anchor="ctr" bIns="45700" lIns="91425" spcFirstLastPara="1" rIns="91425" wrap="square" tIns="45700">
+          <a:bodyPr spcFirstLastPara="1" wrap="square" lIns="91425" tIns="45700" rIns="91425" bIns="45700" anchor="ctr" anchorCtr="0">
             <a:noAutofit/>
           </a:bodyPr>
           <a:lstStyle>
-            <a:lvl1pPr indent="0" lvl="0" marL="0" algn="r">
+            <a:lvl1pPr marL="0" lvl="0" indent="0" algn="r">
               <a:spcBef>
                 <a:spcPts val="0"/>
               </a:spcBef>
               <a:buNone/>
               <a:defRPr/>
             </a:lvl1pPr>
-            <a:lvl2pPr indent="0" lvl="1" marL="0" algn="r">
+            <a:lvl2pPr marL="0" lvl="1" indent="0" algn="r">
               <a:spcBef>
                 <a:spcPts val="0"/>
               </a:spcBef>
               <a:buNone/>
               <a:defRPr/>
             </a:lvl2pPr>
-            <a:lvl3pPr indent="0" lvl="2" marL="0" algn="r">
+            <a:lvl3pPr marL="0" lvl="2" indent="0" algn="r">
               <a:spcBef>
                 <a:spcPts val="0"/>
               </a:spcBef>
               <a:buNone/>
               <a:defRPr/>
             </a:lvl3pPr>
-            <a:lvl4pPr indent="0" lvl="3" marL="0" algn="r">
+            <a:lvl4pPr marL="0" lvl="3" indent="0" algn="r">
               <a:spcBef>
                 <a:spcPts val="0"/>
               </a:spcBef>
               <a:buNone/>
               <a:defRPr/>
             </a:lvl4pPr>
-            <a:lvl5pPr indent="0" lvl="4" marL="0" algn="r">
+            <a:lvl5pPr marL="0" lvl="4" indent="0" algn="r">
               <a:spcBef>
                 <a:spcPts val="0"/>
               </a:spcBef>
               <a:buNone/>
               <a:defRPr/>
             </a:lvl5pPr>
-            <a:lvl6pPr indent="0" lvl="5" marL="0" algn="r">
+            <a:lvl6pPr marL="0" lvl="5" indent="0" algn="r">
               <a:spcBef>
                 <a:spcPts val="0"/>
               </a:spcBef>
               <a:buNone/>
               <a:defRPr/>
             </a:lvl6pPr>
-            <a:lvl7pPr indent="0" lvl="6" marL="0" algn="r">
+            <a:lvl7pPr marL="0" lvl="6" indent="0" algn="r">
               <a:spcBef>
                 <a:spcPts val="0"/>
               </a:spcBef>
               <a:buNone/>
               <a:defRPr/>
             </a:lvl7pPr>
-            <a:lvl8pPr indent="0" lvl="7" marL="0" algn="r">
+            <a:lvl8pPr marL="0" lvl="7" indent="0" algn="r">
               <a:spcBef>
                 <a:spcPts val="0"/>
               </a:spcBef>
               <a:buNone/>
               <a:defRPr/>
             </a:lvl8pPr>
-            <a:lvl9pPr indent="0" lvl="8" marL="0" algn="r">
+            <a:lvl9pPr marL="0" lvl="8" indent="0" algn="r">
               <a:spcBef>
                 <a:spcPts val="0"/>
               </a:spcBef>
@@ -3900,7 +4050,7 @@
             </a:lvl9pPr>
           </a:lstStyle>
           <a:p>
-            <a:pPr indent="0" lvl="0" marL="0" rtl="0" algn="r">
+            <a:pPr marL="0" lvl="0" indent="0" algn="r" rtl="0">
               <a:spcBef>
                 <a:spcPts val="0"/>
               </a:spcBef>
@@ -3926,11 +4076,11 @@
 </file>
 
 <file path=ppt/slideLayouts/slideLayout2.xml><?xml version="1.0" encoding="utf-8"?>
-<p:sldLayout xmlns:a="http://schemas.openxmlformats.org/drawingml/2006/main" xmlns:r="http://schemas.openxmlformats.org/officeDocument/2006/relationships" xmlns:mc="http://schemas.openxmlformats.org/markup-compatibility/2006" xmlns:mv="urn:schemas-microsoft-com:mac:vml" xmlns:p="http://schemas.openxmlformats.org/presentationml/2006/main" xmlns:c="http://schemas.openxmlformats.org/drawingml/2006/chart" xmlns:dgm="http://schemas.openxmlformats.org/drawingml/2006/diagram" xmlns:o="urn:schemas-microsoft-com:office:office" xmlns:v="urn:schemas-microsoft-com:vml" xmlns:pvml="urn:schemas-microsoft-com:office:powerpoint" xmlns:com="http://schemas.openxmlformats.org/drawingml/2006/compatibility" xmlns:p14="http://schemas.microsoft.com/office/powerpoint/2010/main" xmlns:p15="http://schemas.microsoft.com/office/powerpoint/2012/main" matchingName="Title Slide" type="title">
+<p:sldLayout xmlns:a="http://schemas.openxmlformats.org/drawingml/2006/main" xmlns:r="http://schemas.openxmlformats.org/officeDocument/2006/relationships" xmlns:p="http://schemas.openxmlformats.org/presentationml/2006/main" matchingName="Title Slide" type="title">
   <p:cSld name="TITLE">
     <p:spTree>
       <p:nvGrpSpPr>
-        <p:cNvPr id="21" name="Shape 21"/>
+        <p:cNvPr id="1" name="Shape 21"/>
         <p:cNvGrpSpPr/>
         <p:nvPr/>
       </p:nvGrpSpPr>
@@ -3945,7 +4095,9 @@
       <p:sp>
         <p:nvSpPr>
           <p:cNvPr id="22" name="Google Shape;22;p3"/>
-          <p:cNvSpPr txBox="1"/>
+          <p:cNvSpPr txBox="1">
+            <a:spLocks noGrp="1"/>
+          </p:cNvSpPr>
           <p:nvPr>
             <p:ph type="ctrTitle"/>
           </p:nvPr>
@@ -3964,7 +4116,7 @@
           </a:ln>
         </p:spPr>
         <p:txBody>
-          <a:bodyPr anchorCtr="0" anchor="b" bIns="45700" lIns="91425" spcFirstLastPara="1" rIns="91425" wrap="square" tIns="45700"/>
+          <a:bodyPr spcFirstLastPara="1" wrap="square" lIns="91425" tIns="45700" rIns="91425" bIns="45700" anchor="b" anchorCtr="0"/>
           <a:lstStyle>
             <a:lvl1pPr lvl="0" algn="ctr">
               <a:lnSpc>
@@ -4073,15 +4225,19 @@
               <a:defRPr/>
             </a:lvl9pPr>
           </a:lstStyle>
-          <a:p/>
+          <a:p>
+            <a:endParaRPr/>
+          </a:p>
         </p:txBody>
       </p:sp>
       <p:sp>
         <p:nvSpPr>
           <p:cNvPr id="23" name="Google Shape;23;p3"/>
-          <p:cNvSpPr txBox="1"/>
+          <p:cNvSpPr txBox="1">
+            <a:spLocks noGrp="1"/>
+          </p:cNvSpPr>
           <p:nvPr>
-            <p:ph idx="1" type="subTitle"/>
+            <p:ph type="subTitle" idx="1"/>
           </p:nvPr>
         </p:nvSpPr>
         <p:spPr>
@@ -4098,7 +4254,7 @@
           </a:ln>
         </p:spPr>
         <p:txBody>
-          <a:bodyPr anchorCtr="0" anchor="t" bIns="45700" lIns="91425" spcFirstLastPara="1" rIns="91425" wrap="square" tIns="45700"/>
+          <a:bodyPr spcFirstLastPara="1" wrap="square" lIns="91425" tIns="45700" rIns="91425" bIns="45700" anchor="t" anchorCtr="0"/>
           <a:lstStyle>
             <a:lvl1pPr lvl="0" algn="ctr">
               <a:lnSpc>
@@ -4254,15 +4410,19 @@
               <a:defRPr sz="1600"/>
             </a:lvl9pPr>
           </a:lstStyle>
-          <a:p/>
+          <a:p>
+            <a:endParaRPr/>
+          </a:p>
         </p:txBody>
       </p:sp>
       <p:sp>
         <p:nvSpPr>
           <p:cNvPr id="24" name="Google Shape;24;p3"/>
-          <p:cNvSpPr txBox="1"/>
+          <p:cNvSpPr txBox="1">
+            <a:spLocks noGrp="1"/>
+          </p:cNvSpPr>
           <p:nvPr>
-            <p:ph idx="10" type="dt"/>
+            <p:ph type="dt" idx="10"/>
           </p:nvPr>
         </p:nvSpPr>
         <p:spPr>
@@ -4279,7 +4439,7 @@
           </a:ln>
         </p:spPr>
         <p:txBody>
-          <a:bodyPr anchorCtr="0" anchor="ctr" bIns="45700" lIns="91425" spcFirstLastPara="1" rIns="91425" wrap="square" tIns="45700"/>
+          <a:bodyPr spcFirstLastPara="1" wrap="square" lIns="91425" tIns="45700" rIns="91425" bIns="45700" anchor="ctr" anchorCtr="0"/>
           <a:lstStyle>
             <a:lvl1pPr lvl="0" algn="l">
               <a:spcBef>
@@ -4381,15 +4541,19 @@
               <a:defRPr/>
             </a:lvl9pPr>
           </a:lstStyle>
-          <a:p/>
+          <a:p>
+            <a:endParaRPr/>
+          </a:p>
         </p:txBody>
       </p:sp>
       <p:sp>
         <p:nvSpPr>
           <p:cNvPr id="25" name="Google Shape;25;p3"/>
-          <p:cNvSpPr txBox="1"/>
+          <p:cNvSpPr txBox="1">
+            <a:spLocks noGrp="1"/>
+          </p:cNvSpPr>
           <p:nvPr>
-            <p:ph idx="11" type="ftr"/>
+            <p:ph type="ftr" idx="11"/>
           </p:nvPr>
         </p:nvSpPr>
         <p:spPr>
@@ -4406,7 +4570,7 @@
           </a:ln>
         </p:spPr>
         <p:txBody>
-          <a:bodyPr anchorCtr="0" anchor="ctr" bIns="45700" lIns="91425" spcFirstLastPara="1" rIns="91425" wrap="square" tIns="45700"/>
+          <a:bodyPr spcFirstLastPara="1" wrap="square" lIns="91425" tIns="45700" rIns="91425" bIns="45700" anchor="ctr" anchorCtr="0"/>
           <a:lstStyle>
             <a:lvl1pPr lvl="0" algn="ctr">
               <a:spcBef>
@@ -4508,15 +4672,19 @@
               <a:defRPr/>
             </a:lvl9pPr>
           </a:lstStyle>
-          <a:p/>
+          <a:p>
+            <a:endParaRPr/>
+          </a:p>
         </p:txBody>
       </p:sp>
       <p:sp>
         <p:nvSpPr>
           <p:cNvPr id="26" name="Google Shape;26;p3"/>
-          <p:cNvSpPr txBox="1"/>
+          <p:cNvSpPr txBox="1">
+            <a:spLocks noGrp="1"/>
+          </p:cNvSpPr>
           <p:nvPr>
-            <p:ph idx="12" type="sldNum"/>
+            <p:ph type="sldNum" idx="12"/>
           </p:nvPr>
         </p:nvSpPr>
         <p:spPr>
@@ -4533,67 +4701,67 @@
           </a:ln>
         </p:spPr>
         <p:txBody>
-          <a:bodyPr anchorCtr="0" anchor="ctr" bIns="45700" lIns="91425" spcFirstLastPara="1" rIns="91425" wrap="square" tIns="45700">
+          <a:bodyPr spcFirstLastPara="1" wrap="square" lIns="91425" tIns="45700" rIns="91425" bIns="45700" anchor="ctr" anchorCtr="0">
             <a:noAutofit/>
           </a:bodyPr>
           <a:lstStyle>
-            <a:lvl1pPr indent="0" lvl="0" marL="0" algn="r">
+            <a:lvl1pPr marL="0" lvl="0" indent="0" algn="r">
               <a:spcBef>
                 <a:spcPts val="0"/>
               </a:spcBef>
               <a:buNone/>
               <a:defRPr/>
             </a:lvl1pPr>
-            <a:lvl2pPr indent="0" lvl="1" marL="0" algn="r">
+            <a:lvl2pPr marL="0" lvl="1" indent="0" algn="r">
               <a:spcBef>
                 <a:spcPts val="0"/>
               </a:spcBef>
               <a:buNone/>
               <a:defRPr/>
             </a:lvl2pPr>
-            <a:lvl3pPr indent="0" lvl="2" marL="0" algn="r">
+            <a:lvl3pPr marL="0" lvl="2" indent="0" algn="r">
               <a:spcBef>
                 <a:spcPts val="0"/>
               </a:spcBef>
               <a:buNone/>
               <a:defRPr/>
             </a:lvl3pPr>
-            <a:lvl4pPr indent="0" lvl="3" marL="0" algn="r">
+            <a:lvl4pPr marL="0" lvl="3" indent="0" algn="r">
               <a:spcBef>
                 <a:spcPts val="0"/>
               </a:spcBef>
               <a:buNone/>
               <a:defRPr/>
             </a:lvl4pPr>
-            <a:lvl5pPr indent="0" lvl="4" marL="0" algn="r">
+            <a:lvl5pPr marL="0" lvl="4" indent="0" algn="r">
               <a:spcBef>
                 <a:spcPts val="0"/>
               </a:spcBef>
               <a:buNone/>
               <a:defRPr/>
             </a:lvl5pPr>
-            <a:lvl6pPr indent="0" lvl="5" marL="0" algn="r">
+            <a:lvl6pPr marL="0" lvl="5" indent="0" algn="r">
               <a:spcBef>
                 <a:spcPts val="0"/>
               </a:spcBef>
               <a:buNone/>
               <a:defRPr/>
             </a:lvl6pPr>
-            <a:lvl7pPr indent="0" lvl="6" marL="0" algn="r">
+            <a:lvl7pPr marL="0" lvl="6" indent="0" algn="r">
               <a:spcBef>
                 <a:spcPts val="0"/>
               </a:spcBef>
               <a:buNone/>
               <a:defRPr/>
             </a:lvl7pPr>
-            <a:lvl8pPr indent="0" lvl="7" marL="0" algn="r">
+            <a:lvl8pPr marL="0" lvl="7" indent="0" algn="r">
               <a:spcBef>
                 <a:spcPts val="0"/>
               </a:spcBef>
               <a:buNone/>
               <a:defRPr/>
             </a:lvl8pPr>
-            <a:lvl9pPr indent="0" lvl="8" marL="0" algn="r">
+            <a:lvl9pPr marL="0" lvl="8" indent="0" algn="r">
               <a:spcBef>
                 <a:spcPts val="0"/>
               </a:spcBef>
@@ -4602,7 +4770,7 @@
             </a:lvl9pPr>
           </a:lstStyle>
           <a:p>
-            <a:pPr indent="0" lvl="0" marL="0" rtl="0" algn="r">
+            <a:pPr marL="0" lvl="0" indent="0" algn="r" rtl="0">
               <a:spcBef>
                 <a:spcPts val="0"/>
               </a:spcBef>
@@ -4628,11 +4796,11 @@
 </file>
 
 <file path=ppt/slideLayouts/slideLayout3.xml><?xml version="1.0" encoding="utf-8"?>
-<p:sldLayout xmlns:a="http://schemas.openxmlformats.org/drawingml/2006/main" xmlns:r="http://schemas.openxmlformats.org/officeDocument/2006/relationships" xmlns:mc="http://schemas.openxmlformats.org/markup-compatibility/2006" xmlns:mv="urn:schemas-microsoft-com:mac:vml" xmlns:p="http://schemas.openxmlformats.org/presentationml/2006/main" xmlns:c="http://schemas.openxmlformats.org/drawingml/2006/chart" xmlns:dgm="http://schemas.openxmlformats.org/drawingml/2006/diagram" xmlns:o="urn:schemas-microsoft-com:office:office" xmlns:v="urn:schemas-microsoft-com:vml" xmlns:pvml="urn:schemas-microsoft-com:office:powerpoint" xmlns:com="http://schemas.openxmlformats.org/drawingml/2006/compatibility" xmlns:p14="http://schemas.microsoft.com/office/powerpoint/2010/main" xmlns:p15="http://schemas.microsoft.com/office/powerpoint/2012/main" matchingName="Section Header" type="secHead">
+<p:sldLayout xmlns:a="http://schemas.openxmlformats.org/drawingml/2006/main" xmlns:r="http://schemas.openxmlformats.org/officeDocument/2006/relationships" xmlns:p="http://schemas.openxmlformats.org/presentationml/2006/main" matchingName="Section Header" type="secHead">
   <p:cSld name="SECTION_HEADER">
     <p:spTree>
       <p:nvGrpSpPr>
-        <p:cNvPr id="27" name="Shape 27"/>
+        <p:cNvPr id="1" name="Shape 27"/>
         <p:cNvGrpSpPr/>
         <p:nvPr/>
       </p:nvGrpSpPr>
@@ -4647,7 +4815,9 @@
       <p:sp>
         <p:nvSpPr>
           <p:cNvPr id="28" name="Google Shape;28;p4"/>
-          <p:cNvSpPr txBox="1"/>
+          <p:cNvSpPr txBox="1">
+            <a:spLocks noGrp="1"/>
+          </p:cNvSpPr>
           <p:nvPr>
             <p:ph type="title"/>
           </p:nvPr>
@@ -4666,7 +4836,7 @@
           </a:ln>
         </p:spPr>
         <p:txBody>
-          <a:bodyPr anchorCtr="0" anchor="b" bIns="45700" lIns="91425" spcFirstLastPara="1" rIns="91425" wrap="square" tIns="45700"/>
+          <a:bodyPr spcFirstLastPara="1" wrap="square" lIns="91425" tIns="45700" rIns="91425" bIns="45700" anchor="b" anchorCtr="0"/>
           <a:lstStyle>
             <a:lvl1pPr lvl="0" algn="l">
               <a:lnSpc>
@@ -4775,15 +4945,19 @@
               <a:defRPr/>
             </a:lvl9pPr>
           </a:lstStyle>
-          <a:p/>
+          <a:p>
+            <a:endParaRPr/>
+          </a:p>
         </p:txBody>
       </p:sp>
       <p:sp>
         <p:nvSpPr>
           <p:cNvPr id="29" name="Google Shape;29;p4"/>
-          <p:cNvSpPr txBox="1"/>
+          <p:cNvSpPr txBox="1">
+            <a:spLocks noGrp="1"/>
+          </p:cNvSpPr>
           <p:nvPr>
-            <p:ph idx="1" type="body"/>
+            <p:ph type="body" idx="1"/>
           </p:nvPr>
         </p:nvSpPr>
         <p:spPr>
@@ -4800,9 +4974,9 @@
           </a:ln>
         </p:spPr>
         <p:txBody>
-          <a:bodyPr anchorCtr="0" anchor="t" bIns="45700" lIns="91425" spcFirstLastPara="1" rIns="91425" wrap="square" tIns="45700"/>
+          <a:bodyPr spcFirstLastPara="1" wrap="square" lIns="91425" tIns="45700" rIns="91425" bIns="45700" anchor="t" anchorCtr="0"/>
           <a:lstStyle>
-            <a:lvl1pPr indent="-228600" lvl="0" marL="457200" algn="l">
+            <a:lvl1pPr marL="457200" lvl="0" indent="-228600" algn="l">
               <a:lnSpc>
                 <a:spcPct val="90000"/>
               </a:lnSpc>
@@ -4823,7 +4997,7 @@
                 </a:solidFill>
               </a:defRPr>
             </a:lvl1pPr>
-            <a:lvl2pPr indent="-228600" lvl="1" marL="914400" algn="l">
+            <a:lvl2pPr marL="914400" lvl="1" indent="-228600" algn="l">
               <a:lnSpc>
                 <a:spcPct val="90000"/>
               </a:lnSpc>
@@ -4844,7 +5018,7 @@
                 </a:solidFill>
               </a:defRPr>
             </a:lvl2pPr>
-            <a:lvl3pPr indent="-228600" lvl="2" marL="1371600" algn="l">
+            <a:lvl3pPr marL="1371600" lvl="2" indent="-228600" algn="l">
               <a:lnSpc>
                 <a:spcPct val="90000"/>
               </a:lnSpc>
@@ -4865,7 +5039,7 @@
                 </a:solidFill>
               </a:defRPr>
             </a:lvl3pPr>
-            <a:lvl4pPr indent="-228600" lvl="3" marL="1828800" algn="l">
+            <a:lvl4pPr marL="1828800" lvl="3" indent="-228600" algn="l">
               <a:lnSpc>
                 <a:spcPct val="90000"/>
               </a:lnSpc>
@@ -4886,7 +5060,7 @@
                 </a:solidFill>
               </a:defRPr>
             </a:lvl4pPr>
-            <a:lvl5pPr indent="-228600" lvl="4" marL="2286000" algn="l">
+            <a:lvl5pPr marL="2286000" lvl="4" indent="-228600" algn="l">
               <a:lnSpc>
                 <a:spcPct val="90000"/>
               </a:lnSpc>
@@ -4907,7 +5081,7 @@
                 </a:solidFill>
               </a:defRPr>
             </a:lvl5pPr>
-            <a:lvl6pPr indent="-228600" lvl="5" marL="2743200" algn="l">
+            <a:lvl6pPr marL="2743200" lvl="5" indent="-228600" algn="l">
               <a:lnSpc>
                 <a:spcPct val="90000"/>
               </a:lnSpc>
@@ -4928,7 +5102,7 @@
                 </a:solidFill>
               </a:defRPr>
             </a:lvl6pPr>
-            <a:lvl7pPr indent="-228600" lvl="6" marL="3200400" algn="l">
+            <a:lvl7pPr marL="3200400" lvl="6" indent="-228600" algn="l">
               <a:lnSpc>
                 <a:spcPct val="90000"/>
               </a:lnSpc>
@@ -4949,7 +5123,7 @@
                 </a:solidFill>
               </a:defRPr>
             </a:lvl7pPr>
-            <a:lvl8pPr indent="-228600" lvl="7" marL="3657600" algn="l">
+            <a:lvl8pPr marL="3657600" lvl="7" indent="-228600" algn="l">
               <a:lnSpc>
                 <a:spcPct val="90000"/>
               </a:lnSpc>
@@ -4970,7 +5144,7 @@
                 </a:solidFill>
               </a:defRPr>
             </a:lvl8pPr>
-            <a:lvl9pPr indent="-228600" lvl="8" marL="4114800" algn="l">
+            <a:lvl9pPr marL="4114800" lvl="8" indent="-228600" algn="l">
               <a:lnSpc>
                 <a:spcPct val="90000"/>
               </a:lnSpc>
@@ -4992,15 +5166,19 @@
               </a:defRPr>
             </a:lvl9pPr>
           </a:lstStyle>
-          <a:p/>
+          <a:p>
+            <a:endParaRPr/>
+          </a:p>
         </p:txBody>
       </p:sp>
       <p:sp>
         <p:nvSpPr>
           <p:cNvPr id="30" name="Google Shape;30;p4"/>
-          <p:cNvSpPr txBox="1"/>
+          <p:cNvSpPr txBox="1">
+            <a:spLocks noGrp="1"/>
+          </p:cNvSpPr>
           <p:nvPr>
-            <p:ph idx="10" type="dt"/>
+            <p:ph type="dt" idx="10"/>
           </p:nvPr>
         </p:nvSpPr>
         <p:spPr>
@@ -5017,7 +5195,7 @@
           </a:ln>
         </p:spPr>
         <p:txBody>
-          <a:bodyPr anchorCtr="0" anchor="ctr" bIns="45700" lIns="91425" spcFirstLastPara="1" rIns="91425" wrap="square" tIns="45700"/>
+          <a:bodyPr spcFirstLastPara="1" wrap="square" lIns="91425" tIns="45700" rIns="91425" bIns="45700" anchor="ctr" anchorCtr="0"/>
           <a:lstStyle>
             <a:lvl1pPr lvl="0" algn="l">
               <a:spcBef>
@@ -5119,15 +5297,19 @@
               <a:defRPr/>
             </a:lvl9pPr>
           </a:lstStyle>
-          <a:p/>
+          <a:p>
+            <a:endParaRPr/>
+          </a:p>
         </p:txBody>
       </p:sp>
       <p:sp>
         <p:nvSpPr>
           <p:cNvPr id="31" name="Google Shape;31;p4"/>
-          <p:cNvSpPr txBox="1"/>
+          <p:cNvSpPr txBox="1">
+            <a:spLocks noGrp="1"/>
+          </p:cNvSpPr>
           <p:nvPr>
-            <p:ph idx="11" type="ftr"/>
+            <p:ph type="ftr" idx="11"/>
           </p:nvPr>
         </p:nvSpPr>
         <p:spPr>
@@ -5144,7 +5326,7 @@
           </a:ln>
         </p:spPr>
         <p:txBody>
-          <a:bodyPr anchorCtr="0" anchor="ctr" bIns="45700" lIns="91425" spcFirstLastPara="1" rIns="91425" wrap="square" tIns="45700"/>
+          <a:bodyPr spcFirstLastPara="1" wrap="square" lIns="91425" tIns="45700" rIns="91425" bIns="45700" anchor="ctr" anchorCtr="0"/>
           <a:lstStyle>
             <a:lvl1pPr lvl="0" algn="ctr">
               <a:spcBef>
@@ -5246,15 +5428,19 @@
               <a:defRPr/>
             </a:lvl9pPr>
           </a:lstStyle>
-          <a:p/>
+          <a:p>
+            <a:endParaRPr/>
+          </a:p>
         </p:txBody>
       </p:sp>
       <p:sp>
         <p:nvSpPr>
           <p:cNvPr id="32" name="Google Shape;32;p4"/>
-          <p:cNvSpPr txBox="1"/>
+          <p:cNvSpPr txBox="1">
+            <a:spLocks noGrp="1"/>
+          </p:cNvSpPr>
           <p:nvPr>
-            <p:ph idx="12" type="sldNum"/>
+            <p:ph type="sldNum" idx="12"/>
           </p:nvPr>
         </p:nvSpPr>
         <p:spPr>
@@ -5271,67 +5457,67 @@
           </a:ln>
         </p:spPr>
         <p:txBody>
-          <a:bodyPr anchorCtr="0" anchor="ctr" bIns="45700" lIns="91425" spcFirstLastPara="1" rIns="91425" wrap="square" tIns="45700">
+          <a:bodyPr spcFirstLastPara="1" wrap="square" lIns="91425" tIns="45700" rIns="91425" bIns="45700" anchor="ctr" anchorCtr="0">
             <a:noAutofit/>
           </a:bodyPr>
           <a:lstStyle>
-            <a:lvl1pPr indent="0" lvl="0" marL="0" algn="r">
+            <a:lvl1pPr marL="0" lvl="0" indent="0" algn="r">
               <a:spcBef>
                 <a:spcPts val="0"/>
               </a:spcBef>
               <a:buNone/>
               <a:defRPr/>
             </a:lvl1pPr>
-            <a:lvl2pPr indent="0" lvl="1" marL="0" algn="r">
+            <a:lvl2pPr marL="0" lvl="1" indent="0" algn="r">
               <a:spcBef>
                 <a:spcPts val="0"/>
               </a:spcBef>
               <a:buNone/>
               <a:defRPr/>
             </a:lvl2pPr>
-            <a:lvl3pPr indent="0" lvl="2" marL="0" algn="r">
+            <a:lvl3pPr marL="0" lvl="2" indent="0" algn="r">
               <a:spcBef>
                 <a:spcPts val="0"/>
               </a:spcBef>
               <a:buNone/>
               <a:defRPr/>
             </a:lvl3pPr>
-            <a:lvl4pPr indent="0" lvl="3" marL="0" algn="r">
+            <a:lvl4pPr marL="0" lvl="3" indent="0" algn="r">
               <a:spcBef>
                 <a:spcPts val="0"/>
               </a:spcBef>
               <a:buNone/>
               <a:defRPr/>
             </a:lvl4pPr>
-            <a:lvl5pPr indent="0" lvl="4" marL="0" algn="r">
+            <a:lvl5pPr marL="0" lvl="4" indent="0" algn="r">
               <a:spcBef>
                 <a:spcPts val="0"/>
               </a:spcBef>
               <a:buNone/>
               <a:defRPr/>
             </a:lvl5pPr>
-            <a:lvl6pPr indent="0" lvl="5" marL="0" algn="r">
+            <a:lvl6pPr marL="0" lvl="5" indent="0" algn="r">
               <a:spcBef>
                 <a:spcPts val="0"/>
               </a:spcBef>
               <a:buNone/>
               <a:defRPr/>
             </a:lvl6pPr>
-            <a:lvl7pPr indent="0" lvl="6" marL="0" algn="r">
+            <a:lvl7pPr marL="0" lvl="6" indent="0" algn="r">
               <a:spcBef>
                 <a:spcPts val="0"/>
               </a:spcBef>
               <a:buNone/>
               <a:defRPr/>
             </a:lvl7pPr>
-            <a:lvl8pPr indent="0" lvl="7" marL="0" algn="r">
+            <a:lvl8pPr marL="0" lvl="7" indent="0" algn="r">
               <a:spcBef>
                 <a:spcPts val="0"/>
               </a:spcBef>
               <a:buNone/>
               <a:defRPr/>
             </a:lvl8pPr>
-            <a:lvl9pPr indent="0" lvl="8" marL="0" algn="r">
+            <a:lvl9pPr marL="0" lvl="8" indent="0" algn="r">
               <a:spcBef>
                 <a:spcPts val="0"/>
               </a:spcBef>
@@ -5340,7 +5526,7 @@
             </a:lvl9pPr>
           </a:lstStyle>
           <a:p>
-            <a:pPr indent="0" lvl="0" marL="0" rtl="0" algn="r">
+            <a:pPr marL="0" lvl="0" indent="0" algn="r" rtl="0">
               <a:spcBef>
                 <a:spcPts val="0"/>
               </a:spcBef>
@@ -5366,11 +5552,11 @@
 </file>
 
 <file path=ppt/slideLayouts/slideLayout4.xml><?xml version="1.0" encoding="utf-8"?>
-<p:sldLayout xmlns:a="http://schemas.openxmlformats.org/drawingml/2006/main" xmlns:r="http://schemas.openxmlformats.org/officeDocument/2006/relationships" xmlns:mc="http://schemas.openxmlformats.org/markup-compatibility/2006" xmlns:mv="urn:schemas-microsoft-com:mac:vml" xmlns:p="http://schemas.openxmlformats.org/presentationml/2006/main" xmlns:c="http://schemas.openxmlformats.org/drawingml/2006/chart" xmlns:dgm="http://schemas.openxmlformats.org/drawingml/2006/diagram" xmlns:o="urn:schemas-microsoft-com:office:office" xmlns:v="urn:schemas-microsoft-com:vml" xmlns:pvml="urn:schemas-microsoft-com:office:powerpoint" xmlns:com="http://schemas.openxmlformats.org/drawingml/2006/compatibility" xmlns:p14="http://schemas.microsoft.com/office/powerpoint/2010/main" xmlns:p15="http://schemas.microsoft.com/office/powerpoint/2012/main" matchingName="Two Content" type="twoObj">
+<p:sldLayout xmlns:a="http://schemas.openxmlformats.org/drawingml/2006/main" xmlns:r="http://schemas.openxmlformats.org/officeDocument/2006/relationships" xmlns:p="http://schemas.openxmlformats.org/presentationml/2006/main" matchingName="Two Content" type="twoObj">
   <p:cSld name="TWO_OBJECTS">
     <p:spTree>
       <p:nvGrpSpPr>
-        <p:cNvPr id="33" name="Shape 33"/>
+        <p:cNvPr id="1" name="Shape 33"/>
         <p:cNvGrpSpPr/>
         <p:nvPr/>
       </p:nvGrpSpPr>
@@ -5385,7 +5571,9 @@
       <p:sp>
         <p:nvSpPr>
           <p:cNvPr id="34" name="Google Shape;34;p5"/>
-          <p:cNvSpPr txBox="1"/>
+          <p:cNvSpPr txBox="1">
+            <a:spLocks noGrp="1"/>
+          </p:cNvSpPr>
           <p:nvPr>
             <p:ph type="title"/>
           </p:nvPr>
@@ -5404,7 +5592,7 @@
           </a:ln>
         </p:spPr>
         <p:txBody>
-          <a:bodyPr anchorCtr="0" anchor="ctr" bIns="45700" lIns="91425" spcFirstLastPara="1" rIns="91425" wrap="square" tIns="45700"/>
+          <a:bodyPr spcFirstLastPara="1" wrap="square" lIns="91425" tIns="45700" rIns="91425" bIns="45700" anchor="ctr" anchorCtr="0"/>
           <a:lstStyle>
             <a:lvl1pPr lvl="0" algn="l">
               <a:lnSpc>
@@ -5512,15 +5700,19 @@
               <a:defRPr/>
             </a:lvl9pPr>
           </a:lstStyle>
-          <a:p/>
+          <a:p>
+            <a:endParaRPr/>
+          </a:p>
         </p:txBody>
       </p:sp>
       <p:sp>
         <p:nvSpPr>
           <p:cNvPr id="35" name="Google Shape;35;p5"/>
-          <p:cNvSpPr txBox="1"/>
+          <p:cNvSpPr txBox="1">
+            <a:spLocks noGrp="1"/>
+          </p:cNvSpPr>
           <p:nvPr>
-            <p:ph idx="1" type="body"/>
+            <p:ph type="body" idx="1"/>
           </p:nvPr>
         </p:nvSpPr>
         <p:spPr>
@@ -5537,9 +5729,9 @@
           </a:ln>
         </p:spPr>
         <p:txBody>
-          <a:bodyPr anchorCtr="0" anchor="t" bIns="45700" lIns="91425" spcFirstLastPara="1" rIns="91425" wrap="square" tIns="45700"/>
+          <a:bodyPr spcFirstLastPara="1" wrap="square" lIns="91425" tIns="45700" rIns="91425" bIns="45700" anchor="t" anchorCtr="0"/>
           <a:lstStyle>
-            <a:lvl1pPr indent="-342900" lvl="0" marL="457200" algn="l">
+            <a:lvl1pPr marL="457200" lvl="0" indent="-342900" algn="l">
               <a:lnSpc>
                 <a:spcPct val="90000"/>
               </a:lnSpc>
@@ -5556,7 +5748,7 @@
               <a:buChar char="•"/>
               <a:defRPr/>
             </a:lvl1pPr>
-            <a:lvl2pPr indent="-342900" lvl="1" marL="914400" algn="l">
+            <a:lvl2pPr marL="914400" lvl="1" indent="-342900" algn="l">
               <a:lnSpc>
                 <a:spcPct val="90000"/>
               </a:lnSpc>
@@ -5573,7 +5765,7 @@
               <a:buChar char="•"/>
               <a:defRPr/>
             </a:lvl2pPr>
-            <a:lvl3pPr indent="-342900" lvl="2" marL="1371600" algn="l">
+            <a:lvl3pPr marL="1371600" lvl="2" indent="-342900" algn="l">
               <a:lnSpc>
                 <a:spcPct val="90000"/>
               </a:lnSpc>
@@ -5590,7 +5782,7 @@
               <a:buChar char="•"/>
               <a:defRPr/>
             </a:lvl3pPr>
-            <a:lvl4pPr indent="-342900" lvl="3" marL="1828800" algn="l">
+            <a:lvl4pPr marL="1828800" lvl="3" indent="-342900" algn="l">
               <a:lnSpc>
                 <a:spcPct val="90000"/>
               </a:lnSpc>
@@ -5607,7 +5799,7 @@
               <a:buChar char="•"/>
               <a:defRPr/>
             </a:lvl4pPr>
-            <a:lvl5pPr indent="-342900" lvl="4" marL="2286000" algn="l">
+            <a:lvl5pPr marL="2286000" lvl="4" indent="-342900" algn="l">
               <a:lnSpc>
                 <a:spcPct val="90000"/>
               </a:lnSpc>
@@ -5624,7 +5816,7 @@
               <a:buChar char="•"/>
               <a:defRPr/>
             </a:lvl5pPr>
-            <a:lvl6pPr indent="-342900" lvl="5" marL="2743200" algn="l">
+            <a:lvl6pPr marL="2743200" lvl="5" indent="-342900" algn="l">
               <a:lnSpc>
                 <a:spcPct val="90000"/>
               </a:lnSpc>
@@ -5641,7 +5833,7 @@
               <a:buChar char="•"/>
               <a:defRPr/>
             </a:lvl6pPr>
-            <a:lvl7pPr indent="-342900" lvl="6" marL="3200400" algn="l">
+            <a:lvl7pPr marL="3200400" lvl="6" indent="-342900" algn="l">
               <a:lnSpc>
                 <a:spcPct val="90000"/>
               </a:lnSpc>
@@ -5658,7 +5850,7 @@
               <a:buChar char="•"/>
               <a:defRPr/>
             </a:lvl7pPr>
-            <a:lvl8pPr indent="-342900" lvl="7" marL="3657600" algn="l">
+            <a:lvl8pPr marL="3657600" lvl="7" indent="-342900" algn="l">
               <a:lnSpc>
                 <a:spcPct val="90000"/>
               </a:lnSpc>
@@ -5675,7 +5867,7 @@
               <a:buChar char="•"/>
               <a:defRPr/>
             </a:lvl8pPr>
-            <a:lvl9pPr indent="-342900" lvl="8" marL="4114800" algn="l">
+            <a:lvl9pPr marL="4114800" lvl="8" indent="-342900" algn="l">
               <a:lnSpc>
                 <a:spcPct val="90000"/>
               </a:lnSpc>
@@ -5693,15 +5885,19 @@
               <a:defRPr/>
             </a:lvl9pPr>
           </a:lstStyle>
-          <a:p/>
+          <a:p>
+            <a:endParaRPr/>
+          </a:p>
         </p:txBody>
       </p:sp>
       <p:sp>
         <p:nvSpPr>
           <p:cNvPr id="36" name="Google Shape;36;p5"/>
-          <p:cNvSpPr txBox="1"/>
+          <p:cNvSpPr txBox="1">
+            <a:spLocks noGrp="1"/>
+          </p:cNvSpPr>
           <p:nvPr>
-            <p:ph idx="2" type="body"/>
+            <p:ph type="body" idx="2"/>
           </p:nvPr>
         </p:nvSpPr>
         <p:spPr>
@@ -5718,9 +5914,9 @@
           </a:ln>
         </p:spPr>
         <p:txBody>
-          <a:bodyPr anchorCtr="0" anchor="t" bIns="45700" lIns="91425" spcFirstLastPara="1" rIns="91425" wrap="square" tIns="45700"/>
+          <a:bodyPr spcFirstLastPara="1" wrap="square" lIns="91425" tIns="45700" rIns="91425" bIns="45700" anchor="t" anchorCtr="0"/>
           <a:lstStyle>
-            <a:lvl1pPr indent="-342900" lvl="0" marL="457200" algn="l">
+            <a:lvl1pPr marL="457200" lvl="0" indent="-342900" algn="l">
               <a:lnSpc>
                 <a:spcPct val="90000"/>
               </a:lnSpc>
@@ -5737,7 +5933,7 @@
               <a:buChar char="•"/>
               <a:defRPr/>
             </a:lvl1pPr>
-            <a:lvl2pPr indent="-342900" lvl="1" marL="914400" algn="l">
+            <a:lvl2pPr marL="914400" lvl="1" indent="-342900" algn="l">
               <a:lnSpc>
                 <a:spcPct val="90000"/>
               </a:lnSpc>
@@ -5754,7 +5950,7 @@
               <a:buChar char="•"/>
               <a:defRPr/>
             </a:lvl2pPr>
-            <a:lvl3pPr indent="-342900" lvl="2" marL="1371600" algn="l">
+            <a:lvl3pPr marL="1371600" lvl="2" indent="-342900" algn="l">
               <a:lnSpc>
                 <a:spcPct val="90000"/>
               </a:lnSpc>
@@ -5771,7 +5967,7 @@
               <a:buChar char="•"/>
               <a:defRPr/>
             </a:lvl3pPr>
-            <a:lvl4pPr indent="-342900" lvl="3" marL="1828800" algn="l">
+            <a:lvl4pPr marL="1828800" lvl="3" indent="-342900" algn="l">
               <a:lnSpc>
                 <a:spcPct val="90000"/>
               </a:lnSpc>
@@ -5788,7 +5984,7 @@
               <a:buChar char="•"/>
               <a:defRPr/>
             </a:lvl4pPr>
-            <a:lvl5pPr indent="-342900" lvl="4" marL="2286000" algn="l">
+            <a:lvl5pPr marL="2286000" lvl="4" indent="-342900" algn="l">
               <a:lnSpc>
                 <a:spcPct val="90000"/>
               </a:lnSpc>
@@ -5805,7 +6001,7 @@
               <a:buChar char="•"/>
               <a:defRPr/>
             </a:lvl5pPr>
-            <a:lvl6pPr indent="-342900" lvl="5" marL="2743200" algn="l">
+            <a:lvl6pPr marL="2743200" lvl="5" indent="-342900" algn="l">
               <a:lnSpc>
                 <a:spcPct val="90000"/>
               </a:lnSpc>
@@ -5822,7 +6018,7 @@
               <a:buChar char="•"/>
               <a:defRPr/>
             </a:lvl6pPr>
-            <a:lvl7pPr indent="-342900" lvl="6" marL="3200400" algn="l">
+            <a:lvl7pPr marL="3200400" lvl="6" indent="-342900" algn="l">
               <a:lnSpc>
                 <a:spcPct val="90000"/>
               </a:lnSpc>
@@ -5839,7 +6035,7 @@
               <a:buChar char="•"/>
               <a:defRPr/>
             </a:lvl7pPr>
-            <a:lvl8pPr indent="-342900" lvl="7" marL="3657600" algn="l">
+            <a:lvl8pPr marL="3657600" lvl="7" indent="-342900" algn="l">
               <a:lnSpc>
                 <a:spcPct val="90000"/>
               </a:lnSpc>
@@ -5856,7 +6052,7 @@
               <a:buChar char="•"/>
               <a:defRPr/>
             </a:lvl8pPr>
-            <a:lvl9pPr indent="-342900" lvl="8" marL="4114800" algn="l">
+            <a:lvl9pPr marL="4114800" lvl="8" indent="-342900" algn="l">
               <a:lnSpc>
                 <a:spcPct val="90000"/>
               </a:lnSpc>
@@ -5874,15 +6070,19 @@
               <a:defRPr/>
             </a:lvl9pPr>
           </a:lstStyle>
-          <a:p/>
+          <a:p>
+            <a:endParaRPr/>
+          </a:p>
         </p:txBody>
       </p:sp>
       <p:sp>
         <p:nvSpPr>
           <p:cNvPr id="37" name="Google Shape;37;p5"/>
-          <p:cNvSpPr txBox="1"/>
+          <p:cNvSpPr txBox="1">
+            <a:spLocks noGrp="1"/>
+          </p:cNvSpPr>
           <p:nvPr>
-            <p:ph idx="10" type="dt"/>
+            <p:ph type="dt" idx="10"/>
           </p:nvPr>
         </p:nvSpPr>
         <p:spPr>
@@ -5899,7 +6099,7 @@
           </a:ln>
         </p:spPr>
         <p:txBody>
-          <a:bodyPr anchorCtr="0" anchor="ctr" bIns="45700" lIns="91425" spcFirstLastPara="1" rIns="91425" wrap="square" tIns="45700"/>
+          <a:bodyPr spcFirstLastPara="1" wrap="square" lIns="91425" tIns="45700" rIns="91425" bIns="45700" anchor="ctr" anchorCtr="0"/>
           <a:lstStyle>
             <a:lvl1pPr lvl="0" algn="l">
               <a:spcBef>
@@ -6001,15 +6201,19 @@
               <a:defRPr/>
             </a:lvl9pPr>
           </a:lstStyle>
-          <a:p/>
+          <a:p>
+            <a:endParaRPr/>
+          </a:p>
         </p:txBody>
       </p:sp>
       <p:sp>
         <p:nvSpPr>
           <p:cNvPr id="38" name="Google Shape;38;p5"/>
-          <p:cNvSpPr txBox="1"/>
+          <p:cNvSpPr txBox="1">
+            <a:spLocks noGrp="1"/>
+          </p:cNvSpPr>
           <p:nvPr>
-            <p:ph idx="11" type="ftr"/>
+            <p:ph type="ftr" idx="11"/>
           </p:nvPr>
         </p:nvSpPr>
         <p:spPr>
@@ -6026,7 +6230,7 @@
           </a:ln>
         </p:spPr>
         <p:txBody>
-          <a:bodyPr anchorCtr="0" anchor="ctr" bIns="45700" lIns="91425" spcFirstLastPara="1" rIns="91425" wrap="square" tIns="45700"/>
+          <a:bodyPr spcFirstLastPara="1" wrap="square" lIns="91425" tIns="45700" rIns="91425" bIns="45700" anchor="ctr" anchorCtr="0"/>
           <a:lstStyle>
             <a:lvl1pPr lvl="0" algn="ctr">
               <a:spcBef>
@@ -6128,15 +6332,19 @@
               <a:defRPr/>
             </a:lvl9pPr>
           </a:lstStyle>
-          <a:p/>
+          <a:p>
+            <a:endParaRPr/>
+          </a:p>
         </p:txBody>
       </p:sp>
       <p:sp>
         <p:nvSpPr>
           <p:cNvPr id="39" name="Google Shape;39;p5"/>
-          <p:cNvSpPr txBox="1"/>
+          <p:cNvSpPr txBox="1">
+            <a:spLocks noGrp="1"/>
+          </p:cNvSpPr>
           <p:nvPr>
-            <p:ph idx="12" type="sldNum"/>
+            <p:ph type="sldNum" idx="12"/>
           </p:nvPr>
         </p:nvSpPr>
         <p:spPr>
@@ -6153,67 +6361,67 @@
           </a:ln>
         </p:spPr>
         <p:txBody>
-          <a:bodyPr anchorCtr="0" anchor="ctr" bIns="45700" lIns="91425" spcFirstLastPara="1" rIns="91425" wrap="square" tIns="45700">
+          <a:bodyPr spcFirstLastPara="1" wrap="square" lIns="91425" tIns="45700" rIns="91425" bIns="45700" anchor="ctr" anchorCtr="0">
             <a:noAutofit/>
           </a:bodyPr>
           <a:lstStyle>
-            <a:lvl1pPr indent="0" lvl="0" marL="0" algn="r">
+            <a:lvl1pPr marL="0" lvl="0" indent="0" algn="r">
               <a:spcBef>
                 <a:spcPts val="0"/>
               </a:spcBef>
               <a:buNone/>
               <a:defRPr/>
             </a:lvl1pPr>
-            <a:lvl2pPr indent="0" lvl="1" marL="0" algn="r">
+            <a:lvl2pPr marL="0" lvl="1" indent="0" algn="r">
               <a:spcBef>
                 <a:spcPts val="0"/>
               </a:spcBef>
               <a:buNone/>
               <a:defRPr/>
             </a:lvl2pPr>
-            <a:lvl3pPr indent="0" lvl="2" marL="0" algn="r">
+            <a:lvl3pPr marL="0" lvl="2" indent="0" algn="r">
               <a:spcBef>
                 <a:spcPts val="0"/>
               </a:spcBef>
               <a:buNone/>
               <a:defRPr/>
             </a:lvl3pPr>
-            <a:lvl4pPr indent="0" lvl="3" marL="0" algn="r">
+            <a:lvl4pPr marL="0" lvl="3" indent="0" algn="r">
               <a:spcBef>
                 <a:spcPts val="0"/>
               </a:spcBef>
               <a:buNone/>
               <a:defRPr/>
             </a:lvl4pPr>
-            <a:lvl5pPr indent="0" lvl="4" marL="0" algn="r">
+            <a:lvl5pPr marL="0" lvl="4" indent="0" algn="r">
               <a:spcBef>
                 <a:spcPts val="0"/>
               </a:spcBef>
               <a:buNone/>
               <a:defRPr/>
             </a:lvl5pPr>
-            <a:lvl6pPr indent="0" lvl="5" marL="0" algn="r">
+            <a:lvl6pPr marL="0" lvl="5" indent="0" algn="r">
               <a:spcBef>
                 <a:spcPts val="0"/>
               </a:spcBef>
               <a:buNone/>
               <a:defRPr/>
             </a:lvl6pPr>
-            <a:lvl7pPr indent="0" lvl="6" marL="0" algn="r">
+            <a:lvl7pPr marL="0" lvl="6" indent="0" algn="r">
               <a:spcBef>
                 <a:spcPts val="0"/>
               </a:spcBef>
               <a:buNone/>
               <a:defRPr/>
             </a:lvl7pPr>
-            <a:lvl8pPr indent="0" lvl="7" marL="0" algn="r">
+            <a:lvl8pPr marL="0" lvl="7" indent="0" algn="r">
               <a:spcBef>
                 <a:spcPts val="0"/>
               </a:spcBef>
               <a:buNone/>
               <a:defRPr/>
             </a:lvl8pPr>
-            <a:lvl9pPr indent="0" lvl="8" marL="0" algn="r">
+            <a:lvl9pPr marL="0" lvl="8" indent="0" algn="r">
               <a:spcBef>
                 <a:spcPts val="0"/>
               </a:spcBef>
@@ -6222,7 +6430,7 @@
             </a:lvl9pPr>
           </a:lstStyle>
           <a:p>
-            <a:pPr indent="0" lvl="0" marL="0" rtl="0" algn="r">
+            <a:pPr marL="0" lvl="0" indent="0" algn="r" rtl="0">
               <a:spcBef>
                 <a:spcPts val="0"/>
               </a:spcBef>
@@ -6248,11 +6456,11 @@
 </file>
 
 <file path=ppt/slideLayouts/slideLayout5.xml><?xml version="1.0" encoding="utf-8"?>
-<p:sldLayout xmlns:a="http://schemas.openxmlformats.org/drawingml/2006/main" xmlns:r="http://schemas.openxmlformats.org/officeDocument/2006/relationships" xmlns:mc="http://schemas.openxmlformats.org/markup-compatibility/2006" xmlns:mv="urn:schemas-microsoft-com:mac:vml" xmlns:p="http://schemas.openxmlformats.org/presentationml/2006/main" xmlns:c="http://schemas.openxmlformats.org/drawingml/2006/chart" xmlns:dgm="http://schemas.openxmlformats.org/drawingml/2006/diagram" xmlns:o="urn:schemas-microsoft-com:office:office" xmlns:v="urn:schemas-microsoft-com:vml" xmlns:pvml="urn:schemas-microsoft-com:office:powerpoint" xmlns:com="http://schemas.openxmlformats.org/drawingml/2006/compatibility" xmlns:p14="http://schemas.microsoft.com/office/powerpoint/2010/main" xmlns:p15="http://schemas.microsoft.com/office/powerpoint/2012/main" matchingName="Comparison" type="twoTxTwoObj">
+<p:sldLayout xmlns:a="http://schemas.openxmlformats.org/drawingml/2006/main" xmlns:r="http://schemas.openxmlformats.org/officeDocument/2006/relationships" xmlns:p="http://schemas.openxmlformats.org/presentationml/2006/main" matchingName="Comparison" type="twoTxTwoObj">
   <p:cSld name="TWO_OBJECTS_WITH_TEXT">
     <p:spTree>
       <p:nvGrpSpPr>
-        <p:cNvPr id="40" name="Shape 40"/>
+        <p:cNvPr id="1" name="Shape 40"/>
         <p:cNvGrpSpPr/>
         <p:nvPr/>
       </p:nvGrpSpPr>
@@ -6267,7 +6475,9 @@
       <p:sp>
         <p:nvSpPr>
           <p:cNvPr id="41" name="Google Shape;41;p6"/>
-          <p:cNvSpPr txBox="1"/>
+          <p:cNvSpPr txBox="1">
+            <a:spLocks noGrp="1"/>
+          </p:cNvSpPr>
           <p:nvPr>
             <p:ph type="title"/>
           </p:nvPr>
@@ -6286,7 +6496,7 @@
           </a:ln>
         </p:spPr>
         <p:txBody>
-          <a:bodyPr anchorCtr="0" anchor="ctr" bIns="45700" lIns="91425" spcFirstLastPara="1" rIns="91425" wrap="square" tIns="45700"/>
+          <a:bodyPr spcFirstLastPara="1" wrap="square" lIns="91425" tIns="45700" rIns="91425" bIns="45700" anchor="ctr" anchorCtr="0"/>
           <a:lstStyle>
             <a:lvl1pPr lvl="0" algn="l">
               <a:lnSpc>
@@ -6394,15 +6604,19 @@
               <a:defRPr/>
             </a:lvl9pPr>
           </a:lstStyle>
-          <a:p/>
+          <a:p>
+            <a:endParaRPr/>
+          </a:p>
         </p:txBody>
       </p:sp>
       <p:sp>
         <p:nvSpPr>
           <p:cNvPr id="42" name="Google Shape;42;p6"/>
-          <p:cNvSpPr txBox="1"/>
+          <p:cNvSpPr txBox="1">
+            <a:spLocks noGrp="1"/>
+          </p:cNvSpPr>
           <p:nvPr>
-            <p:ph idx="1" type="body"/>
+            <p:ph type="body" idx="1"/>
           </p:nvPr>
         </p:nvSpPr>
         <p:spPr>
@@ -6419,9 +6633,9 @@
           </a:ln>
         </p:spPr>
         <p:txBody>
-          <a:bodyPr anchorCtr="0" anchor="b" bIns="45700" lIns="91425" spcFirstLastPara="1" rIns="91425" wrap="square" tIns="45700"/>
+          <a:bodyPr spcFirstLastPara="1" wrap="square" lIns="91425" tIns="45700" rIns="91425" bIns="45700" anchor="b" anchorCtr="0"/>
           <a:lstStyle>
-            <a:lvl1pPr indent="-228600" lvl="0" marL="457200" algn="l">
+            <a:lvl1pPr marL="457200" lvl="0" indent="-228600" algn="l">
               <a:lnSpc>
                 <a:spcPct val="90000"/>
               </a:lnSpc>
@@ -6436,9 +6650,9 @@
               </a:buClr>
               <a:buSzPts val="2400"/>
               <a:buNone/>
-              <a:defRPr b="1" sz="2400"/>
+              <a:defRPr sz="2400" b="1"/>
             </a:lvl1pPr>
-            <a:lvl2pPr indent="-228600" lvl="1" marL="914400" algn="l">
+            <a:lvl2pPr marL="914400" lvl="1" indent="-228600" algn="l">
               <a:lnSpc>
                 <a:spcPct val="90000"/>
               </a:lnSpc>
@@ -6453,9 +6667,9 @@
               </a:buClr>
               <a:buSzPts val="2000"/>
               <a:buNone/>
-              <a:defRPr b="1" sz="2000"/>
+              <a:defRPr sz="2000" b="1"/>
             </a:lvl2pPr>
-            <a:lvl3pPr indent="-228600" lvl="2" marL="1371600" algn="l">
+            <a:lvl3pPr marL="1371600" lvl="2" indent="-228600" algn="l">
               <a:lnSpc>
                 <a:spcPct val="90000"/>
               </a:lnSpc>
@@ -6470,9 +6684,9 @@
               </a:buClr>
               <a:buSzPts val="1800"/>
               <a:buNone/>
-              <a:defRPr b="1" sz="1800"/>
+              <a:defRPr sz="1800" b="1"/>
             </a:lvl3pPr>
-            <a:lvl4pPr indent="-228600" lvl="3" marL="1828800" algn="l">
+            <a:lvl4pPr marL="1828800" lvl="3" indent="-228600" algn="l">
               <a:lnSpc>
                 <a:spcPct val="90000"/>
               </a:lnSpc>
@@ -6487,9 +6701,9 @@
               </a:buClr>
               <a:buSzPts val="1600"/>
               <a:buNone/>
-              <a:defRPr b="1" sz="1600"/>
+              <a:defRPr sz="1600" b="1"/>
             </a:lvl4pPr>
-            <a:lvl5pPr indent="-228600" lvl="4" marL="2286000" algn="l">
+            <a:lvl5pPr marL="2286000" lvl="4" indent="-228600" algn="l">
               <a:lnSpc>
                 <a:spcPct val="90000"/>
               </a:lnSpc>
@@ -6504,9 +6718,9 @@
               </a:buClr>
               <a:buSzPts val="1600"/>
               <a:buNone/>
-              <a:defRPr b="1" sz="1600"/>
+              <a:defRPr sz="1600" b="1"/>
             </a:lvl5pPr>
-            <a:lvl6pPr indent="-228600" lvl="5" marL="2743200" algn="l">
+            <a:lvl6pPr marL="2743200" lvl="5" indent="-228600" algn="l">
               <a:lnSpc>
                 <a:spcPct val="90000"/>
               </a:lnSpc>
@@ -6521,9 +6735,9 @@
               </a:buClr>
               <a:buSzPts val="1600"/>
               <a:buNone/>
-              <a:defRPr b="1" sz="1600"/>
+              <a:defRPr sz="1600" b="1"/>
             </a:lvl6pPr>
-            <a:lvl7pPr indent="-228600" lvl="6" marL="3200400" algn="l">
+            <a:lvl7pPr marL="3200400" lvl="6" indent="-228600" algn="l">
               <a:lnSpc>
                 <a:spcPct val="90000"/>
               </a:lnSpc>
@@ -6538,9 +6752,9 @@
               </a:buClr>
               <a:buSzPts val="1600"/>
               <a:buNone/>
-              <a:defRPr b="1" sz="1600"/>
+              <a:defRPr sz="1600" b="1"/>
             </a:lvl7pPr>
-            <a:lvl8pPr indent="-228600" lvl="7" marL="3657600" algn="l">
+            <a:lvl8pPr marL="3657600" lvl="7" indent="-228600" algn="l">
               <a:lnSpc>
                 <a:spcPct val="90000"/>
               </a:lnSpc>
@@ -6555,9 +6769,9 @@
               </a:buClr>
               <a:buSzPts val="1600"/>
               <a:buNone/>
-              <a:defRPr b="1" sz="1600"/>
+              <a:defRPr sz="1600" b="1"/>
             </a:lvl8pPr>
-            <a:lvl9pPr indent="-228600" lvl="8" marL="4114800" algn="l">
+            <a:lvl9pPr marL="4114800" lvl="8" indent="-228600" algn="l">
               <a:lnSpc>
                 <a:spcPct val="90000"/>
               </a:lnSpc>
@@ -6572,18 +6786,22 @@
               </a:buClr>
               <a:buSzPts val="1600"/>
               <a:buNone/>
-              <a:defRPr b="1" sz="1600"/>
+              <a:defRPr sz="1600" b="1"/>
             </a:lvl9pPr>
           </a:lstStyle>
-          <a:p/>
+          <a:p>
+            <a:endParaRPr/>
+          </a:p>
         </p:txBody>
       </p:sp>
       <p:sp>
         <p:nvSpPr>
           <p:cNvPr id="43" name="Google Shape;43;p6"/>
-          <p:cNvSpPr txBox="1"/>
+          <p:cNvSpPr txBox="1">
+            <a:spLocks noGrp="1"/>
+          </p:cNvSpPr>
           <p:nvPr>
-            <p:ph idx="2" type="body"/>
+            <p:ph type="body" idx="2"/>
           </p:nvPr>
         </p:nvSpPr>
         <p:spPr>
@@ -6600,9 +6818,9 @@
           </a:ln>
         </p:spPr>
         <p:txBody>
-          <a:bodyPr anchorCtr="0" anchor="t" bIns="45700" lIns="91425" spcFirstLastPara="1" rIns="91425" wrap="square" tIns="45700"/>
+          <a:bodyPr spcFirstLastPara="1" wrap="square" lIns="91425" tIns="45700" rIns="91425" bIns="45700" anchor="t" anchorCtr="0"/>
           <a:lstStyle>
-            <a:lvl1pPr indent="-342900" lvl="0" marL="457200" algn="l">
+            <a:lvl1pPr marL="457200" lvl="0" indent="-342900" algn="l">
               <a:lnSpc>
                 <a:spcPct val="90000"/>
               </a:lnSpc>
@@ -6619,7 +6837,7 @@
               <a:buChar char="•"/>
               <a:defRPr/>
             </a:lvl1pPr>
-            <a:lvl2pPr indent="-342900" lvl="1" marL="914400" algn="l">
+            <a:lvl2pPr marL="914400" lvl="1" indent="-342900" algn="l">
               <a:lnSpc>
                 <a:spcPct val="90000"/>
               </a:lnSpc>
@@ -6636,7 +6854,7 @@
               <a:buChar char="•"/>
               <a:defRPr/>
             </a:lvl2pPr>
-            <a:lvl3pPr indent="-342900" lvl="2" marL="1371600" algn="l">
+            <a:lvl3pPr marL="1371600" lvl="2" indent="-342900" algn="l">
               <a:lnSpc>
                 <a:spcPct val="90000"/>
               </a:lnSpc>
@@ -6653,7 +6871,7 @@
               <a:buChar char="•"/>
               <a:defRPr/>
             </a:lvl3pPr>
-            <a:lvl4pPr indent="-342900" lvl="3" marL="1828800" algn="l">
+            <a:lvl4pPr marL="1828800" lvl="3" indent="-342900" algn="l">
               <a:lnSpc>
                 <a:spcPct val="90000"/>
               </a:lnSpc>
@@ -6670,7 +6888,7 @@
               <a:buChar char="•"/>
               <a:defRPr/>
             </a:lvl4pPr>
-            <a:lvl5pPr indent="-342900" lvl="4" marL="2286000" algn="l">
+            <a:lvl5pPr marL="2286000" lvl="4" indent="-342900" algn="l">
               <a:lnSpc>
                 <a:spcPct val="90000"/>
               </a:lnSpc>
@@ -6687,7 +6905,7 @@
               <a:buChar char="•"/>
               <a:defRPr/>
             </a:lvl5pPr>
-            <a:lvl6pPr indent="-342900" lvl="5" marL="2743200" algn="l">
+            <a:lvl6pPr marL="2743200" lvl="5" indent="-342900" algn="l">
               <a:lnSpc>
                 <a:spcPct val="90000"/>
               </a:lnSpc>
@@ -6704,7 +6922,7 @@
               <a:buChar char="•"/>
               <a:defRPr/>
             </a:lvl6pPr>
-            <a:lvl7pPr indent="-342900" lvl="6" marL="3200400" algn="l">
+            <a:lvl7pPr marL="3200400" lvl="6" indent="-342900" algn="l">
               <a:lnSpc>
                 <a:spcPct val="90000"/>
               </a:lnSpc>
@@ -6721,7 +6939,7 @@
               <a:buChar char="•"/>
               <a:defRPr/>
             </a:lvl7pPr>
-            <a:lvl8pPr indent="-342900" lvl="7" marL="3657600" algn="l">
+            <a:lvl8pPr marL="3657600" lvl="7" indent="-342900" algn="l">
               <a:lnSpc>
                 <a:spcPct val="90000"/>
               </a:lnSpc>
@@ -6738,7 +6956,7 @@
               <a:buChar char="•"/>
               <a:defRPr/>
             </a:lvl8pPr>
-            <a:lvl9pPr indent="-342900" lvl="8" marL="4114800" algn="l">
+            <a:lvl9pPr marL="4114800" lvl="8" indent="-342900" algn="l">
               <a:lnSpc>
                 <a:spcPct val="90000"/>
               </a:lnSpc>
@@ -6756,15 +6974,19 @@
               <a:defRPr/>
             </a:lvl9pPr>
           </a:lstStyle>
-          <a:p/>
+          <a:p>
+            <a:endParaRPr/>
+          </a:p>
         </p:txBody>
       </p:sp>
       <p:sp>
         <p:nvSpPr>
           <p:cNvPr id="44" name="Google Shape;44;p6"/>
-          <p:cNvSpPr txBox="1"/>
+          <p:cNvSpPr txBox="1">
+            <a:spLocks noGrp="1"/>
+          </p:cNvSpPr>
           <p:nvPr>
-            <p:ph idx="3" type="body"/>
+            <p:ph type="body" idx="3"/>
           </p:nvPr>
         </p:nvSpPr>
         <p:spPr>
@@ -6781,9 +7003,9 @@
           </a:ln>
         </p:spPr>
         <p:txBody>
-          <a:bodyPr anchorCtr="0" anchor="b" bIns="45700" lIns="91425" spcFirstLastPara="1" rIns="91425" wrap="square" tIns="45700"/>
+          <a:bodyPr spcFirstLastPara="1" wrap="square" lIns="91425" tIns="45700" rIns="91425" bIns="45700" anchor="b" anchorCtr="0"/>
           <a:lstStyle>
-            <a:lvl1pPr indent="-228600" lvl="0" marL="457200" algn="l">
+            <a:lvl1pPr marL="457200" lvl="0" indent="-228600" algn="l">
               <a:lnSpc>
                 <a:spcPct val="90000"/>
               </a:lnSpc>
@@ -6798,9 +7020,9 @@
               </a:buClr>
               <a:buSzPts val="2400"/>
               <a:buNone/>
-              <a:defRPr b="1" sz="2400"/>
+              <a:defRPr sz="2400" b="1"/>
             </a:lvl1pPr>
-            <a:lvl2pPr indent="-228600" lvl="1" marL="914400" algn="l">
+            <a:lvl2pPr marL="914400" lvl="1" indent="-228600" algn="l">
               <a:lnSpc>
                 <a:spcPct val="90000"/>
               </a:lnSpc>
@@ -6815,9 +7037,9 @@
               </a:buClr>
               <a:buSzPts val="2000"/>
               <a:buNone/>
-              <a:defRPr b="1" sz="2000"/>
+              <a:defRPr sz="2000" b="1"/>
             </a:lvl2pPr>
-            <a:lvl3pPr indent="-228600" lvl="2" marL="1371600" algn="l">
+            <a:lvl3pPr marL="1371600" lvl="2" indent="-228600" algn="l">
               <a:lnSpc>
                 <a:spcPct val="90000"/>
               </a:lnSpc>
@@ -6832,9 +7054,9 @@
               </a:buClr>
               <a:buSzPts val="1800"/>
               <a:buNone/>
-              <a:defRPr b="1" sz="1800"/>
+              <a:defRPr sz="1800" b="1"/>
             </a:lvl3pPr>
-            <a:lvl4pPr indent="-228600" lvl="3" marL="1828800" algn="l">
+            <a:lvl4pPr marL="1828800" lvl="3" indent="-228600" algn="l">
               <a:lnSpc>
                 <a:spcPct val="90000"/>
               </a:lnSpc>
@@ -6849,9 +7071,9 @@
               </a:buClr>
               <a:buSzPts val="1600"/>
               <a:buNone/>
-              <a:defRPr b="1" sz="1600"/>
+              <a:defRPr sz="1600" b="1"/>
             </a:lvl4pPr>
-            <a:lvl5pPr indent="-228600" lvl="4" marL="2286000" algn="l">
+            <a:lvl5pPr marL="2286000" lvl="4" indent="-228600" algn="l">
               <a:lnSpc>
                 <a:spcPct val="90000"/>
               </a:lnSpc>
@@ -6866,9 +7088,9 @@
               </a:buClr>
               <a:buSzPts val="1600"/>
               <a:buNone/>
-              <a:defRPr b="1" sz="1600"/>
+              <a:defRPr sz="1600" b="1"/>
             </a:lvl5pPr>
-            <a:lvl6pPr indent="-228600" lvl="5" marL="2743200" algn="l">
+            <a:lvl6pPr marL="2743200" lvl="5" indent="-228600" algn="l">
               <a:lnSpc>
                 <a:spcPct val="90000"/>
               </a:lnSpc>
@@ -6883,9 +7105,9 @@
               </a:buClr>
               <a:buSzPts val="1600"/>
               <a:buNone/>
-              <a:defRPr b="1" sz="1600"/>
+              <a:defRPr sz="1600" b="1"/>
             </a:lvl6pPr>
-            <a:lvl7pPr indent="-228600" lvl="6" marL="3200400" algn="l">
+            <a:lvl7pPr marL="3200400" lvl="6" indent="-228600" algn="l">
               <a:lnSpc>
                 <a:spcPct val="90000"/>
               </a:lnSpc>
@@ -6900,9 +7122,9 @@
               </a:buClr>
               <a:buSzPts val="1600"/>
               <a:buNone/>
-              <a:defRPr b="1" sz="1600"/>
+              <a:defRPr sz="1600" b="1"/>
             </a:lvl7pPr>
-            <a:lvl8pPr indent="-228600" lvl="7" marL="3657600" algn="l">
+            <a:lvl8pPr marL="3657600" lvl="7" indent="-228600" algn="l">
               <a:lnSpc>
                 <a:spcPct val="90000"/>
               </a:lnSpc>
@@ -6917,9 +7139,9 @@
               </a:buClr>
               <a:buSzPts val="1600"/>
               <a:buNone/>
-              <a:defRPr b="1" sz="1600"/>
+              <a:defRPr sz="1600" b="1"/>
             </a:lvl8pPr>
-            <a:lvl9pPr indent="-228600" lvl="8" marL="4114800" algn="l">
+            <a:lvl9pPr marL="4114800" lvl="8" indent="-228600" algn="l">
               <a:lnSpc>
                 <a:spcPct val="90000"/>
               </a:lnSpc>
@@ -6934,18 +7156,22 @@
               </a:buClr>
               <a:buSzPts val="1600"/>
               <a:buNone/>
-              <a:defRPr b="1" sz="1600"/>
+              <a:defRPr sz="1600" b="1"/>
             </a:lvl9pPr>
           </a:lstStyle>
-          <a:p/>
+          <a:p>
+            <a:endParaRPr/>
+          </a:p>
         </p:txBody>
       </p:sp>
       <p:sp>
         <p:nvSpPr>
           <p:cNvPr id="45" name="Google Shape;45;p6"/>
-          <p:cNvSpPr txBox="1"/>
+          <p:cNvSpPr txBox="1">
+            <a:spLocks noGrp="1"/>
+          </p:cNvSpPr>
           <p:nvPr>
-            <p:ph idx="4" type="body"/>
+            <p:ph type="body" idx="4"/>
           </p:nvPr>
         </p:nvSpPr>
         <p:spPr>
@@ -6962,9 +7188,9 @@
           </a:ln>
         </p:spPr>
         <p:txBody>
-          <a:bodyPr anchorCtr="0" anchor="t" bIns="45700" lIns="91425" spcFirstLastPara="1" rIns="91425" wrap="square" tIns="45700"/>
+          <a:bodyPr spcFirstLastPara="1" wrap="square" lIns="91425" tIns="45700" rIns="91425" bIns="45700" anchor="t" anchorCtr="0"/>
           <a:lstStyle>
-            <a:lvl1pPr indent="-342900" lvl="0" marL="457200" algn="l">
+            <a:lvl1pPr marL="457200" lvl="0" indent="-342900" algn="l">
               <a:lnSpc>
                 <a:spcPct val="90000"/>
               </a:lnSpc>
@@ -6981,7 +7207,7 @@
               <a:buChar char="•"/>
               <a:defRPr/>
             </a:lvl1pPr>
-            <a:lvl2pPr indent="-342900" lvl="1" marL="914400" algn="l">
+            <a:lvl2pPr marL="914400" lvl="1" indent="-342900" algn="l">
               <a:lnSpc>
                 <a:spcPct val="90000"/>
               </a:lnSpc>
@@ -6998,7 +7224,7 @@
               <a:buChar char="•"/>
               <a:defRPr/>
             </a:lvl2pPr>
-            <a:lvl3pPr indent="-342900" lvl="2" marL="1371600" algn="l">
+            <a:lvl3pPr marL="1371600" lvl="2" indent="-342900" algn="l">
               <a:lnSpc>
                 <a:spcPct val="90000"/>
               </a:lnSpc>
@@ -7015,7 +7241,7 @@
               <a:buChar char="•"/>
               <a:defRPr/>
             </a:lvl3pPr>
-            <a:lvl4pPr indent="-342900" lvl="3" marL="1828800" algn="l">
+            <a:lvl4pPr marL="1828800" lvl="3" indent="-342900" algn="l">
               <a:lnSpc>
                 <a:spcPct val="90000"/>
               </a:lnSpc>
@@ -7032,7 +7258,7 @@
               <a:buChar char="•"/>
               <a:defRPr/>
             </a:lvl4pPr>
-            <a:lvl5pPr indent="-342900" lvl="4" marL="2286000" algn="l">
+            <a:lvl5pPr marL="2286000" lvl="4" indent="-342900" algn="l">
               <a:lnSpc>
                 <a:spcPct val="90000"/>
               </a:lnSpc>
@@ -7049,7 +7275,7 @@
               <a:buChar char="•"/>
               <a:defRPr/>
             </a:lvl5pPr>
-            <a:lvl6pPr indent="-342900" lvl="5" marL="2743200" algn="l">
+            <a:lvl6pPr marL="2743200" lvl="5" indent="-342900" algn="l">
               <a:lnSpc>
                 <a:spcPct val="90000"/>
               </a:lnSpc>
@@ -7066,7 +7292,7 @@
               <a:buChar char="•"/>
               <a:defRPr/>
             </a:lvl6pPr>
-            <a:lvl7pPr indent="-342900" lvl="6" marL="3200400" algn="l">
+            <a:lvl7pPr marL="3200400" lvl="6" indent="-342900" algn="l">
               <a:lnSpc>
                 <a:spcPct val="90000"/>
               </a:lnSpc>
@@ -7083,7 +7309,7 @@
               <a:buChar char="•"/>
               <a:defRPr/>
             </a:lvl7pPr>
-            <a:lvl8pPr indent="-342900" lvl="7" marL="3657600" algn="l">
+            <a:lvl8pPr marL="3657600" lvl="7" indent="-342900" algn="l">
               <a:lnSpc>
                 <a:spcPct val="90000"/>
               </a:lnSpc>
@@ -7100,7 +7326,7 @@
               <a:buChar char="•"/>
               <a:defRPr/>
             </a:lvl8pPr>
-            <a:lvl9pPr indent="-342900" lvl="8" marL="4114800" algn="l">
+            <a:lvl9pPr marL="4114800" lvl="8" indent="-342900" algn="l">
               <a:lnSpc>
                 <a:spcPct val="90000"/>
               </a:lnSpc>
@@ -7118,15 +7344,19 @@
               <a:defRPr/>
             </a:lvl9pPr>
           </a:lstStyle>
-          <a:p/>
+          <a:p>
+            <a:endParaRPr/>
+          </a:p>
         </p:txBody>
       </p:sp>
       <p:sp>
         <p:nvSpPr>
           <p:cNvPr id="46" name="Google Shape;46;p6"/>
-          <p:cNvSpPr txBox="1"/>
+          <p:cNvSpPr txBox="1">
+            <a:spLocks noGrp="1"/>
+          </p:cNvSpPr>
           <p:nvPr>
-            <p:ph idx="10" type="dt"/>
+            <p:ph type="dt" idx="10"/>
           </p:nvPr>
         </p:nvSpPr>
         <p:spPr>
@@ -7143,7 +7373,7 @@
           </a:ln>
         </p:spPr>
         <p:txBody>
-          <a:bodyPr anchorCtr="0" anchor="ctr" bIns="45700" lIns="91425" spcFirstLastPara="1" rIns="91425" wrap="square" tIns="45700"/>
+          <a:bodyPr spcFirstLastPara="1" wrap="square" lIns="91425" tIns="45700" rIns="91425" bIns="45700" anchor="ctr" anchorCtr="0"/>
           <a:lstStyle>
             <a:lvl1pPr lvl="0" algn="l">
               <a:spcBef>
@@ -7245,15 +7475,19 @@
               <a:defRPr/>
             </a:lvl9pPr>
           </a:lstStyle>
-          <a:p/>
+          <a:p>
+            <a:endParaRPr/>
+          </a:p>
         </p:txBody>
       </p:sp>
       <p:sp>
         <p:nvSpPr>
           <p:cNvPr id="47" name="Google Shape;47;p6"/>
-          <p:cNvSpPr txBox="1"/>
+          <p:cNvSpPr txBox="1">
+            <a:spLocks noGrp="1"/>
+          </p:cNvSpPr>
           <p:nvPr>
-            <p:ph idx="11" type="ftr"/>
+            <p:ph type="ftr" idx="11"/>
           </p:nvPr>
         </p:nvSpPr>
         <p:spPr>
@@ -7270,7 +7504,7 @@
           </a:ln>
         </p:spPr>
         <p:txBody>
-          <a:bodyPr anchorCtr="0" anchor="ctr" bIns="45700" lIns="91425" spcFirstLastPara="1" rIns="91425" wrap="square" tIns="45700"/>
+          <a:bodyPr spcFirstLastPara="1" wrap="square" lIns="91425" tIns="45700" rIns="91425" bIns="45700" anchor="ctr" anchorCtr="0"/>
           <a:lstStyle>
             <a:lvl1pPr lvl="0" algn="ctr">
               <a:spcBef>
@@ -7372,15 +7606,19 @@
               <a:defRPr/>
             </a:lvl9pPr>
           </a:lstStyle>
-          <a:p/>
+          <a:p>
+            <a:endParaRPr/>
+          </a:p>
         </p:txBody>
       </p:sp>
       <p:sp>
         <p:nvSpPr>
           <p:cNvPr id="48" name="Google Shape;48;p6"/>
-          <p:cNvSpPr txBox="1"/>
+          <p:cNvSpPr txBox="1">
+            <a:spLocks noGrp="1"/>
+          </p:cNvSpPr>
           <p:nvPr>
-            <p:ph idx="12" type="sldNum"/>
+            <p:ph type="sldNum" idx="12"/>
           </p:nvPr>
         </p:nvSpPr>
         <p:spPr>
@@ -7397,67 +7635,67 @@
           </a:ln>
         </p:spPr>
         <p:txBody>
-          <a:bodyPr anchorCtr="0" anchor="ctr" bIns="45700" lIns="91425" spcFirstLastPara="1" rIns="91425" wrap="square" tIns="45700">
+          <a:bodyPr spcFirstLastPara="1" wrap="square" lIns="91425" tIns="45700" rIns="91425" bIns="45700" anchor="ctr" anchorCtr="0">
             <a:noAutofit/>
           </a:bodyPr>
           <a:lstStyle>
-            <a:lvl1pPr indent="0" lvl="0" marL="0" algn="r">
+            <a:lvl1pPr marL="0" lvl="0" indent="0" algn="r">
               <a:spcBef>
                 <a:spcPts val="0"/>
               </a:spcBef>
               <a:buNone/>
               <a:defRPr/>
             </a:lvl1pPr>
-            <a:lvl2pPr indent="0" lvl="1" marL="0" algn="r">
+            <a:lvl2pPr marL="0" lvl="1" indent="0" algn="r">
               <a:spcBef>
                 <a:spcPts val="0"/>
               </a:spcBef>
               <a:buNone/>
               <a:defRPr/>
             </a:lvl2pPr>
-            <a:lvl3pPr indent="0" lvl="2" marL="0" algn="r">
+            <a:lvl3pPr marL="0" lvl="2" indent="0" algn="r">
               <a:spcBef>
                 <a:spcPts val="0"/>
               </a:spcBef>
               <a:buNone/>
               <a:defRPr/>
             </a:lvl3pPr>
-            <a:lvl4pPr indent="0" lvl="3" marL="0" algn="r">
+            <a:lvl4pPr marL="0" lvl="3" indent="0" algn="r">
               <a:spcBef>
                 <a:spcPts val="0"/>
               </a:spcBef>
               <a:buNone/>
               <a:defRPr/>
             </a:lvl4pPr>
-            <a:lvl5pPr indent="0" lvl="4" marL="0" algn="r">
+            <a:lvl5pPr marL="0" lvl="4" indent="0" algn="r">
               <a:spcBef>
                 <a:spcPts val="0"/>
               </a:spcBef>
               <a:buNone/>
               <a:defRPr/>
             </a:lvl5pPr>
-            <a:lvl6pPr indent="0" lvl="5" marL="0" algn="r">
+            <a:lvl6pPr marL="0" lvl="5" indent="0" algn="r">
               <a:spcBef>
                 <a:spcPts val="0"/>
               </a:spcBef>
               <a:buNone/>
               <a:defRPr/>
             </a:lvl6pPr>
-            <a:lvl7pPr indent="0" lvl="6" marL="0" algn="r">
+            <a:lvl7pPr marL="0" lvl="6" indent="0" algn="r">
               <a:spcBef>
                 <a:spcPts val="0"/>
               </a:spcBef>
               <a:buNone/>
               <a:defRPr/>
             </a:lvl7pPr>
-            <a:lvl8pPr indent="0" lvl="7" marL="0" algn="r">
+            <a:lvl8pPr marL="0" lvl="7" indent="0" algn="r">
               <a:spcBef>
                 <a:spcPts val="0"/>
               </a:spcBef>
               <a:buNone/>
               <a:defRPr/>
             </a:lvl8pPr>
-            <a:lvl9pPr indent="0" lvl="8" marL="0" algn="r">
+            <a:lvl9pPr marL="0" lvl="8" indent="0" algn="r">
               <a:spcBef>
                 <a:spcPts val="0"/>
               </a:spcBef>
@@ -7466,7 +7704,7 @@
             </a:lvl9pPr>
           </a:lstStyle>
           <a:p>
-            <a:pPr indent="0" lvl="0" marL="0" rtl="0" algn="r">
+            <a:pPr marL="0" lvl="0" indent="0" algn="r" rtl="0">
               <a:spcBef>
                 <a:spcPts val="0"/>
               </a:spcBef>
@@ -7492,11 +7730,11 @@
 </file>
 
 <file path=ppt/slideLayouts/slideLayout6.xml><?xml version="1.0" encoding="utf-8"?>
-<p:sldLayout xmlns:a="http://schemas.openxmlformats.org/drawingml/2006/main" xmlns:r="http://schemas.openxmlformats.org/officeDocument/2006/relationships" xmlns:mc="http://schemas.openxmlformats.org/markup-compatibility/2006" xmlns:mv="urn:schemas-microsoft-com:mac:vml" xmlns:p="http://schemas.openxmlformats.org/presentationml/2006/main" xmlns:c="http://schemas.openxmlformats.org/drawingml/2006/chart" xmlns:dgm="http://schemas.openxmlformats.org/drawingml/2006/diagram" xmlns:o="urn:schemas-microsoft-com:office:office" xmlns:v="urn:schemas-microsoft-com:vml" xmlns:pvml="urn:schemas-microsoft-com:office:powerpoint" xmlns:com="http://schemas.openxmlformats.org/drawingml/2006/compatibility" xmlns:p14="http://schemas.microsoft.com/office/powerpoint/2010/main" xmlns:p15="http://schemas.microsoft.com/office/powerpoint/2012/main" matchingName="Title Only" type="titleOnly">
+<p:sldLayout xmlns:a="http://schemas.openxmlformats.org/drawingml/2006/main" xmlns:r="http://schemas.openxmlformats.org/officeDocument/2006/relationships" xmlns:p="http://schemas.openxmlformats.org/presentationml/2006/main" matchingName="Title Only" type="titleOnly">
   <p:cSld name="TITLE_ONLY">
     <p:spTree>
       <p:nvGrpSpPr>
-        <p:cNvPr id="49" name="Shape 49"/>
+        <p:cNvPr id="1" name="Shape 49"/>
         <p:cNvGrpSpPr/>
         <p:nvPr/>
       </p:nvGrpSpPr>
@@ -7511,7 +7749,9 @@
       <p:sp>
         <p:nvSpPr>
           <p:cNvPr id="50" name="Google Shape;50;p7"/>
-          <p:cNvSpPr txBox="1"/>
+          <p:cNvSpPr txBox="1">
+            <a:spLocks noGrp="1"/>
+          </p:cNvSpPr>
           <p:nvPr>
             <p:ph type="title"/>
           </p:nvPr>
@@ -7530,7 +7770,7 @@
           </a:ln>
         </p:spPr>
         <p:txBody>
-          <a:bodyPr anchorCtr="0" anchor="ctr" bIns="45700" lIns="91425" spcFirstLastPara="1" rIns="91425" wrap="square" tIns="45700"/>
+          <a:bodyPr spcFirstLastPara="1" wrap="square" lIns="91425" tIns="45700" rIns="91425" bIns="45700" anchor="ctr" anchorCtr="0"/>
           <a:lstStyle>
             <a:lvl1pPr lvl="0" algn="l">
               <a:lnSpc>
@@ -7638,15 +7878,19 @@
               <a:defRPr/>
             </a:lvl9pPr>
           </a:lstStyle>
-          <a:p/>
+          <a:p>
+            <a:endParaRPr/>
+          </a:p>
         </p:txBody>
       </p:sp>
       <p:sp>
         <p:nvSpPr>
           <p:cNvPr id="51" name="Google Shape;51;p7"/>
-          <p:cNvSpPr txBox="1"/>
+          <p:cNvSpPr txBox="1">
+            <a:spLocks noGrp="1"/>
+          </p:cNvSpPr>
           <p:nvPr>
-            <p:ph idx="10" type="dt"/>
+            <p:ph type="dt" idx="10"/>
           </p:nvPr>
         </p:nvSpPr>
         <p:spPr>
@@ -7663,7 +7907,7 @@
           </a:ln>
         </p:spPr>
         <p:txBody>
-          <a:bodyPr anchorCtr="0" anchor="ctr" bIns="45700" lIns="91425" spcFirstLastPara="1" rIns="91425" wrap="square" tIns="45700"/>
+          <a:bodyPr spcFirstLastPara="1" wrap="square" lIns="91425" tIns="45700" rIns="91425" bIns="45700" anchor="ctr" anchorCtr="0"/>
           <a:lstStyle>
             <a:lvl1pPr lvl="0" algn="l">
               <a:spcBef>
@@ -7765,15 +8009,19 @@
               <a:defRPr/>
             </a:lvl9pPr>
           </a:lstStyle>
-          <a:p/>
+          <a:p>
+            <a:endParaRPr/>
+          </a:p>
         </p:txBody>
       </p:sp>
       <p:sp>
         <p:nvSpPr>
           <p:cNvPr id="52" name="Google Shape;52;p7"/>
-          <p:cNvSpPr txBox="1"/>
+          <p:cNvSpPr txBox="1">
+            <a:spLocks noGrp="1"/>
+          </p:cNvSpPr>
           <p:nvPr>
-            <p:ph idx="11" type="ftr"/>
+            <p:ph type="ftr" idx="11"/>
           </p:nvPr>
         </p:nvSpPr>
         <p:spPr>
@@ -7790,7 +8038,7 @@
           </a:ln>
         </p:spPr>
         <p:txBody>
-          <a:bodyPr anchorCtr="0" anchor="ctr" bIns="45700" lIns="91425" spcFirstLastPara="1" rIns="91425" wrap="square" tIns="45700"/>
+          <a:bodyPr spcFirstLastPara="1" wrap="square" lIns="91425" tIns="45700" rIns="91425" bIns="45700" anchor="ctr" anchorCtr="0"/>
           <a:lstStyle>
             <a:lvl1pPr lvl="0" algn="ctr">
               <a:spcBef>
@@ -7892,15 +8140,19 @@
               <a:defRPr/>
             </a:lvl9pPr>
           </a:lstStyle>
-          <a:p/>
+          <a:p>
+            <a:endParaRPr/>
+          </a:p>
         </p:txBody>
       </p:sp>
       <p:sp>
         <p:nvSpPr>
           <p:cNvPr id="53" name="Google Shape;53;p7"/>
-          <p:cNvSpPr txBox="1"/>
+          <p:cNvSpPr txBox="1">
+            <a:spLocks noGrp="1"/>
+          </p:cNvSpPr>
           <p:nvPr>
-            <p:ph idx="12" type="sldNum"/>
+            <p:ph type="sldNum" idx="12"/>
           </p:nvPr>
         </p:nvSpPr>
         <p:spPr>
@@ -7917,67 +8169,67 @@
           </a:ln>
         </p:spPr>
         <p:txBody>
-          <a:bodyPr anchorCtr="0" anchor="ctr" bIns="45700" lIns="91425" spcFirstLastPara="1" rIns="91425" wrap="square" tIns="45700">
+          <a:bodyPr spcFirstLastPara="1" wrap="square" lIns="91425" tIns="45700" rIns="91425" bIns="45700" anchor="ctr" anchorCtr="0">
             <a:noAutofit/>
           </a:bodyPr>
           <a:lstStyle>
-            <a:lvl1pPr indent="0" lvl="0" marL="0" algn="r">
+            <a:lvl1pPr marL="0" lvl="0" indent="0" algn="r">
               <a:spcBef>
                 <a:spcPts val="0"/>
               </a:spcBef>
               <a:buNone/>
               <a:defRPr/>
             </a:lvl1pPr>
-            <a:lvl2pPr indent="0" lvl="1" marL="0" algn="r">
+            <a:lvl2pPr marL="0" lvl="1" indent="0" algn="r">
               <a:spcBef>
                 <a:spcPts val="0"/>
               </a:spcBef>
               <a:buNone/>
               <a:defRPr/>
             </a:lvl2pPr>
-            <a:lvl3pPr indent="0" lvl="2" marL="0" algn="r">
+            <a:lvl3pPr marL="0" lvl="2" indent="0" algn="r">
               <a:spcBef>
                 <a:spcPts val="0"/>
               </a:spcBef>
               <a:buNone/>
               <a:defRPr/>
             </a:lvl3pPr>
-            <a:lvl4pPr indent="0" lvl="3" marL="0" algn="r">
+            <a:lvl4pPr marL="0" lvl="3" indent="0" algn="r">
               <a:spcBef>
                 <a:spcPts val="0"/>
               </a:spcBef>
               <a:buNone/>
               <a:defRPr/>
             </a:lvl4pPr>
-            <a:lvl5pPr indent="0" lvl="4" marL="0" algn="r">
+            <a:lvl5pPr marL="0" lvl="4" indent="0" algn="r">
               <a:spcBef>
                 <a:spcPts val="0"/>
               </a:spcBef>
               <a:buNone/>
               <a:defRPr/>
             </a:lvl5pPr>
-            <a:lvl6pPr indent="0" lvl="5" marL="0" algn="r">
+            <a:lvl6pPr marL="0" lvl="5" indent="0" algn="r">
               <a:spcBef>
                 <a:spcPts val="0"/>
               </a:spcBef>
               <a:buNone/>
               <a:defRPr/>
             </a:lvl6pPr>
-            <a:lvl7pPr indent="0" lvl="6" marL="0" algn="r">
+            <a:lvl7pPr marL="0" lvl="6" indent="0" algn="r">
               <a:spcBef>
                 <a:spcPts val="0"/>
               </a:spcBef>
               <a:buNone/>
               <a:defRPr/>
             </a:lvl7pPr>
-            <a:lvl8pPr indent="0" lvl="7" marL="0" algn="r">
+            <a:lvl8pPr marL="0" lvl="7" indent="0" algn="r">
               <a:spcBef>
                 <a:spcPts val="0"/>
               </a:spcBef>
               <a:buNone/>
               <a:defRPr/>
             </a:lvl8pPr>
-            <a:lvl9pPr indent="0" lvl="8" marL="0" algn="r">
+            <a:lvl9pPr marL="0" lvl="8" indent="0" algn="r">
               <a:spcBef>
                 <a:spcPts val="0"/>
               </a:spcBef>
@@ -7986,7 +8238,7 @@
             </a:lvl9pPr>
           </a:lstStyle>
           <a:p>
-            <a:pPr indent="0" lvl="0" marL="0" rtl="0" algn="r">
+            <a:pPr marL="0" lvl="0" indent="0" algn="r" rtl="0">
               <a:spcBef>
                 <a:spcPts val="0"/>
               </a:spcBef>
@@ -8012,11 +8264,11 @@
 </file>
 
 <file path=ppt/slideLayouts/slideLayout7.xml><?xml version="1.0" encoding="utf-8"?>
-<p:sldLayout xmlns:a="http://schemas.openxmlformats.org/drawingml/2006/main" xmlns:r="http://schemas.openxmlformats.org/officeDocument/2006/relationships" xmlns:mc="http://schemas.openxmlformats.org/markup-compatibility/2006" xmlns:mv="urn:schemas-microsoft-com:mac:vml" xmlns:p="http://schemas.openxmlformats.org/presentationml/2006/main" xmlns:c="http://schemas.openxmlformats.org/drawingml/2006/chart" xmlns:dgm="http://schemas.openxmlformats.org/drawingml/2006/diagram" xmlns:o="urn:schemas-microsoft-com:office:office" xmlns:v="urn:schemas-microsoft-com:vml" xmlns:pvml="urn:schemas-microsoft-com:office:powerpoint" xmlns:com="http://schemas.openxmlformats.org/drawingml/2006/compatibility" xmlns:p14="http://schemas.microsoft.com/office/powerpoint/2010/main" xmlns:p15="http://schemas.microsoft.com/office/powerpoint/2012/main" matchingName="Blank" type="blank">
+<p:sldLayout xmlns:a="http://schemas.openxmlformats.org/drawingml/2006/main" xmlns:r="http://schemas.openxmlformats.org/officeDocument/2006/relationships" xmlns:p="http://schemas.openxmlformats.org/presentationml/2006/main" matchingName="Blank" type="blank">
   <p:cSld name="BLANK">
     <p:spTree>
       <p:nvGrpSpPr>
-        <p:cNvPr id="54" name="Shape 54"/>
+        <p:cNvPr id="1" name="Shape 54"/>
         <p:cNvGrpSpPr/>
         <p:nvPr/>
       </p:nvGrpSpPr>
@@ -8031,9 +8283,11 @@
       <p:sp>
         <p:nvSpPr>
           <p:cNvPr id="55" name="Google Shape;55;p8"/>
-          <p:cNvSpPr txBox="1"/>
+          <p:cNvSpPr txBox="1">
+            <a:spLocks noGrp="1"/>
+          </p:cNvSpPr>
           <p:nvPr>
-            <p:ph idx="10" type="dt"/>
+            <p:ph type="dt" idx="10"/>
           </p:nvPr>
         </p:nvSpPr>
         <p:spPr>
@@ -8050,7 +8304,7 @@
           </a:ln>
         </p:spPr>
         <p:txBody>
-          <a:bodyPr anchorCtr="0" anchor="ctr" bIns="45700" lIns="91425" spcFirstLastPara="1" rIns="91425" wrap="square" tIns="45700"/>
+          <a:bodyPr spcFirstLastPara="1" wrap="square" lIns="91425" tIns="45700" rIns="91425" bIns="45700" anchor="ctr" anchorCtr="0"/>
           <a:lstStyle>
             <a:lvl1pPr lvl="0" algn="l">
               <a:spcBef>
@@ -8152,15 +8406,19 @@
               <a:defRPr/>
             </a:lvl9pPr>
           </a:lstStyle>
-          <a:p/>
+          <a:p>
+            <a:endParaRPr/>
+          </a:p>
         </p:txBody>
       </p:sp>
       <p:sp>
         <p:nvSpPr>
           <p:cNvPr id="56" name="Google Shape;56;p8"/>
-          <p:cNvSpPr txBox="1"/>
+          <p:cNvSpPr txBox="1">
+            <a:spLocks noGrp="1"/>
+          </p:cNvSpPr>
           <p:nvPr>
-            <p:ph idx="11" type="ftr"/>
+            <p:ph type="ftr" idx="11"/>
           </p:nvPr>
         </p:nvSpPr>
         <p:spPr>
@@ -8177,7 +8435,7 @@
           </a:ln>
         </p:spPr>
         <p:txBody>
-          <a:bodyPr anchorCtr="0" anchor="ctr" bIns="45700" lIns="91425" spcFirstLastPara="1" rIns="91425" wrap="square" tIns="45700"/>
+          <a:bodyPr spcFirstLastPara="1" wrap="square" lIns="91425" tIns="45700" rIns="91425" bIns="45700" anchor="ctr" anchorCtr="0"/>
           <a:lstStyle>
             <a:lvl1pPr lvl="0" algn="ctr">
               <a:spcBef>
@@ -8279,15 +8537,19 @@
               <a:defRPr/>
             </a:lvl9pPr>
           </a:lstStyle>
-          <a:p/>
+          <a:p>
+            <a:endParaRPr/>
+          </a:p>
         </p:txBody>
       </p:sp>
       <p:sp>
         <p:nvSpPr>
           <p:cNvPr id="57" name="Google Shape;57;p8"/>
-          <p:cNvSpPr txBox="1"/>
+          <p:cNvSpPr txBox="1">
+            <a:spLocks noGrp="1"/>
+          </p:cNvSpPr>
           <p:nvPr>
-            <p:ph idx="12" type="sldNum"/>
+            <p:ph type="sldNum" idx="12"/>
           </p:nvPr>
         </p:nvSpPr>
         <p:spPr>
@@ -8304,67 +8566,67 @@
           </a:ln>
         </p:spPr>
         <p:txBody>
-          <a:bodyPr anchorCtr="0" anchor="ctr" bIns="45700" lIns="91425" spcFirstLastPara="1" rIns="91425" wrap="square" tIns="45700">
+          <a:bodyPr spcFirstLastPara="1" wrap="square" lIns="91425" tIns="45700" rIns="91425" bIns="45700" anchor="ctr" anchorCtr="0">
             <a:noAutofit/>
           </a:bodyPr>
           <a:lstStyle>
-            <a:lvl1pPr indent="0" lvl="0" marL="0" algn="r">
+            <a:lvl1pPr marL="0" lvl="0" indent="0" algn="r">
               <a:spcBef>
                 <a:spcPts val="0"/>
               </a:spcBef>
               <a:buNone/>
               <a:defRPr/>
             </a:lvl1pPr>
-            <a:lvl2pPr indent="0" lvl="1" marL="0" algn="r">
+            <a:lvl2pPr marL="0" lvl="1" indent="0" algn="r">
               <a:spcBef>
                 <a:spcPts val="0"/>
               </a:spcBef>
               <a:buNone/>
               <a:defRPr/>
             </a:lvl2pPr>
-            <a:lvl3pPr indent="0" lvl="2" marL="0" algn="r">
+            <a:lvl3pPr marL="0" lvl="2" indent="0" algn="r">
               <a:spcBef>
                 <a:spcPts val="0"/>
               </a:spcBef>
               <a:buNone/>
               <a:defRPr/>
             </a:lvl3pPr>
-            <a:lvl4pPr indent="0" lvl="3" marL="0" algn="r">
+            <a:lvl4pPr marL="0" lvl="3" indent="0" algn="r">
               <a:spcBef>
                 <a:spcPts val="0"/>
               </a:spcBef>
               <a:buNone/>
               <a:defRPr/>
             </a:lvl4pPr>
-            <a:lvl5pPr indent="0" lvl="4" marL="0" algn="r">
+            <a:lvl5pPr marL="0" lvl="4" indent="0" algn="r">
               <a:spcBef>
                 <a:spcPts val="0"/>
               </a:spcBef>
               <a:buNone/>
               <a:defRPr/>
             </a:lvl5pPr>
-            <a:lvl6pPr indent="0" lvl="5" marL="0" algn="r">
+            <a:lvl6pPr marL="0" lvl="5" indent="0" algn="r">
               <a:spcBef>
                 <a:spcPts val="0"/>
               </a:spcBef>
               <a:buNone/>
               <a:defRPr/>
             </a:lvl6pPr>
-            <a:lvl7pPr indent="0" lvl="6" marL="0" algn="r">
+            <a:lvl7pPr marL="0" lvl="6" indent="0" algn="r">
               <a:spcBef>
                 <a:spcPts val="0"/>
               </a:spcBef>
               <a:buNone/>
               <a:defRPr/>
             </a:lvl7pPr>
-            <a:lvl8pPr indent="0" lvl="7" marL="0" algn="r">
+            <a:lvl8pPr marL="0" lvl="7" indent="0" algn="r">
               <a:spcBef>
                 <a:spcPts val="0"/>
               </a:spcBef>
               <a:buNone/>
               <a:defRPr/>
             </a:lvl8pPr>
-            <a:lvl9pPr indent="0" lvl="8" marL="0" algn="r">
+            <a:lvl9pPr marL="0" lvl="8" indent="0" algn="r">
               <a:spcBef>
                 <a:spcPts val="0"/>
               </a:spcBef>
@@ -8373,7 +8635,7 @@
             </a:lvl9pPr>
           </a:lstStyle>
           <a:p>
-            <a:pPr indent="0" lvl="0" marL="0" rtl="0" algn="r">
+            <a:pPr marL="0" lvl="0" indent="0" algn="r" rtl="0">
               <a:spcBef>
                 <a:spcPts val="0"/>
               </a:spcBef>
@@ -8399,11 +8661,11 @@
 </file>
 
 <file path=ppt/slideLayouts/slideLayout8.xml><?xml version="1.0" encoding="utf-8"?>
-<p:sldLayout xmlns:a="http://schemas.openxmlformats.org/drawingml/2006/main" xmlns:r="http://schemas.openxmlformats.org/officeDocument/2006/relationships" xmlns:mc="http://schemas.openxmlformats.org/markup-compatibility/2006" xmlns:mv="urn:schemas-microsoft-com:mac:vml" xmlns:p="http://schemas.openxmlformats.org/presentationml/2006/main" xmlns:c="http://schemas.openxmlformats.org/drawingml/2006/chart" xmlns:dgm="http://schemas.openxmlformats.org/drawingml/2006/diagram" xmlns:o="urn:schemas-microsoft-com:office:office" xmlns:v="urn:schemas-microsoft-com:vml" xmlns:pvml="urn:schemas-microsoft-com:office:powerpoint" xmlns:com="http://schemas.openxmlformats.org/drawingml/2006/compatibility" xmlns:p14="http://schemas.microsoft.com/office/powerpoint/2010/main" xmlns:p15="http://schemas.microsoft.com/office/powerpoint/2012/main" matchingName="Content with Caption" type="objTx">
+<p:sldLayout xmlns:a="http://schemas.openxmlformats.org/drawingml/2006/main" xmlns:r="http://schemas.openxmlformats.org/officeDocument/2006/relationships" xmlns:p="http://schemas.openxmlformats.org/presentationml/2006/main" matchingName="Content with Caption" type="objTx">
   <p:cSld name="OBJECT_WITH_CAPTION_TEXT">
     <p:spTree>
       <p:nvGrpSpPr>
-        <p:cNvPr id="58" name="Shape 58"/>
+        <p:cNvPr id="1" name="Shape 58"/>
         <p:cNvGrpSpPr/>
         <p:nvPr/>
       </p:nvGrpSpPr>
@@ -8418,7 +8680,9 @@
       <p:sp>
         <p:nvSpPr>
           <p:cNvPr id="59" name="Google Shape;59;p9"/>
-          <p:cNvSpPr txBox="1"/>
+          <p:cNvSpPr txBox="1">
+            <a:spLocks noGrp="1"/>
+          </p:cNvSpPr>
           <p:nvPr>
             <p:ph type="title"/>
           </p:nvPr>
@@ -8437,7 +8701,7 @@
           </a:ln>
         </p:spPr>
         <p:txBody>
-          <a:bodyPr anchorCtr="0" anchor="b" bIns="45700" lIns="91425" spcFirstLastPara="1" rIns="91425" wrap="square" tIns="45700"/>
+          <a:bodyPr spcFirstLastPara="1" wrap="square" lIns="91425" tIns="45700" rIns="91425" bIns="45700" anchor="b" anchorCtr="0"/>
           <a:lstStyle>
             <a:lvl1pPr lvl="0" algn="l">
               <a:lnSpc>
@@ -8546,15 +8810,19 @@
               <a:defRPr/>
             </a:lvl9pPr>
           </a:lstStyle>
-          <a:p/>
+          <a:p>
+            <a:endParaRPr/>
+          </a:p>
         </p:txBody>
       </p:sp>
       <p:sp>
         <p:nvSpPr>
           <p:cNvPr id="60" name="Google Shape;60;p9"/>
-          <p:cNvSpPr txBox="1"/>
+          <p:cNvSpPr txBox="1">
+            <a:spLocks noGrp="1"/>
+          </p:cNvSpPr>
           <p:nvPr>
-            <p:ph idx="1" type="body"/>
+            <p:ph type="body" idx="1"/>
           </p:nvPr>
         </p:nvSpPr>
         <p:spPr>
@@ -8571,9 +8839,9 @@
           </a:ln>
         </p:spPr>
         <p:txBody>
-          <a:bodyPr anchorCtr="0" anchor="t" bIns="45700" lIns="91425" spcFirstLastPara="1" rIns="91425" wrap="square" tIns="45700"/>
+          <a:bodyPr spcFirstLastPara="1" wrap="square" lIns="91425" tIns="45700" rIns="91425" bIns="45700" anchor="t" anchorCtr="0"/>
           <a:lstStyle>
-            <a:lvl1pPr indent="-431800" lvl="0" marL="457200" algn="l">
+            <a:lvl1pPr marL="457200" lvl="0" indent="-431800" algn="l">
               <a:lnSpc>
                 <a:spcPct val="90000"/>
               </a:lnSpc>
@@ -8590,7 +8858,7 @@
               <a:buChar char="•"/>
               <a:defRPr sz="3200"/>
             </a:lvl1pPr>
-            <a:lvl2pPr indent="-406400" lvl="1" marL="914400" algn="l">
+            <a:lvl2pPr marL="914400" lvl="1" indent="-406400" algn="l">
               <a:lnSpc>
                 <a:spcPct val="90000"/>
               </a:lnSpc>
@@ -8607,7 +8875,7 @@
               <a:buChar char="•"/>
               <a:defRPr sz="2800"/>
             </a:lvl2pPr>
-            <a:lvl3pPr indent="-381000" lvl="2" marL="1371600" algn="l">
+            <a:lvl3pPr marL="1371600" lvl="2" indent="-381000" algn="l">
               <a:lnSpc>
                 <a:spcPct val="90000"/>
               </a:lnSpc>
@@ -8624,7 +8892,7 @@
               <a:buChar char="•"/>
               <a:defRPr sz="2400"/>
             </a:lvl3pPr>
-            <a:lvl4pPr indent="-355600" lvl="3" marL="1828800" algn="l">
+            <a:lvl4pPr marL="1828800" lvl="3" indent="-355600" algn="l">
               <a:lnSpc>
                 <a:spcPct val="90000"/>
               </a:lnSpc>
@@ -8641,7 +8909,7 @@
               <a:buChar char="•"/>
               <a:defRPr sz="2000"/>
             </a:lvl4pPr>
-            <a:lvl5pPr indent="-355600" lvl="4" marL="2286000" algn="l">
+            <a:lvl5pPr marL="2286000" lvl="4" indent="-355600" algn="l">
               <a:lnSpc>
                 <a:spcPct val="90000"/>
               </a:lnSpc>
@@ -8658,7 +8926,7 @@
               <a:buChar char="•"/>
               <a:defRPr sz="2000"/>
             </a:lvl5pPr>
-            <a:lvl6pPr indent="-355600" lvl="5" marL="2743200" algn="l">
+            <a:lvl6pPr marL="2743200" lvl="5" indent="-355600" algn="l">
               <a:lnSpc>
                 <a:spcPct val="90000"/>
               </a:lnSpc>
@@ -8675,7 +8943,7 @@
               <a:buChar char="•"/>
               <a:defRPr sz="2000"/>
             </a:lvl6pPr>
-            <a:lvl7pPr indent="-355600" lvl="6" marL="3200400" algn="l">
+            <a:lvl7pPr marL="3200400" lvl="6" indent="-355600" algn="l">
               <a:lnSpc>
                 <a:spcPct val="90000"/>
               </a:lnSpc>
@@ -8692,7 +8960,7 @@
               <a:buChar char="•"/>
               <a:defRPr sz="2000"/>
             </a:lvl7pPr>
-            <a:lvl8pPr indent="-355600" lvl="7" marL="3657600" algn="l">
+            <a:lvl8pPr marL="3657600" lvl="7" indent="-355600" algn="l">
               <a:lnSpc>
                 <a:spcPct val="90000"/>
               </a:lnSpc>
@@ -8709,7 +8977,7 @@
               <a:buChar char="•"/>
               <a:defRPr sz="2000"/>
             </a:lvl8pPr>
-            <a:lvl9pPr indent="-355600" lvl="8" marL="4114800" algn="l">
+            <a:lvl9pPr marL="4114800" lvl="8" indent="-355600" algn="l">
               <a:lnSpc>
                 <a:spcPct val="90000"/>
               </a:lnSpc>
@@ -8727,15 +8995,19 @@
               <a:defRPr sz="2000"/>
             </a:lvl9pPr>
           </a:lstStyle>
-          <a:p/>
+          <a:p>
+            <a:endParaRPr/>
+          </a:p>
         </p:txBody>
       </p:sp>
       <p:sp>
         <p:nvSpPr>
           <p:cNvPr id="61" name="Google Shape;61;p9"/>
-          <p:cNvSpPr txBox="1"/>
+          <p:cNvSpPr txBox="1">
+            <a:spLocks noGrp="1"/>
+          </p:cNvSpPr>
           <p:nvPr>
-            <p:ph idx="2" type="body"/>
+            <p:ph type="body" idx="2"/>
           </p:nvPr>
         </p:nvSpPr>
         <p:spPr>
@@ -8752,9 +9024,9 @@
           </a:ln>
         </p:spPr>
         <p:txBody>
-          <a:bodyPr anchorCtr="0" anchor="t" bIns="45700" lIns="91425" spcFirstLastPara="1" rIns="91425" wrap="square" tIns="45700"/>
+          <a:bodyPr spcFirstLastPara="1" wrap="square" lIns="91425" tIns="45700" rIns="91425" bIns="45700" anchor="t" anchorCtr="0"/>
           <a:lstStyle>
-            <a:lvl1pPr indent="-228600" lvl="0" marL="457200" algn="l">
+            <a:lvl1pPr marL="457200" lvl="0" indent="-228600" algn="l">
               <a:lnSpc>
                 <a:spcPct val="90000"/>
               </a:lnSpc>
@@ -8771,7 +9043,7 @@
               <a:buNone/>
               <a:defRPr sz="1600"/>
             </a:lvl1pPr>
-            <a:lvl2pPr indent="-228600" lvl="1" marL="914400" algn="l">
+            <a:lvl2pPr marL="914400" lvl="1" indent="-228600" algn="l">
               <a:lnSpc>
                 <a:spcPct val="90000"/>
               </a:lnSpc>
@@ -8788,7 +9060,7 @@
               <a:buNone/>
               <a:defRPr sz="1400"/>
             </a:lvl2pPr>
-            <a:lvl3pPr indent="-228600" lvl="2" marL="1371600" algn="l">
+            <a:lvl3pPr marL="1371600" lvl="2" indent="-228600" algn="l">
               <a:lnSpc>
                 <a:spcPct val="90000"/>
               </a:lnSpc>
@@ -8805,7 +9077,7 @@
               <a:buNone/>
               <a:defRPr sz="1200"/>
             </a:lvl3pPr>
-            <a:lvl4pPr indent="-228600" lvl="3" marL="1828800" algn="l">
+            <a:lvl4pPr marL="1828800" lvl="3" indent="-228600" algn="l">
               <a:lnSpc>
                 <a:spcPct val="90000"/>
               </a:lnSpc>
@@ -8822,7 +9094,7 @@
               <a:buNone/>
               <a:defRPr sz="1000"/>
             </a:lvl4pPr>
-            <a:lvl5pPr indent="-228600" lvl="4" marL="2286000" algn="l">
+            <a:lvl5pPr marL="2286000" lvl="4" indent="-228600" algn="l">
               <a:lnSpc>
                 <a:spcPct val="90000"/>
               </a:lnSpc>
@@ -8839,7 +9111,7 @@
               <a:buNone/>
               <a:defRPr sz="1000"/>
             </a:lvl5pPr>
-            <a:lvl6pPr indent="-228600" lvl="5" marL="2743200" algn="l">
+            <a:lvl6pPr marL="2743200" lvl="5" indent="-228600" algn="l">
               <a:lnSpc>
                 <a:spcPct val="90000"/>
               </a:lnSpc>
@@ -8856,7 +9128,7 @@
               <a:buNone/>
               <a:defRPr sz="1000"/>
             </a:lvl6pPr>
-            <a:lvl7pPr indent="-228600" lvl="6" marL="3200400" algn="l">
+            <a:lvl7pPr marL="3200400" lvl="6" indent="-228600" algn="l">
               <a:lnSpc>
                 <a:spcPct val="90000"/>
               </a:lnSpc>
@@ -8873,7 +9145,7 @@
               <a:buNone/>
               <a:defRPr sz="1000"/>
             </a:lvl7pPr>
-            <a:lvl8pPr indent="-228600" lvl="7" marL="3657600" algn="l">
+            <a:lvl8pPr marL="3657600" lvl="7" indent="-228600" algn="l">
               <a:lnSpc>
                 <a:spcPct val="90000"/>
               </a:lnSpc>
@@ -8890,7 +9162,7 @@
               <a:buNone/>
               <a:defRPr sz="1000"/>
             </a:lvl8pPr>
-            <a:lvl9pPr indent="-228600" lvl="8" marL="4114800" algn="l">
+            <a:lvl9pPr marL="4114800" lvl="8" indent="-228600" algn="l">
               <a:lnSpc>
                 <a:spcPct val="90000"/>
               </a:lnSpc>
@@ -8908,15 +9180,19 @@
               <a:defRPr sz="1000"/>
             </a:lvl9pPr>
           </a:lstStyle>
-          <a:p/>
+          <a:p>
+            <a:endParaRPr/>
+          </a:p>
         </p:txBody>
       </p:sp>
       <p:sp>
         <p:nvSpPr>
           <p:cNvPr id="62" name="Google Shape;62;p9"/>
-          <p:cNvSpPr txBox="1"/>
+          <p:cNvSpPr txBox="1">
+            <a:spLocks noGrp="1"/>
+          </p:cNvSpPr>
           <p:nvPr>
-            <p:ph idx="10" type="dt"/>
+            <p:ph type="dt" idx="10"/>
           </p:nvPr>
         </p:nvSpPr>
         <p:spPr>
@@ -8933,7 +9209,7 @@
           </a:ln>
         </p:spPr>
         <p:txBody>
-          <a:bodyPr anchorCtr="0" anchor="ctr" bIns="45700" lIns="91425" spcFirstLastPara="1" rIns="91425" wrap="square" tIns="45700"/>
+          <a:bodyPr spcFirstLastPara="1" wrap="square" lIns="91425" tIns="45700" rIns="91425" bIns="45700" anchor="ctr" anchorCtr="0"/>
           <a:lstStyle>
             <a:lvl1pPr lvl="0" algn="l">
               <a:spcBef>
@@ -9035,15 +9311,19 @@
               <a:defRPr/>
             </a:lvl9pPr>
           </a:lstStyle>
-          <a:p/>
+          <a:p>
+            <a:endParaRPr/>
+          </a:p>
         </p:txBody>
       </p:sp>
       <p:sp>
         <p:nvSpPr>
           <p:cNvPr id="63" name="Google Shape;63;p9"/>
-          <p:cNvSpPr txBox="1"/>
+          <p:cNvSpPr txBox="1">
+            <a:spLocks noGrp="1"/>
+          </p:cNvSpPr>
           <p:nvPr>
-            <p:ph idx="11" type="ftr"/>
+            <p:ph type="ftr" idx="11"/>
           </p:nvPr>
         </p:nvSpPr>
         <p:spPr>
@@ -9060,7 +9340,7 @@
           </a:ln>
         </p:spPr>
         <p:txBody>
-          <a:bodyPr anchorCtr="0" anchor="ctr" bIns="45700" lIns="91425" spcFirstLastPara="1" rIns="91425" wrap="square" tIns="45700"/>
+          <a:bodyPr spcFirstLastPara="1" wrap="square" lIns="91425" tIns="45700" rIns="91425" bIns="45700" anchor="ctr" anchorCtr="0"/>
           <a:lstStyle>
             <a:lvl1pPr lvl="0" algn="ctr">
               <a:spcBef>
@@ -9162,15 +9442,19 @@
               <a:defRPr/>
             </a:lvl9pPr>
           </a:lstStyle>
-          <a:p/>
+          <a:p>
+            <a:endParaRPr/>
+          </a:p>
         </p:txBody>
       </p:sp>
       <p:sp>
         <p:nvSpPr>
           <p:cNvPr id="64" name="Google Shape;64;p9"/>
-          <p:cNvSpPr txBox="1"/>
+          <p:cNvSpPr txBox="1">
+            <a:spLocks noGrp="1"/>
+          </p:cNvSpPr>
           <p:nvPr>
-            <p:ph idx="12" type="sldNum"/>
+            <p:ph type="sldNum" idx="12"/>
           </p:nvPr>
         </p:nvSpPr>
         <p:spPr>
@@ -9187,67 +9471,67 @@
           </a:ln>
         </p:spPr>
         <p:txBody>
-          <a:bodyPr anchorCtr="0" anchor="ctr" bIns="45700" lIns="91425" spcFirstLastPara="1" rIns="91425" wrap="square" tIns="45700">
+          <a:bodyPr spcFirstLastPara="1" wrap="square" lIns="91425" tIns="45700" rIns="91425" bIns="45700" anchor="ctr" anchorCtr="0">
             <a:noAutofit/>
           </a:bodyPr>
           <a:lstStyle>
-            <a:lvl1pPr indent="0" lvl="0" marL="0" algn="r">
+            <a:lvl1pPr marL="0" lvl="0" indent="0" algn="r">
               <a:spcBef>
                 <a:spcPts val="0"/>
               </a:spcBef>
               <a:buNone/>
               <a:defRPr/>
             </a:lvl1pPr>
-            <a:lvl2pPr indent="0" lvl="1" marL="0" algn="r">
+            <a:lvl2pPr marL="0" lvl="1" indent="0" algn="r">
               <a:spcBef>
                 <a:spcPts val="0"/>
               </a:spcBef>
               <a:buNone/>
               <a:defRPr/>
             </a:lvl2pPr>
-            <a:lvl3pPr indent="0" lvl="2" marL="0" algn="r">
+            <a:lvl3pPr marL="0" lvl="2" indent="0" algn="r">
               <a:spcBef>
                 <a:spcPts val="0"/>
               </a:spcBef>
               <a:buNone/>
               <a:defRPr/>
             </a:lvl3pPr>
-            <a:lvl4pPr indent="0" lvl="3" marL="0" algn="r">
+            <a:lvl4pPr marL="0" lvl="3" indent="0" algn="r">
               <a:spcBef>
                 <a:spcPts val="0"/>
               </a:spcBef>
               <a:buNone/>
               <a:defRPr/>
             </a:lvl4pPr>
-            <a:lvl5pPr indent="0" lvl="4" marL="0" algn="r">
+            <a:lvl5pPr marL="0" lvl="4" indent="0" algn="r">
               <a:spcBef>
                 <a:spcPts val="0"/>
               </a:spcBef>
               <a:buNone/>
               <a:defRPr/>
             </a:lvl5pPr>
-            <a:lvl6pPr indent="0" lvl="5" marL="0" algn="r">
+            <a:lvl6pPr marL="0" lvl="5" indent="0" algn="r">
               <a:spcBef>
                 <a:spcPts val="0"/>
               </a:spcBef>
               <a:buNone/>
               <a:defRPr/>
             </a:lvl6pPr>
-            <a:lvl7pPr indent="0" lvl="6" marL="0" algn="r">
+            <a:lvl7pPr marL="0" lvl="6" indent="0" algn="r">
               <a:spcBef>
                 <a:spcPts val="0"/>
               </a:spcBef>
               <a:buNone/>
               <a:defRPr/>
             </a:lvl7pPr>
-            <a:lvl8pPr indent="0" lvl="7" marL="0" algn="r">
+            <a:lvl8pPr marL="0" lvl="7" indent="0" algn="r">
               <a:spcBef>
                 <a:spcPts val="0"/>
               </a:spcBef>
               <a:buNone/>
               <a:defRPr/>
             </a:lvl8pPr>
-            <a:lvl9pPr indent="0" lvl="8" marL="0" algn="r">
+            <a:lvl9pPr marL="0" lvl="8" indent="0" algn="r">
               <a:spcBef>
                 <a:spcPts val="0"/>
               </a:spcBef>
@@ -9256,7 +9540,7 @@
             </a:lvl9pPr>
           </a:lstStyle>
           <a:p>
-            <a:pPr indent="0" lvl="0" marL="0" rtl="0" algn="r">
+            <a:pPr marL="0" lvl="0" indent="0" algn="r" rtl="0">
               <a:spcBef>
                 <a:spcPts val="0"/>
               </a:spcBef>
@@ -9282,11 +9566,11 @@
 </file>
 
 <file path=ppt/slideLayouts/slideLayout9.xml><?xml version="1.0" encoding="utf-8"?>
-<p:sldLayout xmlns:a="http://schemas.openxmlformats.org/drawingml/2006/main" xmlns:r="http://schemas.openxmlformats.org/officeDocument/2006/relationships" xmlns:mc="http://schemas.openxmlformats.org/markup-compatibility/2006" xmlns:mv="urn:schemas-microsoft-com:mac:vml" xmlns:p="http://schemas.openxmlformats.org/presentationml/2006/main" xmlns:c="http://schemas.openxmlformats.org/drawingml/2006/chart" xmlns:dgm="http://schemas.openxmlformats.org/drawingml/2006/diagram" xmlns:o="urn:schemas-microsoft-com:office:office" xmlns:v="urn:schemas-microsoft-com:vml" xmlns:pvml="urn:schemas-microsoft-com:office:powerpoint" xmlns:com="http://schemas.openxmlformats.org/drawingml/2006/compatibility" xmlns:p14="http://schemas.microsoft.com/office/powerpoint/2010/main" xmlns:p15="http://schemas.microsoft.com/office/powerpoint/2012/main" matchingName="Picture with Caption" type="picTx">
+<p:sldLayout xmlns:a="http://schemas.openxmlformats.org/drawingml/2006/main" xmlns:r="http://schemas.openxmlformats.org/officeDocument/2006/relationships" xmlns:p="http://schemas.openxmlformats.org/presentationml/2006/main" matchingName="Picture with Caption" type="picTx">
   <p:cSld name="PICTURE_WITH_CAPTION_TEXT">
     <p:spTree>
       <p:nvGrpSpPr>
-        <p:cNvPr id="65" name="Shape 65"/>
+        <p:cNvPr id="1" name="Shape 65"/>
         <p:cNvGrpSpPr/>
         <p:nvPr/>
       </p:nvGrpSpPr>
@@ -9301,7 +9585,9 @@
       <p:sp>
         <p:nvSpPr>
           <p:cNvPr id="66" name="Google Shape;66;p10"/>
-          <p:cNvSpPr txBox="1"/>
+          <p:cNvSpPr txBox="1">
+            <a:spLocks noGrp="1"/>
+          </p:cNvSpPr>
           <p:nvPr>
             <p:ph type="title"/>
           </p:nvPr>
@@ -9320,7 +9606,7 @@
           </a:ln>
         </p:spPr>
         <p:txBody>
-          <a:bodyPr anchorCtr="0" anchor="b" bIns="45700" lIns="91425" spcFirstLastPara="1" rIns="91425" wrap="square" tIns="45700"/>
+          <a:bodyPr spcFirstLastPara="1" wrap="square" lIns="91425" tIns="45700" rIns="91425" bIns="45700" anchor="b" anchorCtr="0"/>
           <a:lstStyle>
             <a:lvl1pPr lvl="0" algn="l">
               <a:lnSpc>
@@ -9429,15 +9715,19 @@
               <a:defRPr/>
             </a:lvl9pPr>
           </a:lstStyle>
-          <a:p/>
+          <a:p>
+            <a:endParaRPr/>
+          </a:p>
         </p:txBody>
       </p:sp>
       <p:sp>
         <p:nvSpPr>
           <p:cNvPr id="67" name="Google Shape;67;p10"/>
-          <p:cNvSpPr/>
+          <p:cNvSpPr>
+            <a:spLocks noGrp="1"/>
+          </p:cNvSpPr>
           <p:nvPr>
-            <p:ph idx="2" type="pic"/>
+            <p:ph type="pic" idx="2"/>
           </p:nvPr>
         </p:nvSpPr>
         <p:spPr>
@@ -9454,9 +9744,9 @@
           </a:ln>
         </p:spPr>
         <p:txBody>
-          <a:bodyPr anchorCtr="0" anchor="t" bIns="45700" lIns="91425" spcFirstLastPara="1" rIns="91425" wrap="square" tIns="45700"/>
+          <a:bodyPr spcFirstLastPara="1" wrap="square" lIns="91425" tIns="45700" rIns="91425" bIns="45700" anchor="t" anchorCtr="0"/>
           <a:lstStyle>
-            <a:lvl1pPr lvl="0" marR="0" rtl="0" algn="l">
+            <a:lvl1pPr marR="0" lvl="0" algn="l" rtl="0">
               <a:lnSpc>
                 <a:spcPct val="90000"/>
               </a:lnSpc>
@@ -9472,7 +9762,7 @@
               <a:buSzPts val="3200"/>
               <a:buFont typeface="Arial"/>
               <a:buNone/>
-              <a:defRPr b="0" i="0" sz="3200" u="none" cap="none" strike="noStrike">
+              <a:defRPr sz="3200" b="0" i="0" u="none" strike="noStrike" cap="none">
                 <a:solidFill>
                   <a:schemeClr val="dk1"/>
                 </a:solidFill>
@@ -9482,7 +9772,7 @@
                 <a:sym typeface="Calibri"/>
               </a:defRPr>
             </a:lvl1pPr>
-            <a:lvl2pPr lvl="1" marR="0" rtl="0" algn="l">
+            <a:lvl2pPr marR="0" lvl="1" algn="l" rtl="0">
               <a:lnSpc>
                 <a:spcPct val="90000"/>
               </a:lnSpc>
@@ -9498,7 +9788,7 @@
               <a:buSzPts val="2800"/>
               <a:buFont typeface="Arial"/>
               <a:buNone/>
-              <a:defRPr b="0" i="0" sz="2800" u="none" cap="none" strike="noStrike">
+              <a:defRPr sz="2800" b="0" i="0" u="none" strike="noStrike" cap="none">
                 <a:solidFill>
                   <a:schemeClr val="dk1"/>
                 </a:solidFill>
@@ -9508,7 +9798,7 @@
                 <a:sym typeface="Calibri"/>
               </a:defRPr>
             </a:lvl2pPr>
-            <a:lvl3pPr lvl="2" marR="0" rtl="0" algn="l">
+            <a:lvl3pPr marR="0" lvl="2" algn="l" rtl="0">
               <a:lnSpc>
                 <a:spcPct val="90000"/>
               </a:lnSpc>
@@ -9524,7 +9814,7 @@
               <a:buSzPts val="2400"/>
               <a:buFont typeface="Arial"/>
               <a:buNone/>
-              <a:defRPr b="0" i="0" sz="2400" u="none" cap="none" strike="noStrike">
+              <a:defRPr sz="2400" b="0" i="0" u="none" strike="noStrike" cap="none">
                 <a:solidFill>
                   <a:schemeClr val="dk1"/>
                 </a:solidFill>
@@ -9534,7 +9824,7 @@
                 <a:sym typeface="Calibri"/>
               </a:defRPr>
             </a:lvl3pPr>
-            <a:lvl4pPr lvl="3" marR="0" rtl="0" algn="l">
+            <a:lvl4pPr marR="0" lvl="3" algn="l" rtl="0">
               <a:lnSpc>
                 <a:spcPct val="90000"/>
               </a:lnSpc>
@@ -9550,7 +9840,7 @@
               <a:buSzPts val="2000"/>
               <a:buFont typeface="Arial"/>
               <a:buNone/>
-              <a:defRPr b="0" i="0" sz="2000" u="none" cap="none" strike="noStrike">
+              <a:defRPr sz="2000" b="0" i="0" u="none" strike="noStrike" cap="none">
                 <a:solidFill>
                   <a:schemeClr val="dk1"/>
                 </a:solidFill>
@@ -9560,7 +9850,7 @@
                 <a:sym typeface="Calibri"/>
               </a:defRPr>
             </a:lvl4pPr>
-            <a:lvl5pPr lvl="4" marR="0" rtl="0" algn="l">
+            <a:lvl5pPr marR="0" lvl="4" algn="l" rtl="0">
               <a:lnSpc>
                 <a:spcPct val="90000"/>
               </a:lnSpc>
@@ -9576,7 +9866,7 @@
               <a:buSzPts val="2000"/>
               <a:buFont typeface="Arial"/>
               <a:buNone/>
-              <a:defRPr b="0" i="0" sz="2000" u="none" cap="none" strike="noStrike">
+              <a:defRPr sz="2000" b="0" i="0" u="none" strike="noStrike" cap="none">
                 <a:solidFill>
                   <a:schemeClr val="dk1"/>
                 </a:solidFill>
@@ -9586,7 +9876,7 @@
                 <a:sym typeface="Calibri"/>
               </a:defRPr>
             </a:lvl5pPr>
-            <a:lvl6pPr lvl="5" marR="0" rtl="0" algn="l">
+            <a:lvl6pPr marR="0" lvl="5" algn="l" rtl="0">
               <a:lnSpc>
                 <a:spcPct val="90000"/>
               </a:lnSpc>
@@ -9602,7 +9892,7 @@
               <a:buSzPts val="2000"/>
               <a:buFont typeface="Arial"/>
               <a:buNone/>
-              <a:defRPr b="0" i="0" sz="2000" u="none" cap="none" strike="noStrike">
+              <a:defRPr sz="2000" b="0" i="0" u="none" strike="noStrike" cap="none">
                 <a:solidFill>
                   <a:schemeClr val="dk1"/>
                 </a:solidFill>
@@ -9612,7 +9902,7 @@
                 <a:sym typeface="Calibri"/>
               </a:defRPr>
             </a:lvl6pPr>
-            <a:lvl7pPr lvl="6" marR="0" rtl="0" algn="l">
+            <a:lvl7pPr marR="0" lvl="6" algn="l" rtl="0">
               <a:lnSpc>
                 <a:spcPct val="90000"/>
               </a:lnSpc>
@@ -9628,7 +9918,7 @@
               <a:buSzPts val="2000"/>
               <a:buFont typeface="Arial"/>
               <a:buNone/>
-              <a:defRPr b="0" i="0" sz="2000" u="none" cap="none" strike="noStrike">
+              <a:defRPr sz="2000" b="0" i="0" u="none" strike="noStrike" cap="none">
                 <a:solidFill>
                   <a:schemeClr val="dk1"/>
                 </a:solidFill>
@@ -9638,7 +9928,7 @@
                 <a:sym typeface="Calibri"/>
               </a:defRPr>
             </a:lvl7pPr>
-            <a:lvl8pPr lvl="7" marR="0" rtl="0" algn="l">
+            <a:lvl8pPr marR="0" lvl="7" algn="l" rtl="0">
               <a:lnSpc>
                 <a:spcPct val="90000"/>
               </a:lnSpc>
@@ -9654,7 +9944,7 @@
               <a:buSzPts val="2000"/>
               <a:buFont typeface="Arial"/>
               <a:buNone/>
-              <a:defRPr b="0" i="0" sz="2000" u="none" cap="none" strike="noStrike">
+              <a:defRPr sz="2000" b="0" i="0" u="none" strike="noStrike" cap="none">
                 <a:solidFill>
                   <a:schemeClr val="dk1"/>
                 </a:solidFill>
@@ -9664,7 +9954,7 @@
                 <a:sym typeface="Calibri"/>
               </a:defRPr>
             </a:lvl8pPr>
-            <a:lvl9pPr lvl="8" marR="0" rtl="0" algn="l">
+            <a:lvl9pPr marR="0" lvl="8" algn="l" rtl="0">
               <a:lnSpc>
                 <a:spcPct val="90000"/>
               </a:lnSpc>
@@ -9680,7 +9970,7 @@
               <a:buSzPts val="2000"/>
               <a:buFont typeface="Arial"/>
               <a:buNone/>
-              <a:defRPr b="0" i="0" sz="2000" u="none" cap="none" strike="noStrike">
+              <a:defRPr sz="2000" b="0" i="0" u="none" strike="noStrike" cap="none">
                 <a:solidFill>
                   <a:schemeClr val="dk1"/>
                 </a:solidFill>
@@ -9691,15 +9981,19 @@
               </a:defRPr>
             </a:lvl9pPr>
           </a:lstStyle>
-          <a:p/>
+          <a:p>
+            <a:endParaRPr/>
+          </a:p>
         </p:txBody>
       </p:sp>
       <p:sp>
         <p:nvSpPr>
           <p:cNvPr id="68" name="Google Shape;68;p10"/>
-          <p:cNvSpPr txBox="1"/>
+          <p:cNvSpPr txBox="1">
+            <a:spLocks noGrp="1"/>
+          </p:cNvSpPr>
           <p:nvPr>
-            <p:ph idx="1" type="body"/>
+            <p:ph type="body" idx="1"/>
           </p:nvPr>
         </p:nvSpPr>
         <p:spPr>
@@ -9716,9 +10010,9 @@
           </a:ln>
         </p:spPr>
         <p:txBody>
-          <a:bodyPr anchorCtr="0" anchor="t" bIns="45700" lIns="91425" spcFirstLastPara="1" rIns="91425" wrap="square" tIns="45700"/>
+          <a:bodyPr spcFirstLastPara="1" wrap="square" lIns="91425" tIns="45700" rIns="91425" bIns="45700" anchor="t" anchorCtr="0"/>
           <a:lstStyle>
-            <a:lvl1pPr indent="-228600" lvl="0" marL="457200" algn="l">
+            <a:lvl1pPr marL="457200" lvl="0" indent="-228600" algn="l">
               <a:lnSpc>
                 <a:spcPct val="90000"/>
               </a:lnSpc>
@@ -9735,7 +10029,7 @@
               <a:buNone/>
               <a:defRPr sz="1600"/>
             </a:lvl1pPr>
-            <a:lvl2pPr indent="-228600" lvl="1" marL="914400" algn="l">
+            <a:lvl2pPr marL="914400" lvl="1" indent="-228600" algn="l">
               <a:lnSpc>
                 <a:spcPct val="90000"/>
               </a:lnSpc>
@@ -9752,7 +10046,7 @@
               <a:buNone/>
               <a:defRPr sz="1400"/>
             </a:lvl2pPr>
-            <a:lvl3pPr indent="-228600" lvl="2" marL="1371600" algn="l">
+            <a:lvl3pPr marL="1371600" lvl="2" indent="-228600" algn="l">
               <a:lnSpc>
                 <a:spcPct val="90000"/>
               </a:lnSpc>
@@ -9769,7 +10063,7 @@
               <a:buNone/>
               <a:defRPr sz="1200"/>
             </a:lvl3pPr>
-            <a:lvl4pPr indent="-228600" lvl="3" marL="1828800" algn="l">
+            <a:lvl4pPr marL="1828800" lvl="3" indent="-228600" algn="l">
               <a:lnSpc>
                 <a:spcPct val="90000"/>
               </a:lnSpc>
@@ -9786,7 +10080,7 @@
               <a:buNone/>
               <a:defRPr sz="1000"/>
             </a:lvl4pPr>
-            <a:lvl5pPr indent="-228600" lvl="4" marL="2286000" algn="l">
+            <a:lvl5pPr marL="2286000" lvl="4" indent="-228600" algn="l">
               <a:lnSpc>
                 <a:spcPct val="90000"/>
               </a:lnSpc>
@@ -9803,7 +10097,7 @@
               <a:buNone/>
               <a:defRPr sz="1000"/>
             </a:lvl5pPr>
-            <a:lvl6pPr indent="-228600" lvl="5" marL="2743200" algn="l">
+            <a:lvl6pPr marL="2743200" lvl="5" indent="-228600" algn="l">
               <a:lnSpc>
                 <a:spcPct val="90000"/>
               </a:lnSpc>
@@ -9820,7 +10114,7 @@
               <a:buNone/>
               <a:defRPr sz="1000"/>
             </a:lvl6pPr>
-            <a:lvl7pPr indent="-228600" lvl="6" marL="3200400" algn="l">
+            <a:lvl7pPr marL="3200400" lvl="6" indent="-228600" algn="l">
               <a:lnSpc>
                 <a:spcPct val="90000"/>
               </a:lnSpc>
@@ -9837,7 +10131,7 @@
               <a:buNone/>
               <a:defRPr sz="1000"/>
             </a:lvl7pPr>
-            <a:lvl8pPr indent="-228600" lvl="7" marL="3657600" algn="l">
+            <a:lvl8pPr marL="3657600" lvl="7" indent="-228600" algn="l">
               <a:lnSpc>
                 <a:spcPct val="90000"/>
               </a:lnSpc>
@@ -9854,7 +10148,7 @@
               <a:buNone/>
               <a:defRPr sz="1000"/>
             </a:lvl8pPr>
-            <a:lvl9pPr indent="-228600" lvl="8" marL="4114800" algn="l">
+            <a:lvl9pPr marL="4114800" lvl="8" indent="-228600" algn="l">
               <a:lnSpc>
                 <a:spcPct val="90000"/>
               </a:lnSpc>
@@ -9872,15 +10166,19 @@
               <a:defRPr sz="1000"/>
             </a:lvl9pPr>
           </a:lstStyle>
-          <a:p/>
+          <a:p>
+            <a:endParaRPr/>
+          </a:p>
         </p:txBody>
       </p:sp>
       <p:sp>
         <p:nvSpPr>
           <p:cNvPr id="69" name="Google Shape;69;p10"/>
-          <p:cNvSpPr txBox="1"/>
+          <p:cNvSpPr txBox="1">
+            <a:spLocks noGrp="1"/>
+          </p:cNvSpPr>
           <p:nvPr>
-            <p:ph idx="10" type="dt"/>
+            <p:ph type="dt" idx="10"/>
           </p:nvPr>
         </p:nvSpPr>
         <p:spPr>
@@ -9897,7 +10195,7 @@
           </a:ln>
         </p:spPr>
         <p:txBody>
-          <a:bodyPr anchorCtr="0" anchor="ctr" bIns="45700" lIns="91425" spcFirstLastPara="1" rIns="91425" wrap="square" tIns="45700"/>
+          <a:bodyPr spcFirstLastPara="1" wrap="square" lIns="91425" tIns="45700" rIns="91425" bIns="45700" anchor="ctr" anchorCtr="0"/>
           <a:lstStyle>
             <a:lvl1pPr lvl="0" algn="l">
               <a:spcBef>
@@ -9999,15 +10297,19 @@
               <a:defRPr/>
             </a:lvl9pPr>
           </a:lstStyle>
-          <a:p/>
+          <a:p>
+            <a:endParaRPr/>
+          </a:p>
         </p:txBody>
       </p:sp>
       <p:sp>
         <p:nvSpPr>
           <p:cNvPr id="70" name="Google Shape;70;p10"/>
-          <p:cNvSpPr txBox="1"/>
+          <p:cNvSpPr txBox="1">
+            <a:spLocks noGrp="1"/>
+          </p:cNvSpPr>
           <p:nvPr>
-            <p:ph idx="11" type="ftr"/>
+            <p:ph type="ftr" idx="11"/>
           </p:nvPr>
         </p:nvSpPr>
         <p:spPr>
@@ -10024,7 +10326,7 @@
           </a:ln>
         </p:spPr>
         <p:txBody>
-          <a:bodyPr anchorCtr="0" anchor="ctr" bIns="45700" lIns="91425" spcFirstLastPara="1" rIns="91425" wrap="square" tIns="45700"/>
+          <a:bodyPr spcFirstLastPara="1" wrap="square" lIns="91425" tIns="45700" rIns="91425" bIns="45700" anchor="ctr" anchorCtr="0"/>
           <a:lstStyle>
             <a:lvl1pPr lvl="0" algn="ctr">
               <a:spcBef>
@@ -10126,15 +10428,19 @@
               <a:defRPr/>
             </a:lvl9pPr>
           </a:lstStyle>
-          <a:p/>
+          <a:p>
+            <a:endParaRPr/>
+          </a:p>
         </p:txBody>
       </p:sp>
       <p:sp>
         <p:nvSpPr>
           <p:cNvPr id="71" name="Google Shape;71;p10"/>
-          <p:cNvSpPr txBox="1"/>
+          <p:cNvSpPr txBox="1">
+            <a:spLocks noGrp="1"/>
+          </p:cNvSpPr>
           <p:nvPr>
-            <p:ph idx="12" type="sldNum"/>
+            <p:ph type="sldNum" idx="12"/>
           </p:nvPr>
         </p:nvSpPr>
         <p:spPr>
@@ -10151,67 +10457,67 @@
           </a:ln>
         </p:spPr>
         <p:txBody>
-          <a:bodyPr anchorCtr="0" anchor="ctr" bIns="45700" lIns="91425" spcFirstLastPara="1" rIns="91425" wrap="square" tIns="45700">
+          <a:bodyPr spcFirstLastPara="1" wrap="square" lIns="91425" tIns="45700" rIns="91425" bIns="45700" anchor="ctr" anchorCtr="0">
             <a:noAutofit/>
           </a:bodyPr>
           <a:lstStyle>
-            <a:lvl1pPr indent="0" lvl="0" marL="0" algn="r">
+            <a:lvl1pPr marL="0" lvl="0" indent="0" algn="r">
               <a:spcBef>
                 <a:spcPts val="0"/>
               </a:spcBef>
               <a:buNone/>
               <a:defRPr/>
             </a:lvl1pPr>
-            <a:lvl2pPr indent="0" lvl="1" marL="0" algn="r">
+            <a:lvl2pPr marL="0" lvl="1" indent="0" algn="r">
               <a:spcBef>
                 <a:spcPts val="0"/>
               </a:spcBef>
               <a:buNone/>
               <a:defRPr/>
             </a:lvl2pPr>
-            <a:lvl3pPr indent="0" lvl="2" marL="0" algn="r">
+            <a:lvl3pPr marL="0" lvl="2" indent="0" algn="r">
               <a:spcBef>
                 <a:spcPts val="0"/>
               </a:spcBef>
               <a:buNone/>
               <a:defRPr/>
             </a:lvl3pPr>
-            <a:lvl4pPr indent="0" lvl="3" marL="0" algn="r">
+            <a:lvl4pPr marL="0" lvl="3" indent="0" algn="r">
               <a:spcBef>
                 <a:spcPts val="0"/>
               </a:spcBef>
               <a:buNone/>
               <a:defRPr/>
             </a:lvl4pPr>
-            <a:lvl5pPr indent="0" lvl="4" marL="0" algn="r">
+            <a:lvl5pPr marL="0" lvl="4" indent="0" algn="r">
               <a:spcBef>
                 <a:spcPts val="0"/>
               </a:spcBef>
               <a:buNone/>
               <a:defRPr/>
             </a:lvl5pPr>
-            <a:lvl6pPr indent="0" lvl="5" marL="0" algn="r">
+            <a:lvl6pPr marL="0" lvl="5" indent="0" algn="r">
               <a:spcBef>
                 <a:spcPts val="0"/>
               </a:spcBef>
               <a:buNone/>
               <a:defRPr/>
             </a:lvl6pPr>
-            <a:lvl7pPr indent="0" lvl="6" marL="0" algn="r">
+            <a:lvl7pPr marL="0" lvl="6" indent="0" algn="r">
               <a:spcBef>
                 <a:spcPts val="0"/>
               </a:spcBef>
               <a:buNone/>
               <a:defRPr/>
             </a:lvl7pPr>
-            <a:lvl8pPr indent="0" lvl="7" marL="0" algn="r">
+            <a:lvl8pPr marL="0" lvl="7" indent="0" algn="r">
               <a:spcBef>
                 <a:spcPts val="0"/>
               </a:spcBef>
               <a:buNone/>
               <a:defRPr/>
             </a:lvl8pPr>
-            <a:lvl9pPr indent="0" lvl="8" marL="0" algn="r">
+            <a:lvl9pPr marL="0" lvl="8" indent="0" algn="r">
               <a:spcBef>
                 <a:spcPts val="0"/>
               </a:spcBef>
@@ -10220,7 +10526,7 @@
             </a:lvl9pPr>
           </a:lstStyle>
           <a:p>
-            <a:pPr indent="0" lvl="0" marL="0" rtl="0" algn="r">
+            <a:pPr marL="0" lvl="0" indent="0" algn="r" rtl="0">
               <a:spcBef>
                 <a:spcPts val="0"/>
               </a:spcBef>
@@ -10246,18 +10552,19 @@
 </file>
 
 <file path=ppt/slideMasters/slideMaster1.xml><?xml version="1.0" encoding="utf-8"?>
-<p:sldMaster xmlns:a="http://schemas.openxmlformats.org/drawingml/2006/main" xmlns:r="http://schemas.openxmlformats.org/officeDocument/2006/relationships" xmlns:mc="http://schemas.openxmlformats.org/markup-compatibility/2006" xmlns:mv="urn:schemas-microsoft-com:mac:vml" xmlns:p="http://schemas.openxmlformats.org/presentationml/2006/main" xmlns:c="http://schemas.openxmlformats.org/drawingml/2006/chart" xmlns:dgm="http://schemas.openxmlformats.org/drawingml/2006/diagram" xmlns:o="urn:schemas-microsoft-com:office:office" xmlns:v="urn:schemas-microsoft-com:vml" xmlns:pvml="urn:schemas-microsoft-com:office:powerpoint" xmlns:com="http://schemas.openxmlformats.org/drawingml/2006/compatibility" xmlns:p14="http://schemas.microsoft.com/office/powerpoint/2010/main" xmlns:p15="http://schemas.microsoft.com/office/powerpoint/2012/main">
+<p:sldMaster xmlns:a="http://schemas.openxmlformats.org/drawingml/2006/main" xmlns:r="http://schemas.openxmlformats.org/officeDocument/2006/relationships" xmlns:p="http://schemas.openxmlformats.org/presentationml/2006/main">
   <p:cSld>
     <p:bg>
       <p:bgPr>
         <a:solidFill>
           <a:schemeClr val="lt1"/>
         </a:solidFill>
+        <a:effectLst/>
       </p:bgPr>
     </p:bg>
     <p:spTree>
       <p:nvGrpSpPr>
-        <p:cNvPr id="9" name="Shape 9"/>
+        <p:cNvPr id="1" name="Shape 9"/>
         <p:cNvGrpSpPr/>
         <p:nvPr/>
       </p:nvGrpSpPr>
@@ -10272,7 +10579,9 @@
       <p:sp>
         <p:nvSpPr>
           <p:cNvPr id="10" name="Google Shape;10;p1"/>
-          <p:cNvSpPr txBox="1"/>
+          <p:cNvSpPr txBox="1">
+            <a:spLocks noGrp="1"/>
+          </p:cNvSpPr>
           <p:nvPr>
             <p:ph type="title"/>
           </p:nvPr>
@@ -10291,9 +10600,9 @@
           </a:ln>
         </p:spPr>
         <p:txBody>
-          <a:bodyPr anchorCtr="0" anchor="ctr" bIns="45700" lIns="91425" spcFirstLastPara="1" rIns="91425" wrap="square" tIns="45700"/>
+          <a:bodyPr spcFirstLastPara="1" wrap="square" lIns="91425" tIns="45700" rIns="91425" bIns="45700" anchor="ctr" anchorCtr="0"/>
           <a:lstStyle>
-            <a:lvl1pPr lvl="0" marR="0" rtl="0" algn="l">
+            <a:lvl1pPr marR="0" lvl="0" algn="l" rtl="0">
               <a:lnSpc>
                 <a:spcPct val="90000"/>
               </a:lnSpc>
@@ -10309,7 +10618,7 @@
               <a:buSzPts val="4400"/>
               <a:buFont typeface="Calibri"/>
               <a:buNone/>
-              <a:defRPr b="0" i="0" sz="4400" u="none" cap="none" strike="noStrike">
+              <a:defRPr sz="4400" b="0" i="0" u="none" strike="noStrike" cap="none">
                 <a:solidFill>
                   <a:schemeClr val="dk1"/>
                 </a:solidFill>
@@ -10408,15 +10717,19 @@
               <a:defRPr sz="1800"/>
             </a:lvl9pPr>
           </a:lstStyle>
-          <a:p/>
+          <a:p>
+            <a:endParaRPr/>
+          </a:p>
         </p:txBody>
       </p:sp>
       <p:sp>
         <p:nvSpPr>
           <p:cNvPr id="11" name="Google Shape;11;p1"/>
-          <p:cNvSpPr txBox="1"/>
+          <p:cNvSpPr txBox="1">
+            <a:spLocks noGrp="1"/>
+          </p:cNvSpPr>
           <p:nvPr>
-            <p:ph idx="1" type="body"/>
+            <p:ph type="body" idx="1"/>
           </p:nvPr>
         </p:nvSpPr>
         <p:spPr>
@@ -10433,9 +10746,9 @@
           </a:ln>
         </p:spPr>
         <p:txBody>
-          <a:bodyPr anchorCtr="0" anchor="t" bIns="45700" lIns="91425" spcFirstLastPara="1" rIns="91425" wrap="square" tIns="45700"/>
+          <a:bodyPr spcFirstLastPara="1" wrap="square" lIns="91425" tIns="45700" rIns="91425" bIns="45700" anchor="t" anchorCtr="0"/>
           <a:lstStyle>
-            <a:lvl1pPr indent="-406400" lvl="0" marL="457200" marR="0" rtl="0" algn="l">
+            <a:lvl1pPr marL="457200" marR="0" lvl="0" indent="-406400" algn="l" rtl="0">
               <a:lnSpc>
                 <a:spcPct val="90000"/>
               </a:lnSpc>
@@ -10451,7 +10764,7 @@
               <a:buSzPts val="2800"/>
               <a:buFont typeface="Arial"/>
               <a:buChar char="•"/>
-              <a:defRPr b="0" i="0" sz="2800" u="none" cap="none" strike="noStrike">
+              <a:defRPr sz="2800" b="0" i="0" u="none" strike="noStrike" cap="none">
                 <a:solidFill>
                   <a:schemeClr val="dk1"/>
                 </a:solidFill>
@@ -10461,7 +10774,7 @@
                 <a:sym typeface="Calibri"/>
               </a:defRPr>
             </a:lvl1pPr>
-            <a:lvl2pPr indent="-381000" lvl="1" marL="914400" marR="0" rtl="0" algn="l">
+            <a:lvl2pPr marL="914400" marR="0" lvl="1" indent="-381000" algn="l" rtl="0">
               <a:lnSpc>
                 <a:spcPct val="90000"/>
               </a:lnSpc>
@@ -10477,7 +10790,7 @@
               <a:buSzPts val="2400"/>
               <a:buFont typeface="Arial"/>
               <a:buChar char="•"/>
-              <a:defRPr b="0" i="0" sz="2400" u="none" cap="none" strike="noStrike">
+              <a:defRPr sz="2400" b="0" i="0" u="none" strike="noStrike" cap="none">
                 <a:solidFill>
                   <a:schemeClr val="dk1"/>
                 </a:solidFill>
@@ -10487,7 +10800,7 @@
                 <a:sym typeface="Calibri"/>
               </a:defRPr>
             </a:lvl2pPr>
-            <a:lvl3pPr indent="-355600" lvl="2" marL="1371600" marR="0" rtl="0" algn="l">
+            <a:lvl3pPr marL="1371600" marR="0" lvl="2" indent="-355600" algn="l" rtl="0">
               <a:lnSpc>
                 <a:spcPct val="90000"/>
               </a:lnSpc>
@@ -10503,7 +10816,7 @@
               <a:buSzPts val="2000"/>
               <a:buFont typeface="Arial"/>
               <a:buChar char="•"/>
-              <a:defRPr b="0" i="0" sz="2000" u="none" cap="none" strike="noStrike">
+              <a:defRPr sz="2000" b="0" i="0" u="none" strike="noStrike" cap="none">
                 <a:solidFill>
                   <a:schemeClr val="dk1"/>
                 </a:solidFill>
@@ -10513,7 +10826,7 @@
                 <a:sym typeface="Calibri"/>
               </a:defRPr>
             </a:lvl3pPr>
-            <a:lvl4pPr indent="-342900" lvl="3" marL="1828800" marR="0" rtl="0" algn="l">
+            <a:lvl4pPr marL="1828800" marR="0" lvl="3" indent="-342900" algn="l" rtl="0">
               <a:lnSpc>
                 <a:spcPct val="90000"/>
               </a:lnSpc>
@@ -10529,7 +10842,7 @@
               <a:buSzPts val="1800"/>
               <a:buFont typeface="Arial"/>
               <a:buChar char="•"/>
-              <a:defRPr b="0" i="0" sz="1800" u="none" cap="none" strike="noStrike">
+              <a:defRPr sz="1800" b="0" i="0" u="none" strike="noStrike" cap="none">
                 <a:solidFill>
                   <a:schemeClr val="dk1"/>
                 </a:solidFill>
@@ -10539,7 +10852,7 @@
                 <a:sym typeface="Calibri"/>
               </a:defRPr>
             </a:lvl4pPr>
-            <a:lvl5pPr indent="-342900" lvl="4" marL="2286000" marR="0" rtl="0" algn="l">
+            <a:lvl5pPr marL="2286000" marR="0" lvl="4" indent="-342900" algn="l" rtl="0">
               <a:lnSpc>
                 <a:spcPct val="90000"/>
               </a:lnSpc>
@@ -10555,7 +10868,7 @@
               <a:buSzPts val="1800"/>
               <a:buFont typeface="Arial"/>
               <a:buChar char="•"/>
-              <a:defRPr b="0" i="0" sz="1800" u="none" cap="none" strike="noStrike">
+              <a:defRPr sz="1800" b="0" i="0" u="none" strike="noStrike" cap="none">
                 <a:solidFill>
                   <a:schemeClr val="dk1"/>
                 </a:solidFill>
@@ -10565,7 +10878,7 @@
                 <a:sym typeface="Calibri"/>
               </a:defRPr>
             </a:lvl5pPr>
-            <a:lvl6pPr indent="-342900" lvl="5" marL="2743200" marR="0" rtl="0" algn="l">
+            <a:lvl6pPr marL="2743200" marR="0" lvl="5" indent="-342900" algn="l" rtl="0">
               <a:lnSpc>
                 <a:spcPct val="90000"/>
               </a:lnSpc>
@@ -10581,7 +10894,7 @@
               <a:buSzPts val="1800"/>
               <a:buFont typeface="Arial"/>
               <a:buChar char="•"/>
-              <a:defRPr b="0" i="0" sz="1800" u="none" cap="none" strike="noStrike">
+              <a:defRPr sz="1800" b="0" i="0" u="none" strike="noStrike" cap="none">
                 <a:solidFill>
                   <a:schemeClr val="dk1"/>
                 </a:solidFill>
@@ -10591,7 +10904,7 @@
                 <a:sym typeface="Calibri"/>
               </a:defRPr>
             </a:lvl6pPr>
-            <a:lvl7pPr indent="-342900" lvl="6" marL="3200400" marR="0" rtl="0" algn="l">
+            <a:lvl7pPr marL="3200400" marR="0" lvl="6" indent="-342900" algn="l" rtl="0">
               <a:lnSpc>
                 <a:spcPct val="90000"/>
               </a:lnSpc>
@@ -10607,7 +10920,7 @@
               <a:buSzPts val="1800"/>
               <a:buFont typeface="Arial"/>
               <a:buChar char="•"/>
-              <a:defRPr b="0" i="0" sz="1800" u="none" cap="none" strike="noStrike">
+              <a:defRPr sz="1800" b="0" i="0" u="none" strike="noStrike" cap="none">
                 <a:solidFill>
                   <a:schemeClr val="dk1"/>
                 </a:solidFill>
@@ -10617,7 +10930,7 @@
                 <a:sym typeface="Calibri"/>
               </a:defRPr>
             </a:lvl7pPr>
-            <a:lvl8pPr indent="-342900" lvl="7" marL="3657600" marR="0" rtl="0" algn="l">
+            <a:lvl8pPr marL="3657600" marR="0" lvl="7" indent="-342900" algn="l" rtl="0">
               <a:lnSpc>
                 <a:spcPct val="90000"/>
               </a:lnSpc>
@@ -10633,7 +10946,7 @@
               <a:buSzPts val="1800"/>
               <a:buFont typeface="Arial"/>
               <a:buChar char="•"/>
-              <a:defRPr b="0" i="0" sz="1800" u="none" cap="none" strike="noStrike">
+              <a:defRPr sz="1800" b="0" i="0" u="none" strike="noStrike" cap="none">
                 <a:solidFill>
                   <a:schemeClr val="dk1"/>
                 </a:solidFill>
@@ -10643,7 +10956,7 @@
                 <a:sym typeface="Calibri"/>
               </a:defRPr>
             </a:lvl8pPr>
-            <a:lvl9pPr indent="-342900" lvl="8" marL="4114800" marR="0" rtl="0" algn="l">
+            <a:lvl9pPr marL="4114800" marR="0" lvl="8" indent="-342900" algn="l" rtl="0">
               <a:lnSpc>
                 <a:spcPct val="90000"/>
               </a:lnSpc>
@@ -10659,7 +10972,7 @@
               <a:buSzPts val="1800"/>
               <a:buFont typeface="Arial"/>
               <a:buChar char="•"/>
-              <a:defRPr b="0" i="0" sz="1800" u="none" cap="none" strike="noStrike">
+              <a:defRPr sz="1800" b="0" i="0" u="none" strike="noStrike" cap="none">
                 <a:solidFill>
                   <a:schemeClr val="dk1"/>
                 </a:solidFill>
@@ -10670,15 +10983,19 @@
               </a:defRPr>
             </a:lvl9pPr>
           </a:lstStyle>
-          <a:p/>
+          <a:p>
+            <a:endParaRPr/>
+          </a:p>
         </p:txBody>
       </p:sp>
       <p:sp>
         <p:nvSpPr>
           <p:cNvPr id="12" name="Google Shape;12;p1"/>
-          <p:cNvSpPr txBox="1"/>
+          <p:cNvSpPr txBox="1">
+            <a:spLocks noGrp="1"/>
+          </p:cNvSpPr>
           <p:nvPr>
-            <p:ph idx="10" type="dt"/>
+            <p:ph type="dt" idx="10"/>
           </p:nvPr>
         </p:nvSpPr>
         <p:spPr>
@@ -10695,18 +11012,18 @@
           </a:ln>
         </p:spPr>
         <p:txBody>
-          <a:bodyPr anchorCtr="0" anchor="ctr" bIns="45700" lIns="91425" spcFirstLastPara="1" rIns="91425" wrap="square" tIns="45700"/>
+          <a:bodyPr spcFirstLastPara="1" wrap="square" lIns="91425" tIns="45700" rIns="91425" bIns="45700" anchor="ctr" anchorCtr="0"/>
           <a:lstStyle>
-            <a:lvl1pPr lvl="0" marR="0" rtl="0" algn="l">
-              <a:spcBef>
-                <a:spcPts val="0"/>
-              </a:spcBef>
-              <a:spcAft>
-                <a:spcPts val="0"/>
-              </a:spcAft>
-              <a:buSzPts val="1400"/>
-              <a:buNone/>
-              <a:defRPr b="0" i="0" sz="1200" u="none" cap="none" strike="noStrike">
+            <a:lvl1pPr marR="0" lvl="0" algn="l" rtl="0">
+              <a:spcBef>
+                <a:spcPts val="0"/>
+              </a:spcBef>
+              <a:spcAft>
+                <a:spcPts val="0"/>
+              </a:spcAft>
+              <a:buSzPts val="1400"/>
+              <a:buNone/>
+              <a:defRPr sz="1200" b="0" i="0" u="none" strike="noStrike" cap="none">
                 <a:solidFill>
                   <a:srgbClr val="888888"/>
                 </a:solidFill>
@@ -10716,16 +11033,16 @@
                 <a:sym typeface="Calibri"/>
               </a:defRPr>
             </a:lvl1pPr>
-            <a:lvl2pPr lvl="1" marR="0" rtl="0" algn="l">
-              <a:spcBef>
-                <a:spcPts val="0"/>
-              </a:spcBef>
-              <a:spcAft>
-                <a:spcPts val="0"/>
-              </a:spcAft>
-              <a:buSzPts val="1400"/>
-              <a:buNone/>
-              <a:defRPr b="0" i="0" sz="1800" u="none" cap="none" strike="noStrike">
+            <a:lvl2pPr marR="0" lvl="1" algn="l" rtl="0">
+              <a:spcBef>
+                <a:spcPts val="0"/>
+              </a:spcBef>
+              <a:spcAft>
+                <a:spcPts val="0"/>
+              </a:spcAft>
+              <a:buSzPts val="1400"/>
+              <a:buNone/>
+              <a:defRPr sz="1800" b="0" i="0" u="none" strike="noStrike" cap="none">
                 <a:solidFill>
                   <a:schemeClr val="dk1"/>
                 </a:solidFill>
@@ -10735,16 +11052,16 @@
                 <a:sym typeface="Calibri"/>
               </a:defRPr>
             </a:lvl2pPr>
-            <a:lvl3pPr lvl="2" marR="0" rtl="0" algn="l">
-              <a:spcBef>
-                <a:spcPts val="0"/>
-              </a:spcBef>
-              <a:spcAft>
-                <a:spcPts val="0"/>
-              </a:spcAft>
-              <a:buSzPts val="1400"/>
-              <a:buNone/>
-              <a:defRPr b="0" i="0" sz="1800" u="none" cap="none" strike="noStrike">
+            <a:lvl3pPr marR="0" lvl="2" algn="l" rtl="0">
+              <a:spcBef>
+                <a:spcPts val="0"/>
+              </a:spcBef>
+              <a:spcAft>
+                <a:spcPts val="0"/>
+              </a:spcAft>
+              <a:buSzPts val="1400"/>
+              <a:buNone/>
+              <a:defRPr sz="1800" b="0" i="0" u="none" strike="noStrike" cap="none">
                 <a:solidFill>
                   <a:schemeClr val="dk1"/>
                 </a:solidFill>
@@ -10754,16 +11071,16 @@
                 <a:sym typeface="Calibri"/>
               </a:defRPr>
             </a:lvl3pPr>
-            <a:lvl4pPr lvl="3" marR="0" rtl="0" algn="l">
-              <a:spcBef>
-                <a:spcPts val="0"/>
-              </a:spcBef>
-              <a:spcAft>
-                <a:spcPts val="0"/>
-              </a:spcAft>
-              <a:buSzPts val="1400"/>
-              <a:buNone/>
-              <a:defRPr b="0" i="0" sz="1800" u="none" cap="none" strike="noStrike">
+            <a:lvl4pPr marR="0" lvl="3" algn="l" rtl="0">
+              <a:spcBef>
+                <a:spcPts val="0"/>
+              </a:spcBef>
+              <a:spcAft>
+                <a:spcPts val="0"/>
+              </a:spcAft>
+              <a:buSzPts val="1400"/>
+              <a:buNone/>
+              <a:defRPr sz="1800" b="0" i="0" u="none" strike="noStrike" cap="none">
                 <a:solidFill>
                   <a:schemeClr val="dk1"/>
                 </a:solidFill>
@@ -10773,16 +11090,16 @@
                 <a:sym typeface="Calibri"/>
               </a:defRPr>
             </a:lvl4pPr>
-            <a:lvl5pPr lvl="4" marR="0" rtl="0" algn="l">
-              <a:spcBef>
-                <a:spcPts val="0"/>
-              </a:spcBef>
-              <a:spcAft>
-                <a:spcPts val="0"/>
-              </a:spcAft>
-              <a:buSzPts val="1400"/>
-              <a:buNone/>
-              <a:defRPr b="0" i="0" sz="1800" u="none" cap="none" strike="noStrike">
+            <a:lvl5pPr marR="0" lvl="4" algn="l" rtl="0">
+              <a:spcBef>
+                <a:spcPts val="0"/>
+              </a:spcBef>
+              <a:spcAft>
+                <a:spcPts val="0"/>
+              </a:spcAft>
+              <a:buSzPts val="1400"/>
+              <a:buNone/>
+              <a:defRPr sz="1800" b="0" i="0" u="none" strike="noStrike" cap="none">
                 <a:solidFill>
                   <a:schemeClr val="dk1"/>
                 </a:solidFill>
@@ -10792,16 +11109,16 @@
                 <a:sym typeface="Calibri"/>
               </a:defRPr>
             </a:lvl5pPr>
-            <a:lvl6pPr lvl="5" marR="0" rtl="0" algn="l">
-              <a:spcBef>
-                <a:spcPts val="0"/>
-              </a:spcBef>
-              <a:spcAft>
-                <a:spcPts val="0"/>
-              </a:spcAft>
-              <a:buSzPts val="1400"/>
-              <a:buNone/>
-              <a:defRPr b="0" i="0" sz="1800" u="none" cap="none" strike="noStrike">
+            <a:lvl6pPr marR="0" lvl="5" algn="l" rtl="0">
+              <a:spcBef>
+                <a:spcPts val="0"/>
+              </a:spcBef>
+              <a:spcAft>
+                <a:spcPts val="0"/>
+              </a:spcAft>
+              <a:buSzPts val="1400"/>
+              <a:buNone/>
+              <a:defRPr sz="1800" b="0" i="0" u="none" strike="noStrike" cap="none">
                 <a:solidFill>
                   <a:schemeClr val="dk1"/>
                 </a:solidFill>
@@ -10811,16 +11128,16 @@
                 <a:sym typeface="Calibri"/>
               </a:defRPr>
             </a:lvl6pPr>
-            <a:lvl7pPr lvl="6" marR="0" rtl="0" algn="l">
-              <a:spcBef>
-                <a:spcPts val="0"/>
-              </a:spcBef>
-              <a:spcAft>
-                <a:spcPts val="0"/>
-              </a:spcAft>
-              <a:buSzPts val="1400"/>
-              <a:buNone/>
-              <a:defRPr b="0" i="0" sz="1800" u="none" cap="none" strike="noStrike">
+            <a:lvl7pPr marR="0" lvl="6" algn="l" rtl="0">
+              <a:spcBef>
+                <a:spcPts val="0"/>
+              </a:spcBef>
+              <a:spcAft>
+                <a:spcPts val="0"/>
+              </a:spcAft>
+              <a:buSzPts val="1400"/>
+              <a:buNone/>
+              <a:defRPr sz="1800" b="0" i="0" u="none" strike="noStrike" cap="none">
                 <a:solidFill>
                   <a:schemeClr val="dk1"/>
                 </a:solidFill>
@@ -10830,16 +11147,16 @@
                 <a:sym typeface="Calibri"/>
               </a:defRPr>
             </a:lvl7pPr>
-            <a:lvl8pPr lvl="7" marR="0" rtl="0" algn="l">
-              <a:spcBef>
-                <a:spcPts val="0"/>
-              </a:spcBef>
-              <a:spcAft>
-                <a:spcPts val="0"/>
-              </a:spcAft>
-              <a:buSzPts val="1400"/>
-              <a:buNone/>
-              <a:defRPr b="0" i="0" sz="1800" u="none" cap="none" strike="noStrike">
+            <a:lvl8pPr marR="0" lvl="7" algn="l" rtl="0">
+              <a:spcBef>
+                <a:spcPts val="0"/>
+              </a:spcBef>
+              <a:spcAft>
+                <a:spcPts val="0"/>
+              </a:spcAft>
+              <a:buSzPts val="1400"/>
+              <a:buNone/>
+              <a:defRPr sz="1800" b="0" i="0" u="none" strike="noStrike" cap="none">
                 <a:solidFill>
                   <a:schemeClr val="dk1"/>
                 </a:solidFill>
@@ -10849,16 +11166,16 @@
                 <a:sym typeface="Calibri"/>
               </a:defRPr>
             </a:lvl8pPr>
-            <a:lvl9pPr lvl="8" marR="0" rtl="0" algn="l">
-              <a:spcBef>
-                <a:spcPts val="0"/>
-              </a:spcBef>
-              <a:spcAft>
-                <a:spcPts val="0"/>
-              </a:spcAft>
-              <a:buSzPts val="1400"/>
-              <a:buNone/>
-              <a:defRPr b="0" i="0" sz="1800" u="none" cap="none" strike="noStrike">
+            <a:lvl9pPr marR="0" lvl="8" algn="l" rtl="0">
+              <a:spcBef>
+                <a:spcPts val="0"/>
+              </a:spcBef>
+              <a:spcAft>
+                <a:spcPts val="0"/>
+              </a:spcAft>
+              <a:buSzPts val="1400"/>
+              <a:buNone/>
+              <a:defRPr sz="1800" b="0" i="0" u="none" strike="noStrike" cap="none">
                 <a:solidFill>
                   <a:schemeClr val="dk1"/>
                 </a:solidFill>
@@ -10869,15 +11186,19 @@
               </a:defRPr>
             </a:lvl9pPr>
           </a:lstStyle>
-          <a:p/>
+          <a:p>
+            <a:endParaRPr/>
+          </a:p>
         </p:txBody>
       </p:sp>
       <p:sp>
         <p:nvSpPr>
           <p:cNvPr id="13" name="Google Shape;13;p1"/>
-          <p:cNvSpPr txBox="1"/>
+          <p:cNvSpPr txBox="1">
+            <a:spLocks noGrp="1"/>
+          </p:cNvSpPr>
           <p:nvPr>
-            <p:ph idx="11" type="ftr"/>
+            <p:ph type="ftr" idx="11"/>
           </p:nvPr>
         </p:nvSpPr>
         <p:spPr>
@@ -10894,18 +11215,18 @@
           </a:ln>
         </p:spPr>
         <p:txBody>
-          <a:bodyPr anchorCtr="0" anchor="ctr" bIns="45700" lIns="91425" spcFirstLastPara="1" rIns="91425" wrap="square" tIns="45700"/>
+          <a:bodyPr spcFirstLastPara="1" wrap="square" lIns="91425" tIns="45700" rIns="91425" bIns="45700" anchor="ctr" anchorCtr="0"/>
           <a:lstStyle>
-            <a:lvl1pPr lvl="0" marR="0" rtl="0" algn="ctr">
-              <a:spcBef>
-                <a:spcPts val="0"/>
-              </a:spcBef>
-              <a:spcAft>
-                <a:spcPts val="0"/>
-              </a:spcAft>
-              <a:buSzPts val="1400"/>
-              <a:buNone/>
-              <a:defRPr b="0" i="0" sz="1200" u="none" cap="none" strike="noStrike">
+            <a:lvl1pPr marR="0" lvl="0" algn="ctr" rtl="0">
+              <a:spcBef>
+                <a:spcPts val="0"/>
+              </a:spcBef>
+              <a:spcAft>
+                <a:spcPts val="0"/>
+              </a:spcAft>
+              <a:buSzPts val="1400"/>
+              <a:buNone/>
+              <a:defRPr sz="1200" b="0" i="0" u="none" strike="noStrike" cap="none">
                 <a:solidFill>
                   <a:srgbClr val="888888"/>
                 </a:solidFill>
@@ -10915,16 +11236,16 @@
                 <a:sym typeface="Calibri"/>
               </a:defRPr>
             </a:lvl1pPr>
-            <a:lvl2pPr lvl="1" marR="0" rtl="0" algn="l">
-              <a:spcBef>
-                <a:spcPts val="0"/>
-              </a:spcBef>
-              <a:spcAft>
-                <a:spcPts val="0"/>
-              </a:spcAft>
-              <a:buSzPts val="1400"/>
-              <a:buNone/>
-              <a:defRPr b="0" i="0" sz="1800" u="none" cap="none" strike="noStrike">
+            <a:lvl2pPr marR="0" lvl="1" algn="l" rtl="0">
+              <a:spcBef>
+                <a:spcPts val="0"/>
+              </a:spcBef>
+              <a:spcAft>
+                <a:spcPts val="0"/>
+              </a:spcAft>
+              <a:buSzPts val="1400"/>
+              <a:buNone/>
+              <a:defRPr sz="1800" b="0" i="0" u="none" strike="noStrike" cap="none">
                 <a:solidFill>
                   <a:schemeClr val="dk1"/>
                 </a:solidFill>
@@ -10934,16 +11255,16 @@
                 <a:sym typeface="Calibri"/>
               </a:defRPr>
             </a:lvl2pPr>
-            <a:lvl3pPr lvl="2" marR="0" rtl="0" algn="l">
-              <a:spcBef>
-                <a:spcPts val="0"/>
-              </a:spcBef>
-              <a:spcAft>
-                <a:spcPts val="0"/>
-              </a:spcAft>
-              <a:buSzPts val="1400"/>
-              <a:buNone/>
-              <a:defRPr b="0" i="0" sz="1800" u="none" cap="none" strike="noStrike">
+            <a:lvl3pPr marR="0" lvl="2" algn="l" rtl="0">
+              <a:spcBef>
+                <a:spcPts val="0"/>
+              </a:spcBef>
+              <a:spcAft>
+                <a:spcPts val="0"/>
+              </a:spcAft>
+              <a:buSzPts val="1400"/>
+              <a:buNone/>
+              <a:defRPr sz="1800" b="0" i="0" u="none" strike="noStrike" cap="none">
                 <a:solidFill>
                   <a:schemeClr val="dk1"/>
                 </a:solidFill>
@@ -10953,16 +11274,16 @@
                 <a:sym typeface="Calibri"/>
               </a:defRPr>
             </a:lvl3pPr>
-            <a:lvl4pPr lvl="3" marR="0" rtl="0" algn="l">
-              <a:spcBef>
-                <a:spcPts val="0"/>
-              </a:spcBef>
-              <a:spcAft>
-                <a:spcPts val="0"/>
-              </a:spcAft>
-              <a:buSzPts val="1400"/>
-              <a:buNone/>
-              <a:defRPr b="0" i="0" sz="1800" u="none" cap="none" strike="noStrike">
+            <a:lvl4pPr marR="0" lvl="3" algn="l" rtl="0">
+              <a:spcBef>
+                <a:spcPts val="0"/>
+              </a:spcBef>
+              <a:spcAft>
+                <a:spcPts val="0"/>
+              </a:spcAft>
+              <a:buSzPts val="1400"/>
+              <a:buNone/>
+              <a:defRPr sz="1800" b="0" i="0" u="none" strike="noStrike" cap="none">
                 <a:solidFill>
                   <a:schemeClr val="dk1"/>
                 </a:solidFill>
@@ -10972,16 +11293,16 @@
                 <a:sym typeface="Calibri"/>
               </a:defRPr>
             </a:lvl4pPr>
-            <a:lvl5pPr lvl="4" marR="0" rtl="0" algn="l">
-              <a:spcBef>
-                <a:spcPts val="0"/>
-              </a:spcBef>
-              <a:spcAft>
-                <a:spcPts val="0"/>
-              </a:spcAft>
-              <a:buSzPts val="1400"/>
-              <a:buNone/>
-              <a:defRPr b="0" i="0" sz="1800" u="none" cap="none" strike="noStrike">
+            <a:lvl5pPr marR="0" lvl="4" algn="l" rtl="0">
+              <a:spcBef>
+                <a:spcPts val="0"/>
+              </a:spcBef>
+              <a:spcAft>
+                <a:spcPts val="0"/>
+              </a:spcAft>
+              <a:buSzPts val="1400"/>
+              <a:buNone/>
+              <a:defRPr sz="1800" b="0" i="0" u="none" strike="noStrike" cap="none">
                 <a:solidFill>
                   <a:schemeClr val="dk1"/>
                 </a:solidFill>
@@ -10991,16 +11312,16 @@
                 <a:sym typeface="Calibri"/>
               </a:defRPr>
             </a:lvl5pPr>
-            <a:lvl6pPr lvl="5" marR="0" rtl="0" algn="l">
-              <a:spcBef>
-                <a:spcPts val="0"/>
-              </a:spcBef>
-              <a:spcAft>
-                <a:spcPts val="0"/>
-              </a:spcAft>
-              <a:buSzPts val="1400"/>
-              <a:buNone/>
-              <a:defRPr b="0" i="0" sz="1800" u="none" cap="none" strike="noStrike">
+            <a:lvl6pPr marR="0" lvl="5" algn="l" rtl="0">
+              <a:spcBef>
+                <a:spcPts val="0"/>
+              </a:spcBef>
+              <a:spcAft>
+                <a:spcPts val="0"/>
+              </a:spcAft>
+              <a:buSzPts val="1400"/>
+              <a:buNone/>
+              <a:defRPr sz="1800" b="0" i="0" u="none" strike="noStrike" cap="none">
                 <a:solidFill>
                   <a:schemeClr val="dk1"/>
                 </a:solidFill>
@@ -11010,16 +11331,16 @@
                 <a:sym typeface="Calibri"/>
               </a:defRPr>
             </a:lvl6pPr>
-            <a:lvl7pPr lvl="6" marR="0" rtl="0" algn="l">
-              <a:spcBef>
-                <a:spcPts val="0"/>
-              </a:spcBef>
-              <a:spcAft>
-                <a:spcPts val="0"/>
-              </a:spcAft>
-              <a:buSzPts val="1400"/>
-              <a:buNone/>
-              <a:defRPr b="0" i="0" sz="1800" u="none" cap="none" strike="noStrike">
+            <a:lvl7pPr marR="0" lvl="6" algn="l" rtl="0">
+              <a:spcBef>
+                <a:spcPts val="0"/>
+              </a:spcBef>
+              <a:spcAft>
+                <a:spcPts val="0"/>
+              </a:spcAft>
+              <a:buSzPts val="1400"/>
+              <a:buNone/>
+              <a:defRPr sz="1800" b="0" i="0" u="none" strike="noStrike" cap="none">
                 <a:solidFill>
                   <a:schemeClr val="dk1"/>
                 </a:solidFill>
@@ -11029,16 +11350,16 @@
                 <a:sym typeface="Calibri"/>
               </a:defRPr>
             </a:lvl7pPr>
-            <a:lvl8pPr lvl="7" marR="0" rtl="0" algn="l">
-              <a:spcBef>
-                <a:spcPts val="0"/>
-              </a:spcBef>
-              <a:spcAft>
-                <a:spcPts val="0"/>
-              </a:spcAft>
-              <a:buSzPts val="1400"/>
-              <a:buNone/>
-              <a:defRPr b="0" i="0" sz="1800" u="none" cap="none" strike="noStrike">
+            <a:lvl8pPr marR="0" lvl="7" algn="l" rtl="0">
+              <a:spcBef>
+                <a:spcPts val="0"/>
+              </a:spcBef>
+              <a:spcAft>
+                <a:spcPts val="0"/>
+              </a:spcAft>
+              <a:buSzPts val="1400"/>
+              <a:buNone/>
+              <a:defRPr sz="1800" b="0" i="0" u="none" strike="noStrike" cap="none">
                 <a:solidFill>
                   <a:schemeClr val="dk1"/>
                 </a:solidFill>
@@ -11048,16 +11369,16 @@
                 <a:sym typeface="Calibri"/>
               </a:defRPr>
             </a:lvl8pPr>
-            <a:lvl9pPr lvl="8" marR="0" rtl="0" algn="l">
-              <a:spcBef>
-                <a:spcPts val="0"/>
-              </a:spcBef>
-              <a:spcAft>
-                <a:spcPts val="0"/>
-              </a:spcAft>
-              <a:buSzPts val="1400"/>
-              <a:buNone/>
-              <a:defRPr b="0" i="0" sz="1800" u="none" cap="none" strike="noStrike">
+            <a:lvl9pPr marR="0" lvl="8" algn="l" rtl="0">
+              <a:spcBef>
+                <a:spcPts val="0"/>
+              </a:spcBef>
+              <a:spcAft>
+                <a:spcPts val="0"/>
+              </a:spcAft>
+              <a:buSzPts val="1400"/>
+              <a:buNone/>
+              <a:defRPr sz="1800" b="0" i="0" u="none" strike="noStrike" cap="none">
                 <a:solidFill>
                   <a:schemeClr val="dk1"/>
                 </a:solidFill>
@@ -11068,15 +11389,19 @@
               </a:defRPr>
             </a:lvl9pPr>
           </a:lstStyle>
-          <a:p/>
+          <a:p>
+            <a:endParaRPr/>
+          </a:p>
         </p:txBody>
       </p:sp>
       <p:sp>
         <p:nvSpPr>
           <p:cNvPr id="14" name="Google Shape;14;p1"/>
-          <p:cNvSpPr txBox="1"/>
+          <p:cNvSpPr txBox="1">
+            <a:spLocks noGrp="1"/>
+          </p:cNvSpPr>
           <p:nvPr>
-            <p:ph idx="12" type="sldNum"/>
+            <p:ph type="sldNum" idx="12"/>
           </p:nvPr>
         </p:nvSpPr>
         <p:spPr>
@@ -11093,16 +11418,16 @@
           </a:ln>
         </p:spPr>
         <p:txBody>
-          <a:bodyPr anchorCtr="0" anchor="ctr" bIns="45700" lIns="91425" spcFirstLastPara="1" rIns="91425" wrap="square" tIns="45700">
+          <a:bodyPr spcFirstLastPara="1" wrap="square" lIns="91425" tIns="45700" rIns="91425" bIns="45700" anchor="ctr" anchorCtr="0">
             <a:noAutofit/>
           </a:bodyPr>
           <a:lstStyle>
-            <a:lvl1pPr indent="0" lvl="0" marL="0" marR="0" rtl="0" algn="r">
-              <a:spcBef>
-                <a:spcPts val="0"/>
-              </a:spcBef>
-              <a:buNone/>
-              <a:defRPr b="0" i="0" sz="1200" u="none" cap="none" strike="noStrike">
+            <a:lvl1pPr marL="0" marR="0" lvl="0" indent="0" algn="r" rtl="0">
+              <a:spcBef>
+                <a:spcPts val="0"/>
+              </a:spcBef>
+              <a:buNone/>
+              <a:defRPr sz="1200" b="0" i="0" u="none" strike="noStrike" cap="none">
                 <a:solidFill>
                   <a:srgbClr val="888888"/>
                 </a:solidFill>
@@ -11112,12 +11437,12 @@
                 <a:sym typeface="Calibri"/>
               </a:defRPr>
             </a:lvl1pPr>
-            <a:lvl2pPr indent="0" lvl="1" marL="0" marR="0" rtl="0" algn="r">
-              <a:spcBef>
-                <a:spcPts val="0"/>
-              </a:spcBef>
-              <a:buNone/>
-              <a:defRPr b="0" i="0" sz="1200" u="none" cap="none" strike="noStrike">
+            <a:lvl2pPr marL="0" marR="0" lvl="1" indent="0" algn="r" rtl="0">
+              <a:spcBef>
+                <a:spcPts val="0"/>
+              </a:spcBef>
+              <a:buNone/>
+              <a:defRPr sz="1200" b="0" i="0" u="none" strike="noStrike" cap="none">
                 <a:solidFill>
                   <a:srgbClr val="888888"/>
                 </a:solidFill>
@@ -11127,12 +11452,12 @@
                 <a:sym typeface="Calibri"/>
               </a:defRPr>
             </a:lvl2pPr>
-            <a:lvl3pPr indent="0" lvl="2" marL="0" marR="0" rtl="0" algn="r">
-              <a:spcBef>
-                <a:spcPts val="0"/>
-              </a:spcBef>
-              <a:buNone/>
-              <a:defRPr b="0" i="0" sz="1200" u="none" cap="none" strike="noStrike">
+            <a:lvl3pPr marL="0" marR="0" lvl="2" indent="0" algn="r" rtl="0">
+              <a:spcBef>
+                <a:spcPts val="0"/>
+              </a:spcBef>
+              <a:buNone/>
+              <a:defRPr sz="1200" b="0" i="0" u="none" strike="noStrike" cap="none">
                 <a:solidFill>
                   <a:srgbClr val="888888"/>
                 </a:solidFill>
@@ -11142,12 +11467,12 @@
                 <a:sym typeface="Calibri"/>
               </a:defRPr>
             </a:lvl3pPr>
-            <a:lvl4pPr indent="0" lvl="3" marL="0" marR="0" rtl="0" algn="r">
-              <a:spcBef>
-                <a:spcPts val="0"/>
-              </a:spcBef>
-              <a:buNone/>
-              <a:defRPr b="0" i="0" sz="1200" u="none" cap="none" strike="noStrike">
+            <a:lvl4pPr marL="0" marR="0" lvl="3" indent="0" algn="r" rtl="0">
+              <a:spcBef>
+                <a:spcPts val="0"/>
+              </a:spcBef>
+              <a:buNone/>
+              <a:defRPr sz="1200" b="0" i="0" u="none" strike="noStrike" cap="none">
                 <a:solidFill>
                   <a:srgbClr val="888888"/>
                 </a:solidFill>
@@ -11157,12 +11482,12 @@
                 <a:sym typeface="Calibri"/>
               </a:defRPr>
             </a:lvl4pPr>
-            <a:lvl5pPr indent="0" lvl="4" marL="0" marR="0" rtl="0" algn="r">
-              <a:spcBef>
-                <a:spcPts val="0"/>
-              </a:spcBef>
-              <a:buNone/>
-              <a:defRPr b="0" i="0" sz="1200" u="none" cap="none" strike="noStrike">
+            <a:lvl5pPr marL="0" marR="0" lvl="4" indent="0" algn="r" rtl="0">
+              <a:spcBef>
+                <a:spcPts val="0"/>
+              </a:spcBef>
+              <a:buNone/>
+              <a:defRPr sz="1200" b="0" i="0" u="none" strike="noStrike" cap="none">
                 <a:solidFill>
                   <a:srgbClr val="888888"/>
                 </a:solidFill>
@@ -11172,12 +11497,12 @@
                 <a:sym typeface="Calibri"/>
               </a:defRPr>
             </a:lvl5pPr>
-            <a:lvl6pPr indent="0" lvl="5" marL="0" marR="0" rtl="0" algn="r">
-              <a:spcBef>
-                <a:spcPts val="0"/>
-              </a:spcBef>
-              <a:buNone/>
-              <a:defRPr b="0" i="0" sz="1200" u="none" cap="none" strike="noStrike">
+            <a:lvl6pPr marL="0" marR="0" lvl="5" indent="0" algn="r" rtl="0">
+              <a:spcBef>
+                <a:spcPts val="0"/>
+              </a:spcBef>
+              <a:buNone/>
+              <a:defRPr sz="1200" b="0" i="0" u="none" strike="noStrike" cap="none">
                 <a:solidFill>
                   <a:srgbClr val="888888"/>
                 </a:solidFill>
@@ -11187,12 +11512,12 @@
                 <a:sym typeface="Calibri"/>
               </a:defRPr>
             </a:lvl6pPr>
-            <a:lvl7pPr indent="0" lvl="6" marL="0" marR="0" rtl="0" algn="r">
-              <a:spcBef>
-                <a:spcPts val="0"/>
-              </a:spcBef>
-              <a:buNone/>
-              <a:defRPr b="0" i="0" sz="1200" u="none" cap="none" strike="noStrike">
+            <a:lvl7pPr marL="0" marR="0" lvl="6" indent="0" algn="r" rtl="0">
+              <a:spcBef>
+                <a:spcPts val="0"/>
+              </a:spcBef>
+              <a:buNone/>
+              <a:defRPr sz="1200" b="0" i="0" u="none" strike="noStrike" cap="none">
                 <a:solidFill>
                   <a:srgbClr val="888888"/>
                 </a:solidFill>
@@ -11202,12 +11527,12 @@
                 <a:sym typeface="Calibri"/>
               </a:defRPr>
             </a:lvl7pPr>
-            <a:lvl8pPr indent="0" lvl="7" marL="0" marR="0" rtl="0" algn="r">
-              <a:spcBef>
-                <a:spcPts val="0"/>
-              </a:spcBef>
-              <a:buNone/>
-              <a:defRPr b="0" i="0" sz="1200" u="none" cap="none" strike="noStrike">
+            <a:lvl8pPr marL="0" marR="0" lvl="7" indent="0" algn="r" rtl="0">
+              <a:spcBef>
+                <a:spcPts val="0"/>
+              </a:spcBef>
+              <a:buNone/>
+              <a:defRPr sz="1200" b="0" i="0" u="none" strike="noStrike" cap="none">
                 <a:solidFill>
                   <a:srgbClr val="888888"/>
                 </a:solidFill>
@@ -11217,12 +11542,12 @@
                 <a:sym typeface="Calibri"/>
               </a:defRPr>
             </a:lvl8pPr>
-            <a:lvl9pPr indent="0" lvl="8" marL="0" marR="0" rtl="0" algn="r">
-              <a:spcBef>
-                <a:spcPts val="0"/>
-              </a:spcBef>
-              <a:buNone/>
-              <a:defRPr b="0" i="0" sz="1200" u="none" cap="none" strike="noStrike">
+            <a:lvl9pPr marL="0" marR="0" lvl="8" indent="0" algn="r" rtl="0">
+              <a:spcBef>
+                <a:spcPts val="0"/>
+              </a:spcBef>
+              <a:buNone/>
+              <a:defRPr sz="1200" b="0" i="0" u="none" strike="noStrike" cap="none">
                 <a:solidFill>
                   <a:srgbClr val="888888"/>
                 </a:solidFill>
@@ -11234,7 +11559,7 @@
             </a:lvl9pPr>
           </a:lstStyle>
           <a:p>
-            <a:pPr indent="0" lvl="0" marL="0" rtl="0" algn="r">
+            <a:pPr marL="0" lvl="0" indent="0" algn="r" rtl="0">
               <a:spcBef>
                 <a:spcPts val="0"/>
               </a:spcBef>
@@ -11253,7 +11578,7 @@
       </p:sp>
     </p:spTree>
   </p:cSld>
-  <p:clrMap accent1="accent1" accent2="accent2" accent3="accent3" accent4="accent4" accent5="accent5" accent6="accent6" bg1="lt1" bg2="dk2" tx1="dk1" tx2="lt2" folHlink="folHlink" hlink="hlink"/>
+  <p:clrMap bg1="lt1" tx1="dk1" bg2="dk2" tx2="lt2" accent1="accent1" accent2="accent2" accent3="accent3" accent4="accent4" accent5="accent5" accent6="accent6" hlink="hlink" folHlink="folHlink"/>
   <p:sldLayoutIdLst>
     <p:sldLayoutId id="2147483648" r:id="rId1"/>
     <p:sldLayoutId id="2147483649" r:id="rId2"/>
@@ -11267,10 +11592,10 @@
     <p:sldLayoutId id="2147483657" r:id="rId10"/>
     <p:sldLayoutId id="2147483658" r:id="rId11"/>
   </p:sldLayoutIdLst>
-  <p:hf dt="0" ftr="0" hdr="0" sldNum="0"/>
+  <p:hf sldNum="0" hdr="0" ftr="0" dt="0"/>
   <p:txStyles>
     <p:titleStyle>
-      <a:defPPr lvl="0" marR="0" rtl="0" algn="l">
+      <a:defPPr marR="0" lvl="0" algn="l" rtl="0">
         <a:lnSpc>
           <a:spcPct val="100000"/>
         </a:lnSpc>
@@ -11281,7 +11606,7 @@
           <a:spcPts val="0"/>
         </a:spcAft>
       </a:defPPr>
-      <a:lvl1pPr lvl="0" marR="0" rtl="0" algn="l">
+      <a:lvl1pPr marR="0" lvl="0" algn="l" rtl="0">
         <a:lnSpc>
           <a:spcPct val="100000"/>
         </a:lnSpc>
@@ -11295,7 +11620,7 @@
           <a:srgbClr val="000000"/>
         </a:buClr>
         <a:buFont typeface="Arial"/>
-        <a:defRPr b="0" i="0" sz="1400" u="none" cap="none" strike="noStrike">
+        <a:defRPr sz="1400" b="0" i="0" u="none" strike="noStrike" cap="none">
           <a:solidFill>
             <a:srgbClr val="000000"/>
           </a:solidFill>
@@ -11305,7 +11630,7 @@
           <a:sym typeface="Arial"/>
         </a:defRPr>
       </a:lvl1pPr>
-      <a:lvl2pPr lvl="1" marR="0" rtl="0" algn="l">
+      <a:lvl2pPr marR="0" lvl="1" algn="l" rtl="0">
         <a:lnSpc>
           <a:spcPct val="100000"/>
         </a:lnSpc>
@@ -11319,7 +11644,7 @@
           <a:srgbClr val="000000"/>
         </a:buClr>
         <a:buFont typeface="Arial"/>
-        <a:defRPr b="0" i="0" sz="1400" u="none" cap="none" strike="noStrike">
+        <a:defRPr sz="1400" b="0" i="0" u="none" strike="noStrike" cap="none">
           <a:solidFill>
             <a:srgbClr val="000000"/>
           </a:solidFill>
@@ -11329,7 +11654,7 @@
           <a:sym typeface="Arial"/>
         </a:defRPr>
       </a:lvl2pPr>
-      <a:lvl3pPr lvl="2" marR="0" rtl="0" algn="l">
+      <a:lvl3pPr marR="0" lvl="2" algn="l" rtl="0">
         <a:lnSpc>
           <a:spcPct val="100000"/>
         </a:lnSpc>
@@ -11343,7 +11668,7 @@
           <a:srgbClr val="000000"/>
         </a:buClr>
         <a:buFont typeface="Arial"/>
-        <a:defRPr b="0" i="0" sz="1400" u="none" cap="none" strike="noStrike">
+        <a:defRPr sz="1400" b="0" i="0" u="none" strike="noStrike" cap="none">
           <a:solidFill>
             <a:srgbClr val="000000"/>
           </a:solidFill>
@@ -11353,7 +11678,7 @@
           <a:sym typeface="Arial"/>
         </a:defRPr>
       </a:lvl3pPr>
-      <a:lvl4pPr lvl="3" marR="0" rtl="0" algn="l">
+      <a:lvl4pPr marR="0" lvl="3" algn="l" rtl="0">
         <a:lnSpc>
           <a:spcPct val="100000"/>
         </a:lnSpc>
@@ -11367,7 +11692,7 @@
           <a:srgbClr val="000000"/>
         </a:buClr>
         <a:buFont typeface="Arial"/>
-        <a:defRPr b="0" i="0" sz="1400" u="none" cap="none" strike="noStrike">
+        <a:defRPr sz="1400" b="0" i="0" u="none" strike="noStrike" cap="none">
           <a:solidFill>
             <a:srgbClr val="000000"/>
           </a:solidFill>
@@ -11377,7 +11702,7 @@
           <a:sym typeface="Arial"/>
         </a:defRPr>
       </a:lvl4pPr>
-      <a:lvl5pPr lvl="4" marR="0" rtl="0" algn="l">
+      <a:lvl5pPr marR="0" lvl="4" algn="l" rtl="0">
         <a:lnSpc>
           <a:spcPct val="100000"/>
         </a:lnSpc>
@@ -11391,7 +11716,7 @@
           <a:srgbClr val="000000"/>
         </a:buClr>
         <a:buFont typeface="Arial"/>
-        <a:defRPr b="0" i="0" sz="1400" u="none" cap="none" strike="noStrike">
+        <a:defRPr sz="1400" b="0" i="0" u="none" strike="noStrike" cap="none">
           <a:solidFill>
             <a:srgbClr val="000000"/>
           </a:solidFill>
@@ -11401,7 +11726,7 @@
           <a:sym typeface="Arial"/>
         </a:defRPr>
       </a:lvl5pPr>
-      <a:lvl6pPr lvl="5" marR="0" rtl="0" algn="l">
+      <a:lvl6pPr marR="0" lvl="5" algn="l" rtl="0">
         <a:lnSpc>
           <a:spcPct val="100000"/>
         </a:lnSpc>
@@ -11415,7 +11740,7 @@
           <a:srgbClr val="000000"/>
         </a:buClr>
         <a:buFont typeface="Arial"/>
-        <a:defRPr b="0" i="0" sz="1400" u="none" cap="none" strike="noStrike">
+        <a:defRPr sz="1400" b="0" i="0" u="none" strike="noStrike" cap="none">
           <a:solidFill>
             <a:srgbClr val="000000"/>
           </a:solidFill>
@@ -11425,7 +11750,7 @@
           <a:sym typeface="Arial"/>
         </a:defRPr>
       </a:lvl6pPr>
-      <a:lvl7pPr lvl="6" marR="0" rtl="0" algn="l">
+      <a:lvl7pPr marR="0" lvl="6" algn="l" rtl="0">
         <a:lnSpc>
           <a:spcPct val="100000"/>
         </a:lnSpc>
@@ -11439,7 +11764,7 @@
           <a:srgbClr val="000000"/>
         </a:buClr>
         <a:buFont typeface="Arial"/>
-        <a:defRPr b="0" i="0" sz="1400" u="none" cap="none" strike="noStrike">
+        <a:defRPr sz="1400" b="0" i="0" u="none" strike="noStrike" cap="none">
           <a:solidFill>
             <a:srgbClr val="000000"/>
           </a:solidFill>
@@ -11449,7 +11774,7 @@
           <a:sym typeface="Arial"/>
         </a:defRPr>
       </a:lvl7pPr>
-      <a:lvl8pPr lvl="7" marR="0" rtl="0" algn="l">
+      <a:lvl8pPr marR="0" lvl="7" algn="l" rtl="0">
         <a:lnSpc>
           <a:spcPct val="100000"/>
         </a:lnSpc>
@@ -11463,7 +11788,7 @@
           <a:srgbClr val="000000"/>
         </a:buClr>
         <a:buFont typeface="Arial"/>
-        <a:defRPr b="0" i="0" sz="1400" u="none" cap="none" strike="noStrike">
+        <a:defRPr sz="1400" b="0" i="0" u="none" strike="noStrike" cap="none">
           <a:solidFill>
             <a:srgbClr val="000000"/>
           </a:solidFill>
@@ -11473,7 +11798,7 @@
           <a:sym typeface="Arial"/>
         </a:defRPr>
       </a:lvl8pPr>
-      <a:lvl9pPr lvl="8" marR="0" rtl="0" algn="l">
+      <a:lvl9pPr marR="0" lvl="8" algn="l" rtl="0">
         <a:lnSpc>
           <a:spcPct val="100000"/>
         </a:lnSpc>
@@ -11487,7 +11812,7 @@
           <a:srgbClr val="000000"/>
         </a:buClr>
         <a:buFont typeface="Arial"/>
-        <a:defRPr b="0" i="0" sz="1400" u="none" cap="none" strike="noStrike">
+        <a:defRPr sz="1400" b="0" i="0" u="none" strike="noStrike" cap="none">
           <a:solidFill>
             <a:srgbClr val="000000"/>
           </a:solidFill>
@@ -11499,7 +11824,7 @@
       </a:lvl9pPr>
     </p:titleStyle>
     <p:bodyStyle>
-      <a:defPPr lvl="0" marR="0" rtl="0" algn="l">
+      <a:defPPr marR="0" lvl="0" algn="l" rtl="0">
         <a:lnSpc>
           <a:spcPct val="100000"/>
         </a:lnSpc>
@@ -11510,7 +11835,7 @@
           <a:spcPts val="0"/>
         </a:spcAft>
       </a:defPPr>
-      <a:lvl1pPr lvl="0" marR="0" rtl="0" algn="l">
+      <a:lvl1pPr marR="0" lvl="0" algn="l" rtl="0">
         <a:lnSpc>
           <a:spcPct val="100000"/>
         </a:lnSpc>
@@ -11524,7 +11849,7 @@
           <a:srgbClr val="000000"/>
         </a:buClr>
         <a:buFont typeface="Arial"/>
-        <a:defRPr b="0" i="0" sz="1400" u="none" cap="none" strike="noStrike">
+        <a:defRPr sz="1400" b="0" i="0" u="none" strike="noStrike" cap="none">
           <a:solidFill>
             <a:srgbClr val="000000"/>
           </a:solidFill>
@@ -11534,7 +11859,7 @@
           <a:sym typeface="Arial"/>
         </a:defRPr>
       </a:lvl1pPr>
-      <a:lvl2pPr lvl="1" marR="0" rtl="0" algn="l">
+      <a:lvl2pPr marR="0" lvl="1" algn="l" rtl="0">
         <a:lnSpc>
           <a:spcPct val="100000"/>
         </a:lnSpc>
@@ -11548,7 +11873,7 @@
           <a:srgbClr val="000000"/>
         </a:buClr>
         <a:buFont typeface="Arial"/>
-        <a:defRPr b="0" i="0" sz="1400" u="none" cap="none" strike="noStrike">
+        <a:defRPr sz="1400" b="0" i="0" u="none" strike="noStrike" cap="none">
           <a:solidFill>
             <a:srgbClr val="000000"/>
           </a:solidFill>
@@ -11558,7 +11883,7 @@
           <a:sym typeface="Arial"/>
         </a:defRPr>
       </a:lvl2pPr>
-      <a:lvl3pPr lvl="2" marR="0" rtl="0" algn="l">
+      <a:lvl3pPr marR="0" lvl="2" algn="l" rtl="0">
         <a:lnSpc>
           <a:spcPct val="100000"/>
         </a:lnSpc>
@@ -11572,7 +11897,7 @@
           <a:srgbClr val="000000"/>
         </a:buClr>
         <a:buFont typeface="Arial"/>
-        <a:defRPr b="0" i="0" sz="1400" u="none" cap="none" strike="noStrike">
+        <a:defRPr sz="1400" b="0" i="0" u="none" strike="noStrike" cap="none">
           <a:solidFill>
             <a:srgbClr val="000000"/>
           </a:solidFill>
@@ -11582,7 +11907,7 @@
           <a:sym typeface="Arial"/>
         </a:defRPr>
       </a:lvl3pPr>
-      <a:lvl4pPr lvl="3" marR="0" rtl="0" algn="l">
+      <a:lvl4pPr marR="0" lvl="3" algn="l" rtl="0">
         <a:lnSpc>
           <a:spcPct val="100000"/>
         </a:lnSpc>
@@ -11596,7 +11921,7 @@
           <a:srgbClr val="000000"/>
         </a:buClr>
         <a:buFont typeface="Arial"/>
-        <a:defRPr b="0" i="0" sz="1400" u="none" cap="none" strike="noStrike">
+        <a:defRPr sz="1400" b="0" i="0" u="none" strike="noStrike" cap="none">
           <a:solidFill>
             <a:srgbClr val="000000"/>
           </a:solidFill>
@@ -11606,7 +11931,7 @@
           <a:sym typeface="Arial"/>
         </a:defRPr>
       </a:lvl4pPr>
-      <a:lvl5pPr lvl="4" marR="0" rtl="0" algn="l">
+      <a:lvl5pPr marR="0" lvl="4" algn="l" rtl="0">
         <a:lnSpc>
           <a:spcPct val="100000"/>
         </a:lnSpc>
@@ -11620,7 +11945,7 @@
           <a:srgbClr val="000000"/>
         </a:buClr>
         <a:buFont typeface="Arial"/>
-        <a:defRPr b="0" i="0" sz="1400" u="none" cap="none" strike="noStrike">
+        <a:defRPr sz="1400" b="0" i="0" u="none" strike="noStrike" cap="none">
           <a:solidFill>
             <a:srgbClr val="000000"/>
           </a:solidFill>
@@ -11630,7 +11955,7 @@
           <a:sym typeface="Arial"/>
         </a:defRPr>
       </a:lvl5pPr>
-      <a:lvl6pPr lvl="5" marR="0" rtl="0" algn="l">
+      <a:lvl6pPr marR="0" lvl="5" algn="l" rtl="0">
         <a:lnSpc>
           <a:spcPct val="100000"/>
         </a:lnSpc>
@@ -11644,7 +11969,7 @@
           <a:srgbClr val="000000"/>
         </a:buClr>
         <a:buFont typeface="Arial"/>
-        <a:defRPr b="0" i="0" sz="1400" u="none" cap="none" strike="noStrike">
+        <a:defRPr sz="1400" b="0" i="0" u="none" strike="noStrike" cap="none">
           <a:solidFill>
             <a:srgbClr val="000000"/>
           </a:solidFill>
@@ -11654,7 +11979,7 @@
           <a:sym typeface="Arial"/>
         </a:defRPr>
       </a:lvl6pPr>
-      <a:lvl7pPr lvl="6" marR="0" rtl="0" algn="l">
+      <a:lvl7pPr marR="0" lvl="6" algn="l" rtl="0">
         <a:lnSpc>
           <a:spcPct val="100000"/>
         </a:lnSpc>
@@ -11668,7 +11993,7 @@
           <a:srgbClr val="000000"/>
         </a:buClr>
         <a:buFont typeface="Arial"/>
-        <a:defRPr b="0" i="0" sz="1400" u="none" cap="none" strike="noStrike">
+        <a:defRPr sz="1400" b="0" i="0" u="none" strike="noStrike" cap="none">
           <a:solidFill>
             <a:srgbClr val="000000"/>
           </a:solidFill>
@@ -11678,7 +12003,7 @@
           <a:sym typeface="Arial"/>
         </a:defRPr>
       </a:lvl7pPr>
-      <a:lvl8pPr lvl="7" marR="0" rtl="0" algn="l">
+      <a:lvl8pPr marR="0" lvl="7" algn="l" rtl="0">
         <a:lnSpc>
           <a:spcPct val="100000"/>
         </a:lnSpc>
@@ -11692,7 +12017,7 @@
           <a:srgbClr val="000000"/>
         </a:buClr>
         <a:buFont typeface="Arial"/>
-        <a:defRPr b="0" i="0" sz="1400" u="none" cap="none" strike="noStrike">
+        <a:defRPr sz="1400" b="0" i="0" u="none" strike="noStrike" cap="none">
           <a:solidFill>
             <a:srgbClr val="000000"/>
           </a:solidFill>
@@ -11702,7 +12027,7 @@
           <a:sym typeface="Arial"/>
         </a:defRPr>
       </a:lvl8pPr>
-      <a:lvl9pPr lvl="8" marR="0" rtl="0" algn="l">
+      <a:lvl9pPr marR="0" lvl="8" algn="l" rtl="0">
         <a:lnSpc>
           <a:spcPct val="100000"/>
         </a:lnSpc>
@@ -11716,7 +12041,7 @@
           <a:srgbClr val="000000"/>
         </a:buClr>
         <a:buFont typeface="Arial"/>
-        <a:defRPr b="0" i="0" sz="1400" u="none" cap="none" strike="noStrike">
+        <a:defRPr sz="1400" b="0" i="0" u="none" strike="noStrike" cap="none">
           <a:solidFill>
             <a:srgbClr val="000000"/>
           </a:solidFill>
@@ -11728,7 +12053,7 @@
       </a:lvl9pPr>
     </p:bodyStyle>
     <p:otherStyle>
-      <a:defPPr lvl="0" marR="0" rtl="0" algn="l">
+      <a:defPPr marR="0" lvl="0" algn="l" rtl="0">
         <a:lnSpc>
           <a:spcPct val="100000"/>
         </a:lnSpc>
@@ -11739,7 +12064,7 @@
           <a:spcPts val="0"/>
         </a:spcAft>
       </a:defPPr>
-      <a:lvl1pPr lvl="0" marR="0" rtl="0" algn="l">
+      <a:lvl1pPr marR="0" lvl="0" algn="l" rtl="0">
         <a:lnSpc>
           <a:spcPct val="100000"/>
         </a:lnSpc>
@@ -11753,7 +12078,7 @@
           <a:srgbClr val="000000"/>
         </a:buClr>
         <a:buFont typeface="Arial"/>
-        <a:defRPr b="0" i="0" sz="1400" u="none" cap="none" strike="noStrike">
+        <a:defRPr sz="1400" b="0" i="0" u="none" strike="noStrike" cap="none">
           <a:solidFill>
             <a:srgbClr val="000000"/>
           </a:solidFill>
@@ -11763,7 +12088,7 @@
           <a:sym typeface="Arial"/>
         </a:defRPr>
       </a:lvl1pPr>
-      <a:lvl2pPr lvl="1" marR="0" rtl="0" algn="l">
+      <a:lvl2pPr marR="0" lvl="1" algn="l" rtl="0">
         <a:lnSpc>
           <a:spcPct val="100000"/>
         </a:lnSpc>
@@ -11777,7 +12102,7 @@
           <a:srgbClr val="000000"/>
         </a:buClr>
         <a:buFont typeface="Arial"/>
-        <a:defRPr b="0" i="0" sz="1400" u="none" cap="none" strike="noStrike">
+        <a:defRPr sz="1400" b="0" i="0" u="none" strike="noStrike" cap="none">
           <a:solidFill>
             <a:srgbClr val="000000"/>
           </a:solidFill>
@@ -11787,7 +12112,7 @@
           <a:sym typeface="Arial"/>
         </a:defRPr>
       </a:lvl2pPr>
-      <a:lvl3pPr lvl="2" marR="0" rtl="0" algn="l">
+      <a:lvl3pPr marR="0" lvl="2" algn="l" rtl="0">
         <a:lnSpc>
           <a:spcPct val="100000"/>
         </a:lnSpc>
@@ -11801,7 +12126,7 @@
           <a:srgbClr val="000000"/>
         </a:buClr>
         <a:buFont typeface="Arial"/>
-        <a:defRPr b="0" i="0" sz="1400" u="none" cap="none" strike="noStrike">
+        <a:defRPr sz="1400" b="0" i="0" u="none" strike="noStrike" cap="none">
           <a:solidFill>
             <a:srgbClr val="000000"/>
           </a:solidFill>
@@ -11811,7 +12136,7 @@
           <a:sym typeface="Arial"/>
         </a:defRPr>
       </a:lvl3pPr>
-      <a:lvl4pPr lvl="3" marR="0" rtl="0" algn="l">
+      <a:lvl4pPr marR="0" lvl="3" algn="l" rtl="0">
         <a:lnSpc>
           <a:spcPct val="100000"/>
         </a:lnSpc>
@@ -11825,7 +12150,7 @@
           <a:srgbClr val="000000"/>
         </a:buClr>
         <a:buFont typeface="Arial"/>
-        <a:defRPr b="0" i="0" sz="1400" u="none" cap="none" strike="noStrike">
+        <a:defRPr sz="1400" b="0" i="0" u="none" strike="noStrike" cap="none">
           <a:solidFill>
             <a:srgbClr val="000000"/>
           </a:solidFill>
@@ -11835,7 +12160,7 @@
           <a:sym typeface="Arial"/>
         </a:defRPr>
       </a:lvl4pPr>
-      <a:lvl5pPr lvl="4" marR="0" rtl="0" algn="l">
+      <a:lvl5pPr marR="0" lvl="4" algn="l" rtl="0">
         <a:lnSpc>
           <a:spcPct val="100000"/>
         </a:lnSpc>
@@ -11849,7 +12174,7 @@
           <a:srgbClr val="000000"/>
         </a:buClr>
         <a:buFont typeface="Arial"/>
-        <a:defRPr b="0" i="0" sz="1400" u="none" cap="none" strike="noStrike">
+        <a:defRPr sz="1400" b="0" i="0" u="none" strike="noStrike" cap="none">
           <a:solidFill>
             <a:srgbClr val="000000"/>
           </a:solidFill>
@@ -11859,7 +12184,7 @@
           <a:sym typeface="Arial"/>
         </a:defRPr>
       </a:lvl5pPr>
-      <a:lvl6pPr lvl="5" marR="0" rtl="0" algn="l">
+      <a:lvl6pPr marR="0" lvl="5" algn="l" rtl="0">
         <a:lnSpc>
           <a:spcPct val="100000"/>
         </a:lnSpc>
@@ -11873,7 +12198,7 @@
           <a:srgbClr val="000000"/>
         </a:buClr>
         <a:buFont typeface="Arial"/>
-        <a:defRPr b="0" i="0" sz="1400" u="none" cap="none" strike="noStrike">
+        <a:defRPr sz="1400" b="0" i="0" u="none" strike="noStrike" cap="none">
           <a:solidFill>
             <a:srgbClr val="000000"/>
           </a:solidFill>
@@ -11883,7 +12208,7 @@
           <a:sym typeface="Arial"/>
         </a:defRPr>
       </a:lvl6pPr>
-      <a:lvl7pPr lvl="6" marR="0" rtl="0" algn="l">
+      <a:lvl7pPr marR="0" lvl="6" algn="l" rtl="0">
         <a:lnSpc>
           <a:spcPct val="100000"/>
         </a:lnSpc>
@@ -11897,7 +12222,7 @@
           <a:srgbClr val="000000"/>
         </a:buClr>
         <a:buFont typeface="Arial"/>
-        <a:defRPr b="0" i="0" sz="1400" u="none" cap="none" strike="noStrike">
+        <a:defRPr sz="1400" b="0" i="0" u="none" strike="noStrike" cap="none">
           <a:solidFill>
             <a:srgbClr val="000000"/>
           </a:solidFill>
@@ -11907,7 +12232,7 @@
           <a:sym typeface="Arial"/>
         </a:defRPr>
       </a:lvl7pPr>
-      <a:lvl8pPr lvl="7" marR="0" rtl="0" algn="l">
+      <a:lvl8pPr marR="0" lvl="7" algn="l" rtl="0">
         <a:lnSpc>
           <a:spcPct val="100000"/>
         </a:lnSpc>
@@ -11921,7 +12246,7 @@
           <a:srgbClr val="000000"/>
         </a:buClr>
         <a:buFont typeface="Arial"/>
-        <a:defRPr b="0" i="0" sz="1400" u="none" cap="none" strike="noStrike">
+        <a:defRPr sz="1400" b="0" i="0" u="none" strike="noStrike" cap="none">
           <a:solidFill>
             <a:srgbClr val="000000"/>
           </a:solidFill>
@@ -11931,7 +12256,7 @@
           <a:sym typeface="Arial"/>
         </a:defRPr>
       </a:lvl8pPr>
-      <a:lvl9pPr lvl="8" marR="0" rtl="0" algn="l">
+      <a:lvl9pPr marR="0" lvl="8" algn="l" rtl="0">
         <a:lnSpc>
           <a:spcPct val="100000"/>
         </a:lnSpc>
@@ -11945,7 +12270,7 @@
           <a:srgbClr val="000000"/>
         </a:buClr>
         <a:buFont typeface="Arial"/>
-        <a:defRPr b="0" i="0" sz="1400" u="none" cap="none" strike="noStrike">
+        <a:defRPr sz="1400" b="0" i="0" u="none" strike="noStrike" cap="none">
           <a:solidFill>
             <a:srgbClr val="000000"/>
           </a:solidFill>
@@ -11961,11 +12286,11 @@
 </file>
 
 <file path=ppt/slides/slide1.xml><?xml version="1.0" encoding="utf-8"?>
-<p:sld xmlns:a="http://schemas.openxmlformats.org/drawingml/2006/main" xmlns:r="http://schemas.openxmlformats.org/officeDocument/2006/relationships" xmlns:mc="http://schemas.openxmlformats.org/markup-compatibility/2006" xmlns:mv="urn:schemas-microsoft-com:mac:vml" xmlns:p="http://schemas.openxmlformats.org/presentationml/2006/main" xmlns:c="http://schemas.openxmlformats.org/drawingml/2006/chart" xmlns:dgm="http://schemas.openxmlformats.org/drawingml/2006/diagram" xmlns:o="urn:schemas-microsoft-com:office:office" xmlns:v="urn:schemas-microsoft-com:vml" xmlns:pvml="urn:schemas-microsoft-com:office:powerpoint" xmlns:com="http://schemas.openxmlformats.org/drawingml/2006/compatibility" xmlns:p14="http://schemas.microsoft.com/office/powerpoint/2010/main" xmlns:p15="http://schemas.microsoft.com/office/powerpoint/2012/main">
+<p:sld xmlns:a="http://schemas.openxmlformats.org/drawingml/2006/main" xmlns:r="http://schemas.openxmlformats.org/officeDocument/2006/relationships" xmlns:p="http://schemas.openxmlformats.org/presentationml/2006/main">
   <p:cSld>
     <p:spTree>
       <p:nvGrpSpPr>
-        <p:cNvPr id="88" name="Shape 88"/>
+        <p:cNvPr id="1" name="Shape 88"/>
         <p:cNvGrpSpPr/>
         <p:nvPr/>
       </p:nvGrpSpPr>
@@ -11980,22 +12305,24 @@
       <p:pic>
         <p:nvPicPr>
           <p:cNvPr id="89" name="Google Shape;89;p13"/>
-          <p:cNvPicPr preferRelativeResize="0"/>
+          <p:cNvPicPr preferRelativeResize="0">
+            <a:picLocks noGrp="1"/>
+          </p:cNvPicPr>
           <p:nvPr>
-            <p:ph idx="1" type="body"/>
+            <p:ph type="body" idx="1"/>
           </p:nvPr>
         </p:nvPicPr>
         <p:blipFill rotWithShape="1">
           <a:blip r:embed="rId3">
             <a:alphaModFix/>
           </a:blip>
-          <a:srcRect b="0" l="0" r="0" t="0"/>
+          <a:srcRect b="60153"/>
           <a:stretch/>
         </p:blipFill>
         <p:spPr>
           <a:xfrm>
             <a:off x="3985874" y="2141537"/>
-            <a:ext cx="4220251" cy="4351338"/>
+            <a:ext cx="4220251" cy="1733889"/>
           </a:xfrm>
           <a:prstGeom prst="rect">
             <a:avLst/>
@@ -12026,12 +12353,12 @@
           </a:ln>
         </p:spPr>
         <p:txBody>
-          <a:bodyPr anchorCtr="0" anchor="t" bIns="45700" lIns="91425" spcFirstLastPara="1" rIns="91425" wrap="square" tIns="45700">
+          <a:bodyPr spcFirstLastPara="1" wrap="square" lIns="91425" tIns="45700" rIns="91425" bIns="45700" anchor="t" anchorCtr="0">
             <a:noAutofit/>
           </a:bodyPr>
           <a:lstStyle/>
           <a:p>
-            <a:pPr indent="0" lvl="0" marL="0" marR="0" rtl="0" algn="ctr">
+            <a:pPr marL="0" marR="0" lvl="0" indent="0" algn="ctr" rtl="0">
               <a:spcBef>
                 <a:spcPts val="0"/>
               </a:spcBef>
@@ -12041,7 +12368,7 @@
               <a:buNone/>
             </a:pPr>
             <a:r>
-              <a:rPr b="0" i="0" lang="en-SG" sz="1800" u="none" cap="none" strike="noStrike">
+              <a:rPr lang="en-SG" sz="1800" b="0" i="0" u="none" strike="noStrike" cap="none">
                 <a:solidFill>
                   <a:schemeClr val="dk1"/>
                 </a:solidFill>
@@ -12076,12 +12403,12 @@
           </a:ln>
         </p:spPr>
         <p:txBody>
-          <a:bodyPr anchorCtr="0" anchor="t" bIns="45700" lIns="91425" spcFirstLastPara="1" rIns="91425" wrap="square" tIns="45700">
+          <a:bodyPr spcFirstLastPara="1" wrap="square" lIns="91425" tIns="45700" rIns="91425" bIns="45700" anchor="t" anchorCtr="0">
             <a:noAutofit/>
           </a:bodyPr>
           <a:lstStyle/>
           <a:p>
-            <a:pPr indent="0" lvl="0" marL="0" marR="0" rtl="0" algn="ctr">
+            <a:pPr marL="0" marR="0" lvl="0" indent="0" algn="ctr" rtl="0">
               <a:spcBef>
                 <a:spcPts val="0"/>
               </a:spcBef>
@@ -12126,12 +12453,12 @@
           </a:ln>
         </p:spPr>
         <p:txBody>
-          <a:bodyPr anchorCtr="0" anchor="t" bIns="45700" lIns="91425" spcFirstLastPara="1" rIns="91425" wrap="square" tIns="45700">
+          <a:bodyPr spcFirstLastPara="1" wrap="square" lIns="91425" tIns="45700" rIns="91425" bIns="45700" anchor="t" anchorCtr="0">
             <a:noAutofit/>
           </a:bodyPr>
           <a:lstStyle/>
           <a:p>
-            <a:pPr indent="0" lvl="0" marL="0" marR="0" rtl="0" algn="ctr">
+            <a:pPr marL="0" marR="0" lvl="0" indent="0" algn="ctr" rtl="0">
               <a:spcBef>
                 <a:spcPts val="0"/>
               </a:spcBef>
@@ -12174,14 +12501,14 @@
             <a:avLst/>
           </a:prstGeom>
           <a:noFill/>
-          <a:ln cap="flat" cmpd="sng" w="9525">
+          <a:ln w="9525" cap="flat" cmpd="sng">
             <a:solidFill>
               <a:schemeClr val="dk1"/>
             </a:solidFill>
             <a:prstDash val="solid"/>
             <a:miter lim="800000"/>
-            <a:headEnd len="sm" w="sm" type="none"/>
-            <a:tailEnd len="med" w="med" type="triangle"/>
+            <a:headEnd type="none" w="sm" len="sm"/>
+            <a:tailEnd type="triangle" w="med" len="med"/>
           </a:ln>
         </p:spPr>
       </p:cxnSp>
@@ -12200,23 +12527,23 @@
             <a:avLst/>
           </a:prstGeom>
           <a:noFill/>
-          <a:ln cap="flat" cmpd="sng" w="12700">
+          <a:ln w="12700" cap="flat" cmpd="sng">
             <a:solidFill>
               <a:srgbClr val="C00000"/>
             </a:solidFill>
             <a:prstDash val="solid"/>
             <a:miter lim="800000"/>
-            <a:headEnd len="sm" w="sm" type="none"/>
-            <a:tailEnd len="sm" w="sm" type="none"/>
+            <a:headEnd type="none" w="sm" len="sm"/>
+            <a:tailEnd type="none" w="sm" len="sm"/>
           </a:ln>
         </p:spPr>
         <p:txBody>
-          <a:bodyPr anchorCtr="0" anchor="ctr" bIns="45700" lIns="91425" spcFirstLastPara="1" rIns="91425" wrap="square" tIns="45700">
+          <a:bodyPr spcFirstLastPara="1" wrap="square" lIns="91425" tIns="45700" rIns="91425" bIns="45700" anchor="ctr" anchorCtr="0">
             <a:noAutofit/>
           </a:bodyPr>
           <a:lstStyle/>
           <a:p>
-            <a:pPr indent="0" lvl="0" marL="0" marR="0" rtl="0" algn="ctr">
+            <a:pPr marL="0" marR="0" lvl="0" indent="0" algn="ctr" rtl="0">
               <a:spcBef>
                 <a:spcPts val="0"/>
               </a:spcBef>
@@ -12225,9 +12552,6 @@
               </a:spcAft>
               <a:buNone/>
             </a:pPr>
-            <a:r>
-              <a:t/>
-            </a:r>
             <a:endParaRPr sz="1800">
               <a:solidFill>
                 <a:schemeClr val="lt1"/>
@@ -12255,23 +12579,23 @@
             <a:avLst/>
           </a:prstGeom>
           <a:noFill/>
-          <a:ln cap="flat" cmpd="sng" w="12700">
+          <a:ln w="12700" cap="flat" cmpd="sng">
             <a:solidFill>
               <a:srgbClr val="C00000"/>
             </a:solidFill>
             <a:prstDash val="solid"/>
             <a:miter lim="800000"/>
-            <a:headEnd len="sm" w="sm" type="none"/>
-            <a:tailEnd len="sm" w="sm" type="none"/>
+            <a:headEnd type="none" w="sm" len="sm"/>
+            <a:tailEnd type="none" w="sm" len="sm"/>
           </a:ln>
         </p:spPr>
         <p:txBody>
-          <a:bodyPr anchorCtr="0" anchor="ctr" bIns="45700" lIns="91425" spcFirstLastPara="1" rIns="91425" wrap="square" tIns="45700">
+          <a:bodyPr spcFirstLastPara="1" wrap="square" lIns="91425" tIns="45700" rIns="91425" bIns="45700" anchor="ctr" anchorCtr="0">
             <a:noAutofit/>
           </a:bodyPr>
           <a:lstStyle/>
           <a:p>
-            <a:pPr indent="0" lvl="0" marL="0" marR="0" rtl="0" algn="ctr">
+            <a:pPr marL="0" marR="0" lvl="0" indent="0" algn="ctr" rtl="0">
               <a:spcBef>
                 <a:spcPts val="0"/>
               </a:spcBef>
@@ -12280,9 +12604,6 @@
               </a:spcAft>
               <a:buNone/>
             </a:pPr>
-            <a:r>
-              <a:t/>
-            </a:r>
             <a:endParaRPr sz="1800">
               <a:solidFill>
                 <a:schemeClr val="lt1"/>
@@ -12310,23 +12631,23 @@
             <a:avLst/>
           </a:prstGeom>
           <a:noFill/>
-          <a:ln cap="flat" cmpd="sng" w="12700">
+          <a:ln w="12700" cap="flat" cmpd="sng">
             <a:solidFill>
               <a:srgbClr val="C00000"/>
             </a:solidFill>
             <a:prstDash val="solid"/>
             <a:miter lim="800000"/>
-            <a:headEnd len="sm" w="sm" type="none"/>
-            <a:tailEnd len="sm" w="sm" type="none"/>
+            <a:headEnd type="none" w="sm" len="sm"/>
+            <a:tailEnd type="none" w="sm" len="sm"/>
           </a:ln>
         </p:spPr>
         <p:txBody>
-          <a:bodyPr anchorCtr="0" anchor="ctr" bIns="45700" lIns="91425" spcFirstLastPara="1" rIns="91425" wrap="square" tIns="45700">
+          <a:bodyPr spcFirstLastPara="1" wrap="square" lIns="91425" tIns="45700" rIns="91425" bIns="45700" anchor="ctr" anchorCtr="0">
             <a:noAutofit/>
           </a:bodyPr>
           <a:lstStyle/>
           <a:p>
-            <a:pPr indent="0" lvl="0" marL="0" marR="0" rtl="0" algn="ctr">
+            <a:pPr marL="0" marR="0" lvl="0" indent="0" algn="ctr" rtl="0">
               <a:spcBef>
                 <a:spcPts val="0"/>
               </a:spcBef>
@@ -12335,9 +12656,6 @@
               </a:spcAft>
               <a:buNone/>
             </a:pPr>
-            <a:r>
-              <a:t/>
-            </a:r>
             <a:endParaRPr sz="1800">
               <a:solidFill>
                 <a:schemeClr val="lt1"/>
@@ -12368,14 +12686,14 @@
             <a:avLst/>
           </a:prstGeom>
           <a:noFill/>
-          <a:ln cap="flat" cmpd="sng" w="9525">
+          <a:ln w="9525" cap="flat" cmpd="sng">
             <a:solidFill>
               <a:schemeClr val="dk1"/>
             </a:solidFill>
             <a:prstDash val="solid"/>
             <a:miter lim="800000"/>
-            <a:headEnd len="sm" w="sm" type="none"/>
-            <a:tailEnd len="med" w="med" type="triangle"/>
+            <a:headEnd type="none" w="sm" len="sm"/>
+            <a:tailEnd type="triangle" w="med" len="med"/>
           </a:ln>
         </p:spPr>
       </p:cxnSp>
@@ -12397,14 +12715,14 @@
             <a:avLst/>
           </a:prstGeom>
           <a:noFill/>
-          <a:ln cap="flat" cmpd="sng" w="9525">
+          <a:ln w="9525" cap="flat" cmpd="sng">
             <a:solidFill>
               <a:schemeClr val="dk1"/>
             </a:solidFill>
             <a:prstDash val="solid"/>
             <a:miter lim="800000"/>
-            <a:headEnd len="sm" w="sm" type="none"/>
-            <a:tailEnd len="med" w="med" type="triangle"/>
+            <a:headEnd type="none" w="sm" len="sm"/>
+            <a:tailEnd type="triangle" w="med" len="med"/>
           </a:ln>
         </p:spPr>
       </p:cxnSp>
@@ -12420,9 +12738,13 @@
             <a:ext cx="907225" cy="161725"/>
           </a:xfrm>
           <a:custGeom>
-            <a:rect b="b" l="l" r="r" t="t"/>
+            <a:avLst/>
+            <a:gdLst/>
+            <a:ahLst/>
+            <a:cxnLst/>
+            <a:rect l="l" t="t" r="r" b="b"/>
             <a:pathLst>
-              <a:path extrusionOk="0" h="6469" w="36289">
+              <a:path w="36289" h="6469" extrusionOk="0">
                 <a:moveTo>
                   <a:pt x="17145" y="0"/>
                 </a:moveTo>
@@ -12440,14 +12762,14 @@
             </a:pathLst>
           </a:custGeom>
           <a:noFill/>
-          <a:ln cap="flat" cmpd="sng" w="9525">
+          <a:ln w="9525" cap="flat" cmpd="sng">
             <a:solidFill>
               <a:schemeClr val="dk2"/>
             </a:solidFill>
             <a:prstDash val="solid"/>
             <a:round/>
-            <a:headEnd len="med" w="med" type="none"/>
-            <a:tailEnd len="med" w="med" type="triangle"/>
+            <a:headEnd type="none" w="med" len="med"/>
+            <a:tailEnd type="triangle" w="med" len="med"/>
           </a:ln>
         </p:spPr>
       </p:sp>
@@ -12544,11 +12866,11 @@
 </file>
 
 <file path=ppt/slides/slide2.xml><?xml version="1.0" encoding="utf-8"?>
-<p:sld xmlns:a="http://schemas.openxmlformats.org/drawingml/2006/main" xmlns:r="http://schemas.openxmlformats.org/officeDocument/2006/relationships" xmlns:mc="http://schemas.openxmlformats.org/markup-compatibility/2006" xmlns:mv="urn:schemas-microsoft-com:mac:vml" xmlns:p="http://schemas.openxmlformats.org/presentationml/2006/main" xmlns:c="http://schemas.openxmlformats.org/drawingml/2006/chart" xmlns:dgm="http://schemas.openxmlformats.org/drawingml/2006/diagram" xmlns:o="urn:schemas-microsoft-com:office:office" xmlns:v="urn:schemas-microsoft-com:vml" xmlns:pvml="urn:schemas-microsoft-com:office:powerpoint" xmlns:com="http://schemas.openxmlformats.org/drawingml/2006/compatibility" xmlns:p14="http://schemas.microsoft.com/office/powerpoint/2010/main" xmlns:p15="http://schemas.microsoft.com/office/powerpoint/2012/main">
+<p:sld xmlns:a="http://schemas.openxmlformats.org/drawingml/2006/main" xmlns:r="http://schemas.openxmlformats.org/officeDocument/2006/relationships" xmlns:p="http://schemas.openxmlformats.org/presentationml/2006/main">
   <p:cSld>
     <p:spTree>
       <p:nvGrpSpPr>
-        <p:cNvPr id="106" name="Shape 106"/>
+        <p:cNvPr id="1" name="Shape 106"/>
         <p:cNvGrpSpPr/>
         <p:nvPr/>
       </p:nvGrpSpPr>
@@ -12566,18 +12888,17 @@
           <p:cNvPicPr preferRelativeResize="0"/>
           <p:nvPr/>
         </p:nvPicPr>
-        <p:blipFill>
+        <p:blipFill rotWithShape="1">
           <a:blip r:embed="rId3">
             <a:alphaModFix/>
           </a:blip>
-          <a:stretch>
-            <a:fillRect/>
-          </a:stretch>
+          <a:srcRect r="52191" b="44853"/>
+          <a:stretch/>
         </p:blipFill>
         <p:spPr>
           <a:xfrm>
             <a:off x="1574239" y="1629525"/>
-            <a:ext cx="9043528" cy="5086998"/>
+            <a:ext cx="4323641" cy="2805315"/>
           </a:xfrm>
           <a:prstGeom prst="rect">
             <a:avLst/>
@@ -12605,14 +12926,14 @@
             <a:avLst/>
           </a:prstGeom>
           <a:noFill/>
-          <a:ln cap="flat" cmpd="sng" w="9525">
+          <a:ln w="9525" cap="flat" cmpd="sng">
             <a:solidFill>
               <a:schemeClr val="dk1"/>
             </a:solidFill>
             <a:prstDash val="solid"/>
             <a:miter lim="800000"/>
-            <a:headEnd len="sm" w="sm" type="none"/>
-            <a:tailEnd len="med" w="med" type="triangle"/>
+            <a:headEnd type="none" w="sm" len="sm"/>
+            <a:tailEnd type="triangle" w="med" len="med"/>
           </a:ln>
         </p:spPr>
       </p:cxnSp>
@@ -12636,12 +12957,12 @@
           </a:ln>
         </p:spPr>
         <p:txBody>
-          <a:bodyPr anchorCtr="0" anchor="t" bIns="45700" lIns="91425" spcFirstLastPara="1" rIns="91425" wrap="square" tIns="45700">
+          <a:bodyPr spcFirstLastPara="1" wrap="square" lIns="91425" tIns="45700" rIns="91425" bIns="45700" anchor="t" anchorCtr="0">
             <a:noAutofit/>
           </a:bodyPr>
           <a:lstStyle/>
           <a:p>
-            <a:pPr indent="0" lvl="0" marL="0" marR="0" rtl="0" algn="ctr">
+            <a:pPr marL="0" marR="0" lvl="0" indent="0" algn="ctr" rtl="0">
               <a:spcBef>
                 <a:spcPts val="0"/>
               </a:spcBef>
@@ -12681,23 +13002,23 @@
             <a:avLst/>
           </a:prstGeom>
           <a:noFill/>
-          <a:ln cap="flat" cmpd="sng" w="12700">
+          <a:ln w="12700" cap="flat" cmpd="sng">
             <a:solidFill>
               <a:srgbClr val="C00000"/>
             </a:solidFill>
             <a:prstDash val="solid"/>
             <a:miter lim="800000"/>
-            <a:headEnd len="sm" w="sm" type="none"/>
-            <a:tailEnd len="sm" w="sm" type="none"/>
+            <a:headEnd type="none" w="sm" len="sm"/>
+            <a:tailEnd type="none" w="sm" len="sm"/>
           </a:ln>
         </p:spPr>
         <p:txBody>
-          <a:bodyPr anchorCtr="0" anchor="ctr" bIns="45700" lIns="91425" spcFirstLastPara="1" rIns="91425" wrap="square" tIns="45700">
+          <a:bodyPr spcFirstLastPara="1" wrap="square" lIns="91425" tIns="45700" rIns="91425" bIns="45700" anchor="ctr" anchorCtr="0">
             <a:noAutofit/>
           </a:bodyPr>
           <a:lstStyle/>
           <a:p>
-            <a:pPr indent="0" lvl="0" marL="0" marR="0" rtl="0" algn="ctr">
+            <a:pPr marL="0" marR="0" lvl="0" indent="0" algn="ctr" rtl="0">
               <a:spcBef>
                 <a:spcPts val="0"/>
               </a:spcBef>
@@ -12706,9 +13027,6 @@
               </a:spcAft>
               <a:buNone/>
             </a:pPr>
-            <a:r>
-              <a:t/>
-            </a:r>
             <a:endParaRPr sz="1800">
               <a:solidFill>
                 <a:schemeClr val="lt1"/>
@@ -12730,11 +13048,11 @@
 </file>
 
 <file path=ppt/slides/slide3.xml><?xml version="1.0" encoding="utf-8"?>
-<p:sld xmlns:a="http://schemas.openxmlformats.org/drawingml/2006/main" xmlns:r="http://schemas.openxmlformats.org/officeDocument/2006/relationships" xmlns:mc="http://schemas.openxmlformats.org/markup-compatibility/2006" xmlns:mv="urn:schemas-microsoft-com:mac:vml" xmlns:p="http://schemas.openxmlformats.org/presentationml/2006/main" xmlns:c="http://schemas.openxmlformats.org/drawingml/2006/chart" xmlns:dgm="http://schemas.openxmlformats.org/drawingml/2006/diagram" xmlns:o="urn:schemas-microsoft-com:office:office" xmlns:v="urn:schemas-microsoft-com:vml" xmlns:pvml="urn:schemas-microsoft-com:office:powerpoint" xmlns:com="http://schemas.openxmlformats.org/drawingml/2006/compatibility" xmlns:p14="http://schemas.microsoft.com/office/powerpoint/2010/main" xmlns:p15="http://schemas.microsoft.com/office/powerpoint/2012/main">
+<p:sld xmlns:a="http://schemas.openxmlformats.org/drawingml/2006/main" xmlns:r="http://schemas.openxmlformats.org/officeDocument/2006/relationships" xmlns:p="http://schemas.openxmlformats.org/presentationml/2006/main">
   <p:cSld>
     <p:spTree>
       <p:nvGrpSpPr>
-        <p:cNvPr id="115" name="Shape 115"/>
+        <p:cNvPr id="1" name="Shape 115"/>
         <p:cNvGrpSpPr/>
         <p:nvPr/>
       </p:nvGrpSpPr>
@@ -12791,14 +13109,14 @@
             <a:avLst/>
           </a:prstGeom>
           <a:noFill/>
-          <a:ln cap="flat" cmpd="sng" w="9525">
+          <a:ln w="9525" cap="flat" cmpd="sng">
             <a:solidFill>
               <a:schemeClr val="dk1"/>
             </a:solidFill>
             <a:prstDash val="solid"/>
             <a:miter lim="800000"/>
-            <a:headEnd len="sm" w="sm" type="none"/>
-            <a:tailEnd len="med" w="med" type="triangle"/>
+            <a:headEnd type="none" w="sm" len="sm"/>
+            <a:tailEnd type="triangle" w="med" len="med"/>
           </a:ln>
         </p:spPr>
       </p:cxnSp>
@@ -12822,12 +13140,12 @@
           </a:ln>
         </p:spPr>
         <p:txBody>
-          <a:bodyPr anchorCtr="0" anchor="t" bIns="45700" lIns="91425" spcFirstLastPara="1" rIns="91425" wrap="square" tIns="45700">
+          <a:bodyPr spcFirstLastPara="1" wrap="square" lIns="91425" tIns="45700" rIns="91425" bIns="45700" anchor="t" anchorCtr="0">
             <a:noAutofit/>
           </a:bodyPr>
           <a:lstStyle/>
           <a:p>
-            <a:pPr indent="0" lvl="0" marL="0" marR="0" rtl="0" algn="ctr">
+            <a:pPr marL="0" marR="0" lvl="0" indent="0" algn="ctr" rtl="0">
               <a:spcBef>
                 <a:spcPts val="0"/>
               </a:spcBef>
@@ -12890,23 +13208,23 @@
             <a:avLst/>
           </a:prstGeom>
           <a:noFill/>
-          <a:ln cap="flat" cmpd="sng" w="12700">
+          <a:ln w="12700" cap="flat" cmpd="sng">
             <a:solidFill>
               <a:srgbClr val="C00000"/>
             </a:solidFill>
             <a:prstDash val="solid"/>
             <a:miter lim="800000"/>
-            <a:headEnd len="sm" w="sm" type="none"/>
-            <a:tailEnd len="sm" w="sm" type="none"/>
+            <a:headEnd type="none" w="sm" len="sm"/>
+            <a:tailEnd type="none" w="sm" len="sm"/>
           </a:ln>
         </p:spPr>
         <p:txBody>
-          <a:bodyPr anchorCtr="0" anchor="ctr" bIns="45700" lIns="91425" spcFirstLastPara="1" rIns="91425" wrap="square" tIns="45700">
+          <a:bodyPr spcFirstLastPara="1" wrap="square" lIns="91425" tIns="45700" rIns="91425" bIns="45700" anchor="ctr" anchorCtr="0">
             <a:noAutofit/>
           </a:bodyPr>
           <a:lstStyle/>
           <a:p>
-            <a:pPr indent="0" lvl="0" marL="0" marR="0" rtl="0" algn="ctr">
+            <a:pPr marL="0" marR="0" lvl="0" indent="0" algn="ctr" rtl="0">
               <a:spcBef>
                 <a:spcPts val="0"/>
               </a:spcBef>
@@ -12915,9 +13233,6 @@
               </a:spcAft>
               <a:buNone/>
             </a:pPr>
-            <a:r>
-              <a:t/>
-            </a:r>
             <a:endParaRPr sz="1800">
               <a:solidFill>
                 <a:schemeClr val="lt1"/>
@@ -12939,7 +13254,7 @@
 </file>
 
 <file path=ppt/theme/theme1.xml><?xml version="1.0" encoding="utf-8"?>
-<a:theme xmlns:a="http://schemas.openxmlformats.org/drawingml/2006/main" xmlns:r="http://schemas.openxmlformats.org/officeDocument/2006/relationships" name="Office Theme">
+<a:theme xmlns:a="http://schemas.openxmlformats.org/drawingml/2006/main" name="Office Theme">
   <a:themeElements>
     <a:clrScheme name="Office">
       <a:dk1>
@@ -13214,11 +13529,13 @@
       </a:bgFillStyleLst>
     </a:fmtScheme>
   </a:themeElements>
+  <a:objectDefaults/>
+  <a:extraClrSchemeLst/>
 </a:theme>
 </file>
 
 <file path=ppt/theme/theme2.xml><?xml version="1.0" encoding="utf-8"?>
-<a:theme xmlns:a="http://schemas.openxmlformats.org/drawingml/2006/main" xmlns:r="http://schemas.openxmlformats.org/officeDocument/2006/relationships" name="Office Theme">
+<a:theme xmlns:a="http://schemas.openxmlformats.org/drawingml/2006/main" name="Office Theme">
   <a:themeElements>
     <a:clrScheme name="Office">
       <a:dk1>
@@ -13493,5 +13810,7 @@
       </a:bgFillStyleLst>
     </a:fmtScheme>
   </a:themeElements>
+  <a:objectDefaults/>
+  <a:extraClrSchemeLst/>
 </a:theme>
 </file>
--- a/docs/figures/ImportUserGuide.pptx
+++ b/docs/figures/ImportUserGuide.pptx
@@ -251,21 +251,37 @@
 </p:presentation>
 </file>
 
+<file path=ppt/revisionInfo.xml><?xml version="1.0" encoding="utf-8"?>
+<p1510:revInfo xmlns:a="http://schemas.openxmlformats.org/drawingml/2006/main" xmlns:r="http://schemas.openxmlformats.org/officeDocument/2006/relationships" xmlns:p1510="http://schemas.microsoft.com/office/powerpoint/2015/10/main">
+  <p1510:revLst>
+    <p1510:client id="{20BDD3F7-D5FF-4402-8891-585A1C48941B}" v="8" dt="2018-11-12T09:14:04.649"/>
+  </p1510:revLst>
+</p1510:revInfo>
+</file>
+
 <file path=ppt/changesInfos/changesInfo1.xml><?xml version="1.0" encoding="utf-8"?>
 <pc:chgInfo xmlns:a="http://schemas.openxmlformats.org/drawingml/2006/main" xmlns:r="http://schemas.openxmlformats.org/officeDocument/2006/relationships" xmlns:ac="http://schemas.microsoft.com/office/drawing/2013/main/command" xmlns:pc="http://schemas.microsoft.com/office/powerpoint/2013/main/command">
   <pc:docChgLst>
     <pc:chgData name="Ho Zong Sien" userId="03515f1a-cd05-4b48-bd07-e232f2fd8730" providerId="ADAL" clId="{20BDD3F7-D5FF-4402-8891-585A1C48941B}"/>
-    <pc:docChg chg="modSld">
-      <pc:chgData name="Ho Zong Sien" userId="03515f1a-cd05-4b48-bd07-e232f2fd8730" providerId="ADAL" clId="{20BDD3F7-D5FF-4402-8891-585A1C48941B}" dt="2018-10-29T18:58:24.243" v="2" actId="732"/>
+    <pc:docChg chg="custSel modSld">
+      <pc:chgData name="Ho Zong Sien" userId="03515f1a-cd05-4b48-bd07-e232f2fd8730" providerId="ADAL" clId="{20BDD3F7-D5FF-4402-8891-585A1C48941B}" dt="2018-11-12T09:15:43.053" v="97" actId="692"/>
       <pc:docMkLst>
         <pc:docMk/>
       </pc:docMkLst>
       <pc:sldChg chg="modSp">
-        <pc:chgData name="Ho Zong Sien" userId="03515f1a-cd05-4b48-bd07-e232f2fd8730" providerId="ADAL" clId="{20BDD3F7-D5FF-4402-8891-585A1C48941B}" dt="2018-10-29T18:54:48.174" v="0" actId="732"/>
+        <pc:chgData name="Ho Zong Sien" userId="03515f1a-cd05-4b48-bd07-e232f2fd8730" providerId="ADAL" clId="{20BDD3F7-D5FF-4402-8891-585A1C48941B}" dt="2018-11-12T09:15:43.053" v="97" actId="692"/>
         <pc:sldMkLst>
           <pc:docMk/>
           <pc:sldMk cId="0" sldId="256"/>
         </pc:sldMkLst>
+        <pc:spChg chg="mod">
+          <ac:chgData name="Ho Zong Sien" userId="03515f1a-cd05-4b48-bd07-e232f2fd8730" providerId="ADAL" clId="{20BDD3F7-D5FF-4402-8891-585A1C48941B}" dt="2018-11-12T09:15:43.053" v="97" actId="692"/>
+          <ac:spMkLst>
+            <pc:docMk/>
+            <pc:sldMk cId="0" sldId="256"/>
+            <ac:spMk id="100" creationId="{00000000-0000-0000-0000-000000000000}"/>
+          </ac:spMkLst>
+        </pc:spChg>
         <pc:picChg chg="mod modCrop">
           <ac:chgData name="Ho Zong Sien" userId="03515f1a-cd05-4b48-bd07-e232f2fd8730" providerId="ADAL" clId="{20BDD3F7-D5FF-4402-8891-585A1C48941B}" dt="2018-10-29T18:54:48.174" v="0" actId="732"/>
           <ac:picMkLst>
@@ -275,20 +291,83 @@
           </ac:picMkLst>
         </pc:picChg>
       </pc:sldChg>
-      <pc:sldChg chg="modSp">
-        <pc:chgData name="Ho Zong Sien" userId="03515f1a-cd05-4b48-bd07-e232f2fd8730" providerId="ADAL" clId="{20BDD3F7-D5FF-4402-8891-585A1C48941B}" dt="2018-10-29T18:58:24.243" v="2" actId="732"/>
+      <pc:sldChg chg="addSp delSp modSp">
+        <pc:chgData name="Ho Zong Sien" userId="03515f1a-cd05-4b48-bd07-e232f2fd8730" providerId="ADAL" clId="{20BDD3F7-D5FF-4402-8891-585A1C48941B}" dt="2018-11-12T09:12:58.180" v="87" actId="692"/>
         <pc:sldMkLst>
           <pc:docMk/>
           <pc:sldMk cId="0" sldId="257"/>
         </pc:sldMkLst>
-        <pc:picChg chg="mod modCrop">
-          <ac:chgData name="Ho Zong Sien" userId="03515f1a-cd05-4b48-bd07-e232f2fd8730" providerId="ADAL" clId="{20BDD3F7-D5FF-4402-8891-585A1C48941B}" dt="2018-10-29T18:58:24.243" v="2" actId="732"/>
+        <pc:spChg chg="mod">
+          <ac:chgData name="Ho Zong Sien" userId="03515f1a-cd05-4b48-bd07-e232f2fd8730" providerId="ADAL" clId="{20BDD3F7-D5FF-4402-8891-585A1C48941B}" dt="2018-11-12T09:12:58.180" v="87" actId="692"/>
+          <ac:spMkLst>
+            <pc:docMk/>
+            <pc:sldMk cId="0" sldId="257"/>
+            <ac:spMk id="109" creationId="{00000000-0000-0000-0000-000000000000}"/>
+          </ac:spMkLst>
+        </pc:spChg>
+        <pc:picChg chg="add mod ord modCrop">
+          <ac:chgData name="Ho Zong Sien" userId="03515f1a-cd05-4b48-bd07-e232f2fd8730" providerId="ADAL" clId="{20BDD3F7-D5FF-4402-8891-585A1C48941B}" dt="2018-11-12T09:03:47.428" v="20" actId="1035"/>
+          <ac:picMkLst>
+            <pc:docMk/>
+            <pc:sldMk cId="0" sldId="257"/>
+            <ac:picMk id="3" creationId="{6ED0363C-9A6C-4453-BC2F-9A1AF03D4630}"/>
+          </ac:picMkLst>
+        </pc:picChg>
+        <pc:picChg chg="del mod modCrop">
+          <ac:chgData name="Ho Zong Sien" userId="03515f1a-cd05-4b48-bd07-e232f2fd8730" providerId="ADAL" clId="{20BDD3F7-D5FF-4402-8891-585A1C48941B}" dt="2018-11-12T09:03:37.731" v="12" actId="478"/>
           <ac:picMkLst>
             <pc:docMk/>
             <pc:sldMk cId="0" sldId="257"/>
             <ac:picMk id="107" creationId="{00000000-0000-0000-0000-000000000000}"/>
           </ac:picMkLst>
         </pc:picChg>
+      </pc:sldChg>
+      <pc:sldChg chg="addSp delSp modSp">
+        <pc:chgData name="Ho Zong Sien" userId="03515f1a-cd05-4b48-bd07-e232f2fd8730" providerId="ADAL" clId="{20BDD3F7-D5FF-4402-8891-585A1C48941B}" dt="2018-11-12T09:14:38.357" v="96" actId="14100"/>
+        <pc:sldMkLst>
+          <pc:docMk/>
+          <pc:sldMk cId="0" sldId="258"/>
+        </pc:sldMkLst>
+        <pc:spChg chg="mod">
+          <ac:chgData name="Ho Zong Sien" userId="03515f1a-cd05-4b48-bd07-e232f2fd8730" providerId="ADAL" clId="{20BDD3F7-D5FF-4402-8891-585A1C48941B}" dt="2018-11-12T09:14:27.846" v="95" actId="1076"/>
+          <ac:spMkLst>
+            <pc:docMk/>
+            <pc:sldMk cId="0" sldId="258"/>
+            <ac:spMk id="118" creationId="{00000000-0000-0000-0000-000000000000}"/>
+          </ac:spMkLst>
+        </pc:spChg>
+        <pc:spChg chg="mod">
+          <ac:chgData name="Ho Zong Sien" userId="03515f1a-cd05-4b48-bd07-e232f2fd8730" providerId="ADAL" clId="{20BDD3F7-D5FF-4402-8891-585A1C48941B}" dt="2018-11-12T09:05:34.772" v="80" actId="1038"/>
+          <ac:spMkLst>
+            <pc:docMk/>
+            <pc:sldMk cId="0" sldId="258"/>
+            <ac:spMk id="119" creationId="{00000000-0000-0000-0000-000000000000}"/>
+          </ac:spMkLst>
+        </pc:spChg>
+        <pc:picChg chg="add mod ord modCrop">
+          <ac:chgData name="Ho Zong Sien" userId="03515f1a-cd05-4b48-bd07-e232f2fd8730" providerId="ADAL" clId="{20BDD3F7-D5FF-4402-8891-585A1C48941B}" dt="2018-11-12T09:05:17.735" v="33" actId="1076"/>
+          <ac:picMkLst>
+            <pc:docMk/>
+            <pc:sldMk cId="0" sldId="258"/>
+            <ac:picMk id="3" creationId="{2039B8E8-88FE-4D07-87C1-8F2ED43D152A}"/>
+          </ac:picMkLst>
+        </pc:picChg>
+        <pc:picChg chg="del">
+          <ac:chgData name="Ho Zong Sien" userId="03515f1a-cd05-4b48-bd07-e232f2fd8730" providerId="ADAL" clId="{20BDD3F7-D5FF-4402-8891-585A1C48941B}" dt="2018-11-12T09:04:09.028" v="25" actId="478"/>
+          <ac:picMkLst>
+            <pc:docMk/>
+            <pc:sldMk cId="0" sldId="258"/>
+            <ac:picMk id="116" creationId="{00000000-0000-0000-0000-000000000000}"/>
+          </ac:picMkLst>
+        </pc:picChg>
+        <pc:cxnChg chg="mod">
+          <ac:chgData name="Ho Zong Sien" userId="03515f1a-cd05-4b48-bd07-e232f2fd8730" providerId="ADAL" clId="{20BDD3F7-D5FF-4402-8891-585A1C48941B}" dt="2018-11-12T09:14:38.357" v="96" actId="14100"/>
+          <ac:cxnSpMkLst>
+            <pc:docMk/>
+            <pc:sldMk cId="0" sldId="258"/>
+            <ac:cxnSpMk id="117" creationId="{00000000-0000-0000-0000-000000000000}"/>
+          </ac:cxnSpMkLst>
+        </pc:cxnChg>
       </pc:sldChg>
     </pc:docChg>
   </pc:docChgLst>
@@ -12764,7 +12843,7 @@
           <a:noFill/>
           <a:ln w="9525" cap="flat" cmpd="sng">
             <a:solidFill>
-              <a:schemeClr val="dk2"/>
+              <a:schemeClr val="tx1"/>
             </a:solidFill>
             <a:prstDash val="solid"/>
             <a:round/>
@@ -12884,29 +12963,31 @@
       </p:grpSpPr>
       <p:pic>
         <p:nvPicPr>
-          <p:cNvPr id="107" name="Google Shape;107;p14"/>
-          <p:cNvPicPr preferRelativeResize="0"/>
+          <p:cNvPr id="3" name="Picture 2" descr="A screenshot of a cell phone&#10;&#10;Description automatically generated">
+            <a:extLst>
+              <a:ext uri="{FF2B5EF4-FFF2-40B4-BE49-F238E27FC236}">
+                <a16:creationId xmlns:a16="http://schemas.microsoft.com/office/drawing/2014/main" id="{6ED0363C-9A6C-4453-BC2F-9A1AF03D4630}"/>
+              </a:ext>
+            </a:extLst>
+          </p:cNvPr>
+          <p:cNvPicPr>
+            <a:picLocks noChangeAspect="1"/>
+          </p:cNvPicPr>
           <p:nvPr/>
         </p:nvPicPr>
         <p:blipFill rotWithShape="1">
-          <a:blip r:embed="rId3">
-            <a:alphaModFix/>
-          </a:blip>
-          <a:srcRect r="52191" b="44853"/>
+          <a:blip r:embed="rId3"/>
+          <a:srcRect r="41751" b="41751"/>
           <a:stretch/>
         </p:blipFill>
         <p:spPr>
           <a:xfrm>
-            <a:off x="1574239" y="1629525"/>
-            <a:ext cx="4323641" cy="2805315"/>
+            <a:off x="1641282" y="1649885"/>
+            <a:ext cx="4988440" cy="2805315"/>
           </a:xfrm>
           <a:prstGeom prst="rect">
             <a:avLst/>
           </a:prstGeom>
-          <a:noFill/>
-          <a:ln>
-            <a:noFill/>
-          </a:ln>
         </p:spPr>
       </p:pic>
       <p:cxnSp>
@@ -12951,9 +13032,16 @@
           <a:prstGeom prst="rect">
             <a:avLst/>
           </a:prstGeom>
-          <a:noFill/>
+          <a:solidFill>
+            <a:schemeClr val="accent1">
+              <a:lumMod val="20000"/>
+              <a:lumOff val="80000"/>
+            </a:schemeClr>
+          </a:solidFill>
           <a:ln>
-            <a:noFill/>
+            <a:solidFill>
+              <a:schemeClr val="accent1"/>
+            </a:solidFill>
           </a:ln>
         </p:spPr>
         <p:txBody>
@@ -12972,7 +13060,7 @@
               <a:buNone/>
             </a:pPr>
             <a:r>
-              <a:rPr lang="en-SG" sz="1800">
+              <a:rPr lang="en-SG" sz="1800" dirty="0">
                 <a:solidFill>
                   <a:schemeClr val="dk1"/>
                 </a:solidFill>
@@ -12983,7 +13071,7 @@
               </a:rPr>
               <a:t>Enter import command here</a:t>
             </a:r>
-            <a:endParaRPr/>
+            <a:endParaRPr dirty="0"/>
           </a:p>
         </p:txBody>
       </p:sp>
@@ -13066,44 +13154,46 @@
       </p:grpSpPr>
       <p:pic>
         <p:nvPicPr>
-          <p:cNvPr id="116" name="Google Shape;116;p15"/>
-          <p:cNvPicPr preferRelativeResize="0"/>
+          <p:cNvPr id="3" name="Picture 2" descr="A screenshot of a cell phone&#10;&#10;Description automatically generated">
+            <a:extLst>
+              <a:ext uri="{FF2B5EF4-FFF2-40B4-BE49-F238E27FC236}">
+                <a16:creationId xmlns:a16="http://schemas.microsoft.com/office/drawing/2014/main" id="{2039B8E8-88FE-4D07-87C1-8F2ED43D152A}"/>
+              </a:ext>
+            </a:extLst>
+          </p:cNvPr>
+          <p:cNvPicPr>
+            <a:picLocks noChangeAspect="1"/>
+          </p:cNvPicPr>
           <p:nvPr/>
         </p:nvPicPr>
-        <p:blipFill>
-          <a:blip r:embed="rId3">
-            <a:alphaModFix/>
-          </a:blip>
-          <a:stretch>
-            <a:fillRect/>
-          </a:stretch>
+        <p:blipFill rotWithShape="1">
+          <a:blip r:embed="rId3"/>
+          <a:srcRect l="-1" r="53465" b="14934"/>
+          <a:stretch/>
         </p:blipFill>
         <p:spPr>
           <a:xfrm>
-            <a:off x="3048275" y="1608709"/>
-            <a:ext cx="9043528" cy="5086985"/>
+            <a:off x="2249812" y="334704"/>
+            <a:ext cx="5672316" cy="5831021"/>
           </a:xfrm>
           <a:prstGeom prst="rect">
             <a:avLst/>
           </a:prstGeom>
-          <a:noFill/>
-          <a:ln>
-            <a:noFill/>
-          </a:ln>
         </p:spPr>
       </p:pic>
       <p:cxnSp>
         <p:nvCxnSpPr>
           <p:cNvPr id="117" name="Google Shape;117;p15"/>
           <p:cNvCxnSpPr>
+            <a:cxnSpLocks/>
             <a:stCxn id="118" idx="2"/>
           </p:cNvCxnSpPr>
           <p:nvPr/>
         </p:nvCxnSpPr>
         <p:spPr>
           <a:xfrm flipH="1">
-            <a:off x="5302025" y="1420075"/>
-            <a:ext cx="716100" cy="1261800"/>
+            <a:off x="6021898" y="1789619"/>
+            <a:ext cx="265394" cy="453114"/>
           </a:xfrm>
           <a:prstGeom prst="straightConnector1">
             <a:avLst/>
@@ -13128,15 +13218,22 @@
         </p:nvSpPr>
         <p:spPr>
           <a:xfrm>
-            <a:off x="4466225" y="692275"/>
+            <a:off x="4735392" y="1061819"/>
             <a:ext cx="3103800" cy="727800"/>
           </a:xfrm>
           <a:prstGeom prst="rect">
             <a:avLst/>
           </a:prstGeom>
-          <a:noFill/>
+          <a:solidFill>
+            <a:schemeClr val="accent1">
+              <a:lumMod val="20000"/>
+              <a:lumOff val="80000"/>
+            </a:schemeClr>
+          </a:solidFill>
           <a:ln>
-            <a:noFill/>
+            <a:solidFill>
+              <a:schemeClr val="accent1"/>
+            </a:solidFill>
           </a:ln>
         </p:spPr>
         <p:txBody>
@@ -13155,7 +13252,7 @@
               <a:buNone/>
             </a:pPr>
             <a:r>
-              <a:rPr lang="en-SG" sz="1800">
+              <a:rPr lang="en-SG" sz="1800" dirty="0">
                 <a:solidFill>
                   <a:schemeClr val="dk1"/>
                 </a:solidFill>
@@ -13167,7 +13264,7 @@
               <a:t>Recently imported cards</a:t>
             </a:r>
             <a:br>
-              <a:rPr lang="en-SG" sz="1800">
+              <a:rPr lang="en-SG" sz="1800" dirty="0">
                 <a:solidFill>
                   <a:schemeClr val="dk1"/>
                 </a:solidFill>
@@ -13178,7 +13275,7 @@
               </a:rPr>
             </a:br>
             <a:r>
-              <a:rPr lang="en-SG" sz="1800">
+              <a:rPr lang="en-SG" sz="1800" dirty="0">
                 <a:solidFill>
                   <a:schemeClr val="dk1"/>
                 </a:solidFill>
@@ -13189,7 +13286,7 @@
               </a:rPr>
               <a:t>will appear here</a:t>
             </a:r>
-            <a:endParaRPr/>
+            <a:endParaRPr dirty="0"/>
           </a:p>
         </p:txBody>
       </p:sp>
@@ -13201,8 +13298,8 @@
         </p:nvSpPr>
         <p:spPr>
           <a:xfrm>
-            <a:off x="2651550" y="2741750"/>
-            <a:ext cx="4076100" cy="3234900"/>
+            <a:off x="2020494" y="1981839"/>
+            <a:ext cx="5259198" cy="4569888"/>
           </a:xfrm>
           <a:prstGeom prst="ellipse">
             <a:avLst/>
